--- a/Documentation/v0.0.6/Presentation 2.pptx
+++ b/Documentation/v0.0.6/Presentation 2.pptx
@@ -5,21 +5,17 @@
     <p:sldMasterId id="2147483648" r:id="rId1"/>
   </p:sldMasterIdLst>
   <p:notesMasterIdLst>
-    <p:notesMasterId r:id="rId14"/>
+    <p:notesMasterId r:id="rId10"/>
   </p:notesMasterIdLst>
   <p:sldIdLst>
     <p:sldId id="256" r:id="rId2"/>
     <p:sldId id="258" r:id="rId3"/>
-    <p:sldId id="259" r:id="rId4"/>
-    <p:sldId id="260" r:id="rId5"/>
-    <p:sldId id="268" r:id="rId6"/>
-    <p:sldId id="261" r:id="rId7"/>
-    <p:sldId id="262" r:id="rId8"/>
-    <p:sldId id="263" r:id="rId9"/>
-    <p:sldId id="264" r:id="rId10"/>
-    <p:sldId id="265" r:id="rId11"/>
-    <p:sldId id="266" r:id="rId12"/>
-    <p:sldId id="267" r:id="rId13"/>
+    <p:sldId id="268" r:id="rId4"/>
+    <p:sldId id="271" r:id="rId5"/>
+    <p:sldId id="269" r:id="rId6"/>
+    <p:sldId id="272" r:id="rId7"/>
+    <p:sldId id="270" r:id="rId8"/>
+    <p:sldId id="267" r:id="rId9"/>
   </p:sldIdLst>
   <p:sldSz cx="12192000" cy="6858000"/>
   <p:notesSz cx="6858000" cy="9144000"/>
@@ -208,7 +204,7 @@
           <a:p>
             <a:fld id="{4CA89EFB-B35C-4B58-A983-0FF81E5E579B}" type="datetimeFigureOut">
               <a:rPr lang="nl-NL" smtClean="0"/>
-              <a:t>12-11-2015</a:t>
+              <a:t>2-6-2016</a:t>
             </a:fld>
             <a:endParaRPr lang="nl-NL"/>
           </a:p>
@@ -520,7 +516,27 @@
           <a:bodyPr/>
           <a:lstStyle/>
           <a:p>
-            <a:endParaRPr lang="nl-NL"/>
+            <a:r>
+              <a:rPr lang="nl-NL" dirty="0" smtClean="0"/>
+              <a:t>Kwaliteit:</a:t>
+            </a:r>
+            <a:r>
+              <a:rPr lang="nl-NL" baseline="0" dirty="0" smtClean="0"/>
+              <a:t> Door het regelmatig testen kun je bugs/fouten sneller herkennen en oplossen, waardoor het spel fijner speelt.</a:t>
+            </a:r>
+          </a:p>
+          <a:p>
+            <a:r>
+              <a:rPr lang="nl-NL" baseline="0" dirty="0" smtClean="0"/>
+              <a:t>Zekerheid: d.m.v. een testomgeving kunnen wij het product in elk gewenste omgeving testen en kunnen wij aangeven met zekerheid dat het werkt op de geteste computers.</a:t>
+            </a:r>
+          </a:p>
+          <a:p>
+            <a:r>
+              <a:rPr lang="nl-NL" baseline="0" dirty="0" smtClean="0"/>
+              <a:t>Kwantiteit: Als je punt 1 &amp; 2 verwerkt hebt in je product, dan is de kans groter dat het publiek het product gaat kopen en zo stijgt de kwantiteit.</a:t>
+            </a:r>
+            <a:endParaRPr lang="nl-NL" dirty="0"/>
           </a:p>
         </p:txBody>
       </p:sp>
@@ -541,7 +557,7 @@
           <a:p>
             <a:fld id="{EC6AE7EC-BC01-4FC5-8EB2-DC4C1E6A5525}" type="slidenum">
               <a:rPr lang="nl-NL" smtClean="0"/>
-              <a:t>6</a:t>
+              <a:t>3</a:t>
             </a:fld>
             <a:endParaRPr lang="nl-NL"/>
           </a:p>
@@ -550,7 +566,227 @@
     </p:spTree>
     <p:extLst>
       <p:ext uri="{BB962C8B-B14F-4D97-AF65-F5344CB8AC3E}">
-        <p14:creationId xmlns:p14="http://schemas.microsoft.com/office/powerpoint/2010/main" val="506075518"/>
+        <p14:creationId xmlns:p14="http://schemas.microsoft.com/office/powerpoint/2010/main" val="2408936459"/>
+      </p:ext>
+    </p:extLst>
+  </p:cSld>
+  <p:clrMapOvr>
+    <a:masterClrMapping/>
+  </p:clrMapOvr>
+</p:notes>
+</file>
+
+<file path=ppt/notesSlides/notesSlide2.xml><?xml version="1.0" encoding="utf-8"?>
+<p:notes xmlns:a="http://schemas.openxmlformats.org/drawingml/2006/main" xmlns:r="http://schemas.openxmlformats.org/officeDocument/2006/relationships" xmlns:p="http://schemas.openxmlformats.org/presentationml/2006/main">
+  <p:cSld>
+    <p:spTree>
+      <p:nvGrpSpPr>
+        <p:cNvPr id="1" name=""/>
+        <p:cNvGrpSpPr/>
+        <p:nvPr/>
+      </p:nvGrpSpPr>
+      <p:grpSpPr>
+        <a:xfrm>
+          <a:off x="0" y="0"/>
+          <a:ext cx="0" cy="0"/>
+          <a:chOff x="0" y="0"/>
+          <a:chExt cx="0" cy="0"/>
+        </a:xfrm>
+      </p:grpSpPr>
+      <p:sp>
+        <p:nvSpPr>
+          <p:cNvPr id="2" name="Slide Image Placeholder 1"/>
+          <p:cNvSpPr>
+            <a:spLocks noGrp="1" noRot="1" noChangeAspect="1"/>
+          </p:cNvSpPr>
+          <p:nvPr>
+            <p:ph type="sldImg"/>
+          </p:nvPr>
+        </p:nvSpPr>
+        <p:spPr/>
+      </p:sp>
+      <p:sp>
+        <p:nvSpPr>
+          <p:cNvPr id="3" name="Notes Placeholder 2"/>
+          <p:cNvSpPr>
+            <a:spLocks noGrp="1"/>
+          </p:cNvSpPr>
+          <p:nvPr>
+            <p:ph type="body" idx="1"/>
+          </p:nvPr>
+        </p:nvSpPr>
+        <p:spPr/>
+        <p:txBody>
+          <a:bodyPr/>
+          <a:lstStyle/>
+          <a:p>
+            <a:r>
+              <a:rPr lang="nl-NL" dirty="0" smtClean="0"/>
+              <a:t>Controle:</a:t>
+            </a:r>
+            <a:r>
+              <a:rPr lang="nl-NL" baseline="0" dirty="0" smtClean="0"/>
+              <a:t> Met een virtuele machine heb je bijna volledige controle over deze machine, wat belangrijk is voor het testen.</a:t>
+            </a:r>
+          </a:p>
+          <a:p>
+            <a:r>
+              <a:rPr lang="nl-NL" baseline="0" dirty="0" smtClean="0"/>
+              <a:t>Portable: De virtuele machine kan omgezet worden in een bestand dat vervolgens het web over kan.</a:t>
+            </a:r>
+          </a:p>
+          <a:p>
+            <a:r>
+              <a:rPr lang="nl-NL" baseline="0" dirty="0" smtClean="0"/>
+              <a:t>Virtual Box </a:t>
+            </a:r>
+            <a:r>
+              <a:rPr lang="nl-NL" baseline="0" dirty="0" err="1" smtClean="0"/>
+              <a:t>vs</a:t>
+            </a:r>
+            <a:r>
+              <a:rPr lang="nl-NL" baseline="0" dirty="0" smtClean="0"/>
+              <a:t> Docker: Docker bestaat al een tijdje voor Linux en sinds kort zijn ze ook bezig met een </a:t>
+            </a:r>
+            <a:r>
+              <a:rPr lang="nl-NL" baseline="0" dirty="0" err="1" smtClean="0"/>
+              <a:t>beta</a:t>
+            </a:r>
+            <a:r>
+              <a:rPr lang="nl-NL" baseline="0" dirty="0" smtClean="0"/>
+              <a:t> voor Windows. Helaas werkt </a:t>
+            </a:r>
+            <a:r>
+              <a:rPr lang="nl-NL" baseline="0" dirty="0" err="1" smtClean="0"/>
+              <a:t>docker</a:t>
+            </a:r>
+            <a:r>
+              <a:rPr lang="nl-NL" baseline="0" dirty="0" smtClean="0"/>
+              <a:t> voor </a:t>
+            </a:r>
+            <a:r>
+              <a:rPr lang="nl-NL" baseline="0" dirty="0" err="1" smtClean="0"/>
+              <a:t>windows</a:t>
+            </a:r>
+            <a:r>
+              <a:rPr lang="nl-NL" baseline="0" dirty="0" smtClean="0"/>
+              <a:t> nog niet volledig om gebruikt te worden als testomgeving.</a:t>
+            </a:r>
+            <a:endParaRPr lang="nl-NL" dirty="0"/>
+          </a:p>
+        </p:txBody>
+      </p:sp>
+      <p:sp>
+        <p:nvSpPr>
+          <p:cNvPr id="4" name="Slide Number Placeholder 3"/>
+          <p:cNvSpPr>
+            <a:spLocks noGrp="1"/>
+          </p:cNvSpPr>
+          <p:nvPr>
+            <p:ph type="sldNum" sz="quarter" idx="10"/>
+          </p:nvPr>
+        </p:nvSpPr>
+        <p:spPr/>
+        <p:txBody>
+          <a:bodyPr/>
+          <a:lstStyle/>
+          <a:p>
+            <a:fld id="{EC6AE7EC-BC01-4FC5-8EB2-DC4C1E6A5525}" type="slidenum">
+              <a:rPr lang="nl-NL" smtClean="0"/>
+              <a:t>4</a:t>
+            </a:fld>
+            <a:endParaRPr lang="nl-NL"/>
+          </a:p>
+        </p:txBody>
+      </p:sp>
+    </p:spTree>
+    <p:extLst>
+      <p:ext uri="{BB962C8B-B14F-4D97-AF65-F5344CB8AC3E}">
+        <p14:creationId xmlns:p14="http://schemas.microsoft.com/office/powerpoint/2010/main" val="504194563"/>
+      </p:ext>
+    </p:extLst>
+  </p:cSld>
+  <p:clrMapOvr>
+    <a:masterClrMapping/>
+  </p:clrMapOvr>
+</p:notes>
+</file>
+
+<file path=ppt/notesSlides/notesSlide3.xml><?xml version="1.0" encoding="utf-8"?>
+<p:notes xmlns:a="http://schemas.openxmlformats.org/drawingml/2006/main" xmlns:r="http://schemas.openxmlformats.org/officeDocument/2006/relationships" xmlns:p="http://schemas.openxmlformats.org/presentationml/2006/main">
+  <p:cSld>
+    <p:spTree>
+      <p:nvGrpSpPr>
+        <p:cNvPr id="1" name=""/>
+        <p:cNvGrpSpPr/>
+        <p:nvPr/>
+      </p:nvGrpSpPr>
+      <p:grpSpPr>
+        <a:xfrm>
+          <a:off x="0" y="0"/>
+          <a:ext cx="0" cy="0"/>
+          <a:chOff x="0" y="0"/>
+          <a:chExt cx="0" cy="0"/>
+        </a:xfrm>
+      </p:grpSpPr>
+      <p:sp>
+        <p:nvSpPr>
+          <p:cNvPr id="2" name="Slide Image Placeholder 1"/>
+          <p:cNvSpPr>
+            <a:spLocks noGrp="1" noRot="1" noChangeAspect="1"/>
+          </p:cNvSpPr>
+          <p:nvPr>
+            <p:ph type="sldImg"/>
+          </p:nvPr>
+        </p:nvSpPr>
+        <p:spPr/>
+      </p:sp>
+      <p:sp>
+        <p:nvSpPr>
+          <p:cNvPr id="3" name="Notes Placeholder 2"/>
+          <p:cNvSpPr>
+            <a:spLocks noGrp="1"/>
+          </p:cNvSpPr>
+          <p:nvPr>
+            <p:ph type="body" idx="1"/>
+          </p:nvPr>
+        </p:nvSpPr>
+        <p:spPr/>
+        <p:txBody>
+          <a:bodyPr/>
+          <a:lstStyle/>
+          <a:p>
+            <a:endParaRPr lang="nl-NL" dirty="0"/>
+          </a:p>
+        </p:txBody>
+      </p:sp>
+      <p:sp>
+        <p:nvSpPr>
+          <p:cNvPr id="4" name="Slide Number Placeholder 3"/>
+          <p:cNvSpPr>
+            <a:spLocks noGrp="1"/>
+          </p:cNvSpPr>
+          <p:nvPr>
+            <p:ph type="sldNum" sz="quarter" idx="10"/>
+          </p:nvPr>
+        </p:nvSpPr>
+        <p:spPr/>
+        <p:txBody>
+          <a:bodyPr/>
+          <a:lstStyle/>
+          <a:p>
+            <a:fld id="{EC6AE7EC-BC01-4FC5-8EB2-DC4C1E6A5525}" type="slidenum">
+              <a:rPr lang="nl-NL" smtClean="0"/>
+              <a:t>5</a:t>
+            </a:fld>
+            <a:endParaRPr lang="nl-NL"/>
+          </a:p>
+        </p:txBody>
+      </p:sp>
+    </p:spTree>
+    <p:extLst>
+      <p:ext uri="{BB962C8B-B14F-4D97-AF65-F5344CB8AC3E}">
+        <p14:creationId xmlns:p14="http://schemas.microsoft.com/office/powerpoint/2010/main" val="2286175312"/>
       </p:ext>
     </p:extLst>
   </p:cSld>
@@ -691,7 +927,7 @@
           <a:p>
             <a:fld id="{2ADB6D74-43F5-4D3C-86B3-B846FA96373A}" type="datetimeFigureOut">
               <a:rPr lang="nl-NL" smtClean="0"/>
-              <a:t>12-11-2015</a:t>
+              <a:t>2-6-2016</a:t>
             </a:fld>
             <a:endParaRPr lang="nl-NL"/>
           </a:p>
@@ -861,7 +1097,7 @@
           <a:p>
             <a:fld id="{2ADB6D74-43F5-4D3C-86B3-B846FA96373A}" type="datetimeFigureOut">
               <a:rPr lang="nl-NL" smtClean="0"/>
-              <a:t>12-11-2015</a:t>
+              <a:t>2-6-2016</a:t>
             </a:fld>
             <a:endParaRPr lang="nl-NL"/>
           </a:p>
@@ -1041,7 +1277,7 @@
           <a:p>
             <a:fld id="{2ADB6D74-43F5-4D3C-86B3-B846FA96373A}" type="datetimeFigureOut">
               <a:rPr lang="nl-NL" smtClean="0"/>
-              <a:t>12-11-2015</a:t>
+              <a:t>2-6-2016</a:t>
             </a:fld>
             <a:endParaRPr lang="nl-NL"/>
           </a:p>
@@ -1211,7 +1447,7 @@
           <a:p>
             <a:fld id="{2ADB6D74-43F5-4D3C-86B3-B846FA96373A}" type="datetimeFigureOut">
               <a:rPr lang="nl-NL" smtClean="0"/>
-              <a:t>12-11-2015</a:t>
+              <a:t>2-6-2016</a:t>
             </a:fld>
             <a:endParaRPr lang="nl-NL"/>
           </a:p>
@@ -1457,7 +1693,7 @@
           <a:p>
             <a:fld id="{2ADB6D74-43F5-4D3C-86B3-B846FA96373A}" type="datetimeFigureOut">
               <a:rPr lang="nl-NL" smtClean="0"/>
-              <a:t>12-11-2015</a:t>
+              <a:t>2-6-2016</a:t>
             </a:fld>
             <a:endParaRPr lang="nl-NL"/>
           </a:p>
@@ -1689,7 +1925,7 @@
           <a:p>
             <a:fld id="{2ADB6D74-43F5-4D3C-86B3-B846FA96373A}" type="datetimeFigureOut">
               <a:rPr lang="nl-NL" smtClean="0"/>
-              <a:t>12-11-2015</a:t>
+              <a:t>2-6-2016</a:t>
             </a:fld>
             <a:endParaRPr lang="nl-NL"/>
           </a:p>
@@ -2056,7 +2292,7 @@
           <a:p>
             <a:fld id="{2ADB6D74-43F5-4D3C-86B3-B846FA96373A}" type="datetimeFigureOut">
               <a:rPr lang="nl-NL" smtClean="0"/>
-              <a:t>12-11-2015</a:t>
+              <a:t>2-6-2016</a:t>
             </a:fld>
             <a:endParaRPr lang="nl-NL"/>
           </a:p>
@@ -2174,7 +2410,7 @@
           <a:p>
             <a:fld id="{2ADB6D74-43F5-4D3C-86B3-B846FA96373A}" type="datetimeFigureOut">
               <a:rPr lang="nl-NL" smtClean="0"/>
-              <a:t>12-11-2015</a:t>
+              <a:t>2-6-2016</a:t>
             </a:fld>
             <a:endParaRPr lang="nl-NL"/>
           </a:p>
@@ -2269,7 +2505,7 @@
           <a:p>
             <a:fld id="{2ADB6D74-43F5-4D3C-86B3-B846FA96373A}" type="datetimeFigureOut">
               <a:rPr lang="nl-NL" smtClean="0"/>
-              <a:t>12-11-2015</a:t>
+              <a:t>2-6-2016</a:t>
             </a:fld>
             <a:endParaRPr lang="nl-NL"/>
           </a:p>
@@ -2546,7 +2782,7 @@
           <a:p>
             <a:fld id="{2ADB6D74-43F5-4D3C-86B3-B846FA96373A}" type="datetimeFigureOut">
               <a:rPr lang="nl-NL" smtClean="0"/>
-              <a:t>12-11-2015</a:t>
+              <a:t>2-6-2016</a:t>
             </a:fld>
             <a:endParaRPr lang="nl-NL"/>
           </a:p>
@@ -2799,7 +3035,7 @@
           <a:p>
             <a:fld id="{2ADB6D74-43F5-4D3C-86B3-B846FA96373A}" type="datetimeFigureOut">
               <a:rPr lang="nl-NL" smtClean="0"/>
-              <a:t>12-11-2015</a:t>
+              <a:t>2-6-2016</a:t>
             </a:fld>
             <a:endParaRPr lang="nl-NL"/>
           </a:p>
@@ -3012,7 +3248,7 @@
           <a:p>
             <a:fld id="{2ADB6D74-43F5-4D3C-86B3-B846FA96373A}" type="datetimeFigureOut">
               <a:rPr lang="nl-NL" smtClean="0"/>
-              <a:t>12-11-2015</a:t>
+              <a:t>2-6-2016</a:t>
             </a:fld>
             <a:endParaRPr lang="nl-NL"/>
           </a:p>
@@ -3695,8 +3931,31 @@
                   </a:outerShdw>
                 </a:effectLst>
               </a:rPr>
-              <a:t>: AM4A</a:t>
-            </a:r>
+              <a:t>: </a:t>
+            </a:r>
+            <a:r>
+              <a:rPr lang="en-US" sz="2800" dirty="0" smtClean="0">
+                <a:ln w="0"/>
+                <a:effectLst>
+                  <a:outerShdw blurRad="38100" dist="19050" dir="2700000" algn="tl" rotWithShape="0">
+                    <a:schemeClr val="dk1">
+                      <a:alpha val="40000"/>
+                    </a:schemeClr>
+                  </a:outerShdw>
+                </a:effectLst>
+              </a:rPr>
+              <a:t>AM4B</a:t>
+            </a:r>
+            <a:endParaRPr lang="en-US" sz="2800" dirty="0" smtClean="0">
+              <a:ln w="0"/>
+              <a:effectLst>
+                <a:outerShdw blurRad="38100" dist="19050" dir="2700000" algn="tl" rotWithShape="0">
+                  <a:schemeClr val="dk1">
+                    <a:alpha val="40000"/>
+                  </a:schemeClr>
+                </a:outerShdw>
+              </a:effectLst>
+            </a:endParaRPr>
           </a:p>
           <a:p>
             <a:pPr algn="ctr"/>
@@ -3743,1694 +4002,6 @@
     <p:extLst>
       <p:ext uri="{BB962C8B-B14F-4D97-AF65-F5344CB8AC3E}">
         <p14:creationId xmlns:p14="http://schemas.microsoft.com/office/powerpoint/2010/main" val="3131379371"/>
-      </p:ext>
-    </p:extLst>
-  </p:cSld>
-  <p:clrMapOvr>
-    <a:masterClrMapping/>
-  </p:clrMapOvr>
-  <p:timing>
-    <p:tnLst>
-      <p:par>
-        <p:cTn id="1" dur="indefinite" restart="never" nodeType="tmRoot"/>
-      </p:par>
-    </p:tnLst>
-  </p:timing>
-</p:sld>
-</file>
-
-<file path=ppt/slides/slide10.xml><?xml version="1.0" encoding="utf-8"?>
-<p:sld xmlns:a="http://schemas.openxmlformats.org/drawingml/2006/main" xmlns:r="http://schemas.openxmlformats.org/officeDocument/2006/relationships" xmlns:p="http://schemas.openxmlformats.org/presentationml/2006/main">
-  <p:cSld>
-    <p:spTree>
-      <p:nvGrpSpPr>
-        <p:cNvPr id="1" name=""/>
-        <p:cNvGrpSpPr/>
-        <p:nvPr/>
-      </p:nvGrpSpPr>
-      <p:grpSpPr>
-        <a:xfrm>
-          <a:off x="0" y="0"/>
-          <a:ext cx="0" cy="0"/>
-          <a:chOff x="0" y="0"/>
-          <a:chExt cx="0" cy="0"/>
-        </a:xfrm>
-      </p:grpSpPr>
-      <p:pic>
-        <p:nvPicPr>
-          <p:cNvPr id="7" name="Picture 6"/>
-          <p:cNvPicPr>
-            <a:picLocks noChangeAspect="1"/>
-          </p:cNvPicPr>
-          <p:nvPr/>
-        </p:nvPicPr>
-        <p:blipFill>
-          <a:blip r:embed="rId2">
-            <a:extLst>
-              <a:ext uri="{28A0092B-C50C-407E-A947-70E740481C1C}">
-                <a14:useLocalDpi xmlns:a14="http://schemas.microsoft.com/office/drawing/2010/main" val="0"/>
-              </a:ext>
-            </a:extLst>
-          </a:blip>
-          <a:stretch>
-            <a:fillRect/>
-          </a:stretch>
-        </p:blipFill>
-        <p:spPr>
-          <a:xfrm>
-            <a:off x="0" y="0"/>
-            <a:ext cx="12192000" cy="6858000"/>
-          </a:xfrm>
-          <a:prstGeom prst="rect">
-            <a:avLst/>
-          </a:prstGeom>
-        </p:spPr>
-      </p:pic>
-      <p:pic>
-        <p:nvPicPr>
-          <p:cNvPr id="6" name="Picture 5"/>
-          <p:cNvPicPr>
-            <a:picLocks noChangeAspect="1"/>
-          </p:cNvPicPr>
-          <p:nvPr/>
-        </p:nvPicPr>
-        <p:blipFill>
-          <a:blip r:embed="rId3">
-            <a:extLst>
-              <a:ext uri="{28A0092B-C50C-407E-A947-70E740481C1C}">
-                <a14:useLocalDpi xmlns:a14="http://schemas.microsoft.com/office/drawing/2010/main" val="0"/>
-              </a:ext>
-            </a:extLst>
-          </a:blip>
-          <a:stretch>
-            <a:fillRect/>
-          </a:stretch>
-        </p:blipFill>
-        <p:spPr>
-          <a:xfrm flipH="1">
-            <a:off x="2275610" y="5231159"/>
-            <a:ext cx="1946702" cy="1522930"/>
-          </a:xfrm>
-          <a:prstGeom prst="rect">
-            <a:avLst/>
-          </a:prstGeom>
-        </p:spPr>
-      </p:pic>
-      <p:sp>
-        <p:nvSpPr>
-          <p:cNvPr id="2" name="Cloud 1"/>
-          <p:cNvSpPr/>
-          <p:nvPr/>
-        </p:nvSpPr>
-        <p:spPr>
-          <a:xfrm>
-            <a:off x="176645" y="114301"/>
-            <a:ext cx="1932709" cy="914400"/>
-          </a:xfrm>
-          <a:prstGeom prst="cloud">
-            <a:avLst/>
-          </a:prstGeom>
-          <a:solidFill>
-            <a:srgbClr val="A9CBE9"/>
-          </a:solidFill>
-        </p:spPr>
-        <p:style>
-          <a:lnRef idx="2">
-            <a:schemeClr val="accent1">
-              <a:shade val="50000"/>
-            </a:schemeClr>
-          </a:lnRef>
-          <a:fillRef idx="1">
-            <a:schemeClr val="accent1"/>
-          </a:fillRef>
-          <a:effectRef idx="0">
-            <a:schemeClr val="accent1"/>
-          </a:effectRef>
-          <a:fontRef idx="minor">
-            <a:schemeClr val="lt1"/>
-          </a:fontRef>
-        </p:style>
-        <p:txBody>
-          <a:bodyPr rtlCol="0" anchor="ctr"/>
-          <a:lstStyle/>
-          <a:p>
-            <a:pPr algn="ctr"/>
-            <a:endParaRPr lang="nl-NL"/>
-          </a:p>
-        </p:txBody>
-      </p:sp>
-      <p:sp>
-        <p:nvSpPr>
-          <p:cNvPr id="4" name="Rectangle 3"/>
-          <p:cNvSpPr/>
-          <p:nvPr/>
-        </p:nvSpPr>
-        <p:spPr>
-          <a:xfrm>
-            <a:off x="276971" y="263920"/>
-            <a:ext cx="1794402" cy="646331"/>
-          </a:xfrm>
-          <a:prstGeom prst="rect">
-            <a:avLst/>
-          </a:prstGeom>
-          <a:noFill/>
-        </p:spPr>
-        <p:txBody>
-          <a:bodyPr wrap="none" lIns="91440" tIns="45720" rIns="91440" bIns="45720">
-            <a:spAutoFit/>
-          </a:bodyPr>
-          <a:lstStyle/>
-          <a:p>
-            <a:pPr algn="ctr"/>
-            <a:r>
-              <a:rPr lang="en-US" b="0" cap="none" spc="0" dirty="0" err="1" smtClean="0">
-                <a:ln w="0"/>
-                <a:solidFill>
-                  <a:schemeClr val="tx1"/>
-                </a:solidFill>
-                <a:effectLst>
-                  <a:outerShdw blurRad="38100" dist="19050" dir="2700000" algn="tl" rotWithShape="0">
-                    <a:schemeClr val="dk1">
-                      <a:alpha val="40000"/>
-                    </a:schemeClr>
-                  </a:outerShdw>
-                </a:effectLst>
-              </a:rPr>
-              <a:t>Gerben</a:t>
-            </a:r>
-            <a:r>
-              <a:rPr lang="en-US" b="0" cap="none" spc="0" dirty="0" smtClean="0">
-                <a:ln w="0"/>
-                <a:solidFill>
-                  <a:schemeClr val="tx1"/>
-                </a:solidFill>
-                <a:effectLst>
-                  <a:outerShdw blurRad="38100" dist="19050" dir="2700000" algn="tl" rotWithShape="0">
-                    <a:schemeClr val="dk1">
-                      <a:alpha val="40000"/>
-                    </a:schemeClr>
-                  </a:outerShdw>
-                </a:effectLst>
-              </a:rPr>
-              <a:t> </a:t>
-            </a:r>
-            <a:r>
-              <a:rPr lang="en-US" b="0" cap="none" spc="0" dirty="0" err="1" smtClean="0">
-                <a:ln w="0"/>
-                <a:solidFill>
-                  <a:schemeClr val="tx1"/>
-                </a:solidFill>
-                <a:effectLst>
-                  <a:outerShdw blurRad="38100" dist="19050" dir="2700000" algn="tl" rotWithShape="0">
-                    <a:schemeClr val="dk1">
-                      <a:alpha val="40000"/>
-                    </a:schemeClr>
-                  </a:outerShdw>
-                </a:effectLst>
-              </a:rPr>
-              <a:t>Tesselaar</a:t>
-            </a:r>
-            <a:endParaRPr lang="en-US" b="0" cap="none" spc="0" dirty="0" smtClean="0">
-              <a:ln w="0"/>
-              <a:solidFill>
-                <a:schemeClr val="tx1"/>
-              </a:solidFill>
-              <a:effectLst>
-                <a:outerShdw blurRad="38100" dist="19050" dir="2700000" algn="tl" rotWithShape="0">
-                  <a:schemeClr val="dk1">
-                    <a:alpha val="40000"/>
-                  </a:schemeClr>
-                </a:outerShdw>
-              </a:effectLst>
-            </a:endParaRPr>
-          </a:p>
-          <a:p>
-            <a:pPr algn="ctr"/>
-            <a:r>
-              <a:rPr lang="en-US" dirty="0" smtClean="0">
-                <a:ln w="0"/>
-                <a:effectLst>
-                  <a:outerShdw blurRad="38100" dist="19050" dir="2700000" algn="tl" rotWithShape="0">
-                    <a:schemeClr val="dk1">
-                      <a:alpha val="40000"/>
-                    </a:schemeClr>
-                  </a:outerShdw>
-                </a:effectLst>
-              </a:rPr>
-              <a:t>AM4A</a:t>
-            </a:r>
-            <a:endParaRPr lang="en-US" b="0" cap="none" spc="0" dirty="0">
-              <a:ln w="0"/>
-              <a:solidFill>
-                <a:schemeClr val="tx1"/>
-              </a:solidFill>
-              <a:effectLst>
-                <a:outerShdw blurRad="38100" dist="19050" dir="2700000" algn="tl" rotWithShape="0">
-                  <a:schemeClr val="dk1">
-                    <a:alpha val="40000"/>
-                  </a:schemeClr>
-                </a:outerShdw>
-              </a:effectLst>
-            </a:endParaRPr>
-          </a:p>
-        </p:txBody>
-      </p:sp>
-      <p:sp>
-        <p:nvSpPr>
-          <p:cNvPr id="8" name="Oval Callout 7"/>
-          <p:cNvSpPr/>
-          <p:nvPr/>
-        </p:nvSpPr>
-        <p:spPr>
-          <a:xfrm>
-            <a:off x="3002972" y="795951"/>
-            <a:ext cx="6037118" cy="2497968"/>
-          </a:xfrm>
-          <a:prstGeom prst="wedgeEllipseCallout">
-            <a:avLst>
-              <a:gd name="adj1" fmla="val -39662"/>
-              <a:gd name="adj2" fmla="val 114033"/>
-            </a:avLst>
-          </a:prstGeom>
-          <a:solidFill>
-            <a:schemeClr val="accent1">
-              <a:lumMod val="40000"/>
-              <a:lumOff val="60000"/>
-            </a:schemeClr>
-          </a:solidFill>
-        </p:spPr>
-        <p:style>
-          <a:lnRef idx="2">
-            <a:schemeClr val="accent1">
-              <a:shade val="50000"/>
-            </a:schemeClr>
-          </a:lnRef>
-          <a:fillRef idx="1">
-            <a:schemeClr val="accent1"/>
-          </a:fillRef>
-          <a:effectRef idx="0">
-            <a:schemeClr val="accent1"/>
-          </a:effectRef>
-          <a:fontRef idx="minor">
-            <a:schemeClr val="lt1"/>
-          </a:fontRef>
-        </p:style>
-        <p:txBody>
-          <a:bodyPr rtlCol="0" anchor="ctr"/>
-          <a:lstStyle/>
-          <a:p>
-            <a:pPr algn="ctr"/>
-            <a:endParaRPr lang="nl-NL"/>
-          </a:p>
-        </p:txBody>
-      </p:sp>
-      <p:sp>
-        <p:nvSpPr>
-          <p:cNvPr id="9" name="Rectangle 8"/>
-          <p:cNvSpPr/>
-          <p:nvPr/>
-        </p:nvSpPr>
-        <p:spPr>
-          <a:xfrm>
-            <a:off x="3578921" y="1215738"/>
-            <a:ext cx="4906023" cy="523220"/>
-          </a:xfrm>
-          <a:prstGeom prst="rect">
-            <a:avLst/>
-          </a:prstGeom>
-          <a:noFill/>
-        </p:spPr>
-        <p:txBody>
-          <a:bodyPr wrap="none" lIns="91440" tIns="45720" rIns="91440" bIns="45720">
-            <a:spAutoFit/>
-          </a:bodyPr>
-          <a:lstStyle/>
-          <a:p>
-            <a:pPr algn="ctr"/>
-            <a:r>
-              <a:rPr lang="en-US" sz="2800" b="0" cap="none" spc="0" dirty="0" smtClean="0">
-                <a:ln w="0"/>
-                <a:solidFill>
-                  <a:schemeClr val="tx1"/>
-                </a:solidFill>
-                <a:effectLst>
-                  <a:outerShdw blurRad="38100" dist="19050" dir="2700000" algn="tl" rotWithShape="0">
-                    <a:schemeClr val="dk1">
-                      <a:alpha val="40000"/>
-                    </a:schemeClr>
-                  </a:outerShdw>
-                </a:effectLst>
-              </a:rPr>
-              <a:t>Wat </a:t>
-            </a:r>
-            <a:r>
-              <a:rPr lang="en-US" sz="2800" b="0" cap="none" spc="0" dirty="0" err="1" smtClean="0">
-                <a:ln w="0"/>
-                <a:solidFill>
-                  <a:schemeClr val="tx1"/>
-                </a:solidFill>
-                <a:effectLst>
-                  <a:outerShdw blurRad="38100" dist="19050" dir="2700000" algn="tl" rotWithShape="0">
-                    <a:schemeClr val="dk1">
-                      <a:alpha val="40000"/>
-                    </a:schemeClr>
-                  </a:outerShdw>
-                </a:effectLst>
-              </a:rPr>
-              <a:t>kan</a:t>
-            </a:r>
-            <a:r>
-              <a:rPr lang="en-US" sz="2800" b="0" cap="none" spc="0" dirty="0" smtClean="0">
-                <a:ln w="0"/>
-                <a:solidFill>
-                  <a:schemeClr val="tx1"/>
-                </a:solidFill>
-                <a:effectLst>
-                  <a:outerShdw blurRad="38100" dist="19050" dir="2700000" algn="tl" rotWithShape="0">
-                    <a:schemeClr val="dk1">
-                      <a:alpha val="40000"/>
-                    </a:schemeClr>
-                  </a:outerShdw>
-                </a:effectLst>
-              </a:rPr>
-              <a:t> </a:t>
-            </a:r>
-            <a:r>
-              <a:rPr lang="en-US" sz="2800" b="0" cap="none" spc="0" dirty="0" err="1" smtClean="0">
-                <a:ln w="0"/>
-                <a:solidFill>
-                  <a:schemeClr val="tx1"/>
-                </a:solidFill>
-                <a:effectLst>
-                  <a:outerShdw blurRad="38100" dist="19050" dir="2700000" algn="tl" rotWithShape="0">
-                    <a:schemeClr val="dk1">
-                      <a:alpha val="40000"/>
-                    </a:schemeClr>
-                  </a:outerShdw>
-                </a:effectLst>
-              </a:rPr>
-              <a:t>er</a:t>
-            </a:r>
-            <a:r>
-              <a:rPr lang="en-US" sz="2800" b="0" cap="none" spc="0" dirty="0" smtClean="0">
-                <a:ln w="0"/>
-                <a:solidFill>
-                  <a:schemeClr val="tx1"/>
-                </a:solidFill>
-                <a:effectLst>
-                  <a:outerShdw blurRad="38100" dist="19050" dir="2700000" algn="tl" rotWithShape="0">
-                    <a:schemeClr val="dk1">
-                      <a:alpha val="40000"/>
-                    </a:schemeClr>
-                  </a:outerShdw>
-                </a:effectLst>
-              </a:rPr>
-              <a:t> nog </a:t>
-            </a:r>
-            <a:r>
-              <a:rPr lang="en-US" sz="2800" b="0" cap="none" spc="0" dirty="0" err="1" smtClean="0">
-                <a:ln w="0"/>
-                <a:solidFill>
-                  <a:schemeClr val="tx1"/>
-                </a:solidFill>
-                <a:effectLst>
-                  <a:outerShdw blurRad="38100" dist="19050" dir="2700000" algn="tl" rotWithShape="0">
-                    <a:schemeClr val="dk1">
-                      <a:alpha val="40000"/>
-                    </a:schemeClr>
-                  </a:outerShdw>
-                </a:effectLst>
-              </a:rPr>
-              <a:t>gedaan</a:t>
-            </a:r>
-            <a:r>
-              <a:rPr lang="en-US" sz="2800" b="0" cap="none" spc="0" dirty="0" smtClean="0">
-                <a:ln w="0"/>
-                <a:solidFill>
-                  <a:schemeClr val="tx1"/>
-                </a:solidFill>
-                <a:effectLst>
-                  <a:outerShdw blurRad="38100" dist="19050" dir="2700000" algn="tl" rotWithShape="0">
-                    <a:schemeClr val="dk1">
-                      <a:alpha val="40000"/>
-                    </a:schemeClr>
-                  </a:outerShdw>
-                </a:effectLst>
-              </a:rPr>
-              <a:t> </a:t>
-            </a:r>
-            <a:r>
-              <a:rPr lang="en-US" sz="2800" b="0" cap="none" spc="0" dirty="0" err="1" smtClean="0">
-                <a:ln w="0"/>
-                <a:solidFill>
-                  <a:schemeClr val="tx1"/>
-                </a:solidFill>
-                <a:effectLst>
-                  <a:outerShdw blurRad="38100" dist="19050" dir="2700000" algn="tl" rotWithShape="0">
-                    <a:schemeClr val="dk1">
-                      <a:alpha val="40000"/>
-                    </a:schemeClr>
-                  </a:outerShdw>
-                </a:effectLst>
-              </a:rPr>
-              <a:t>worden</a:t>
-            </a:r>
-            <a:r>
-              <a:rPr lang="en-US" sz="2800" b="0" cap="none" spc="0" dirty="0" smtClean="0">
-                <a:ln w="0"/>
-                <a:solidFill>
-                  <a:schemeClr val="tx1"/>
-                </a:solidFill>
-                <a:effectLst>
-                  <a:outerShdw blurRad="38100" dist="19050" dir="2700000" algn="tl" rotWithShape="0">
-                    <a:schemeClr val="dk1">
-                      <a:alpha val="40000"/>
-                    </a:schemeClr>
-                  </a:outerShdw>
-                </a:effectLst>
-              </a:rPr>
-              <a:t>?</a:t>
-            </a:r>
-            <a:endParaRPr lang="en-US" sz="2800" b="0" cap="none" spc="0" dirty="0">
-              <a:ln w="0"/>
-              <a:solidFill>
-                <a:schemeClr val="tx1"/>
-              </a:solidFill>
-              <a:effectLst>
-                <a:outerShdw blurRad="38100" dist="19050" dir="2700000" algn="tl" rotWithShape="0">
-                  <a:schemeClr val="dk1">
-                    <a:alpha val="40000"/>
-                  </a:schemeClr>
-                </a:outerShdw>
-              </a:effectLst>
-            </a:endParaRPr>
-          </a:p>
-        </p:txBody>
-      </p:sp>
-      <p:sp>
-        <p:nvSpPr>
-          <p:cNvPr id="10" name="Rectangle 9"/>
-          <p:cNvSpPr/>
-          <p:nvPr/>
-        </p:nvSpPr>
-        <p:spPr>
-          <a:xfrm>
-            <a:off x="4244575" y="1894032"/>
-            <a:ext cx="3960380" cy="1015663"/>
-          </a:xfrm>
-          <a:prstGeom prst="rect">
-            <a:avLst/>
-          </a:prstGeom>
-          <a:noFill/>
-        </p:spPr>
-        <p:txBody>
-          <a:bodyPr wrap="none" lIns="91440" tIns="45720" rIns="91440" bIns="45720">
-            <a:spAutoFit/>
-          </a:bodyPr>
-          <a:lstStyle/>
-          <a:p>
-            <a:pPr marL="285750" indent="-285750">
-              <a:buFontTx/>
-              <a:buChar char="-"/>
-            </a:pPr>
-            <a:r>
-              <a:rPr lang="en-US" sz="2000" b="0" cap="none" spc="0" dirty="0" smtClean="0">
-                <a:ln w="0"/>
-                <a:solidFill>
-                  <a:schemeClr val="tx1"/>
-                </a:solidFill>
-                <a:effectLst>
-                  <a:outerShdw blurRad="38100" dist="19050" dir="2700000" algn="tl" rotWithShape="0">
-                    <a:schemeClr val="dk1">
-                      <a:alpha val="40000"/>
-                    </a:schemeClr>
-                  </a:outerShdw>
-                </a:effectLst>
-              </a:rPr>
-              <a:t>Het project is </a:t>
-            </a:r>
-            <a:r>
-              <a:rPr lang="en-US" sz="2000" b="0" cap="none" spc="0" dirty="0" err="1" smtClean="0">
-                <a:ln w="0"/>
-                <a:solidFill>
-                  <a:schemeClr val="tx1"/>
-                </a:solidFill>
-                <a:effectLst>
-                  <a:outerShdw blurRad="38100" dist="19050" dir="2700000" algn="tl" rotWithShape="0">
-                    <a:schemeClr val="dk1">
-                      <a:alpha val="40000"/>
-                    </a:schemeClr>
-                  </a:outerShdw>
-                </a:effectLst>
-              </a:rPr>
-              <a:t>uitbreidbaar</a:t>
-            </a:r>
-            <a:endParaRPr lang="en-US" sz="2000" b="0" cap="none" spc="0" dirty="0" smtClean="0">
-              <a:ln w="0"/>
-              <a:solidFill>
-                <a:schemeClr val="tx1"/>
-              </a:solidFill>
-              <a:effectLst>
-                <a:outerShdw blurRad="38100" dist="19050" dir="2700000" algn="tl" rotWithShape="0">
-                  <a:schemeClr val="dk1">
-                    <a:alpha val="40000"/>
-                  </a:schemeClr>
-                </a:outerShdw>
-              </a:effectLst>
-            </a:endParaRPr>
-          </a:p>
-          <a:p>
-            <a:pPr marL="285750" indent="-285750">
-              <a:buFontTx/>
-              <a:buChar char="-"/>
-            </a:pPr>
-            <a:r>
-              <a:rPr lang="en-US" sz="2000" dirty="0" smtClean="0">
-                <a:ln w="0"/>
-                <a:effectLst>
-                  <a:outerShdw blurRad="38100" dist="19050" dir="2700000" algn="tl" rotWithShape="0">
-                    <a:schemeClr val="dk1">
-                      <a:alpha val="40000"/>
-                    </a:schemeClr>
-                  </a:outerShdw>
-                </a:effectLst>
-              </a:rPr>
-              <a:t>Het project </a:t>
-            </a:r>
-            <a:r>
-              <a:rPr lang="en-US" sz="2000" dirty="0" err="1" smtClean="0">
-                <a:ln w="0"/>
-                <a:effectLst>
-                  <a:outerShdw blurRad="38100" dist="19050" dir="2700000" algn="tl" rotWithShape="0">
-                    <a:schemeClr val="dk1">
-                      <a:alpha val="40000"/>
-                    </a:schemeClr>
-                  </a:outerShdw>
-                </a:effectLst>
-              </a:rPr>
-              <a:t>kan</a:t>
-            </a:r>
-            <a:r>
-              <a:rPr lang="en-US" sz="2000" dirty="0" smtClean="0">
-                <a:ln w="0"/>
-                <a:effectLst>
-                  <a:outerShdw blurRad="38100" dist="19050" dir="2700000" algn="tl" rotWithShape="0">
-                    <a:schemeClr val="dk1">
-                      <a:alpha val="40000"/>
-                    </a:schemeClr>
-                  </a:outerShdw>
-                </a:effectLst>
-              </a:rPr>
-              <a:t> </a:t>
-            </a:r>
-            <a:r>
-              <a:rPr lang="en-US" sz="2000" dirty="0" err="1" smtClean="0">
-                <a:ln w="0"/>
-                <a:effectLst>
-                  <a:outerShdw blurRad="38100" dist="19050" dir="2700000" algn="tl" rotWithShape="0">
-                    <a:schemeClr val="dk1">
-                      <a:alpha val="40000"/>
-                    </a:schemeClr>
-                  </a:outerShdw>
-                </a:effectLst>
-              </a:rPr>
-              <a:t>herbruikt</a:t>
-            </a:r>
-            <a:r>
-              <a:rPr lang="en-US" sz="2000" dirty="0" smtClean="0">
-                <a:ln w="0"/>
-                <a:effectLst>
-                  <a:outerShdw blurRad="38100" dist="19050" dir="2700000" algn="tl" rotWithShape="0">
-                    <a:schemeClr val="dk1">
-                      <a:alpha val="40000"/>
-                    </a:schemeClr>
-                  </a:outerShdw>
-                </a:effectLst>
-              </a:rPr>
-              <a:t> </a:t>
-            </a:r>
-            <a:r>
-              <a:rPr lang="en-US" sz="2000" dirty="0" err="1" smtClean="0">
-                <a:ln w="0"/>
-                <a:effectLst>
-                  <a:outerShdw blurRad="38100" dist="19050" dir="2700000" algn="tl" rotWithShape="0">
-                    <a:schemeClr val="dk1">
-                      <a:alpha val="40000"/>
-                    </a:schemeClr>
-                  </a:outerShdw>
-                </a:effectLst>
-              </a:rPr>
-              <a:t>worden</a:t>
-            </a:r>
-            <a:endParaRPr lang="en-US" sz="2000" dirty="0" smtClean="0">
-              <a:ln w="0"/>
-              <a:effectLst>
-                <a:outerShdw blurRad="38100" dist="19050" dir="2700000" algn="tl" rotWithShape="0">
-                  <a:schemeClr val="dk1">
-                    <a:alpha val="40000"/>
-                  </a:schemeClr>
-                </a:outerShdw>
-              </a:effectLst>
-            </a:endParaRPr>
-          </a:p>
-          <a:p>
-            <a:pPr marL="285750" indent="-285750">
-              <a:buFontTx/>
-              <a:buChar char="-"/>
-            </a:pPr>
-            <a:r>
-              <a:rPr lang="en-US" sz="2000" dirty="0" err="1" smtClean="0">
-                <a:ln w="0"/>
-                <a:effectLst>
-                  <a:outerShdw blurRad="38100" dist="19050" dir="2700000" algn="tl" rotWithShape="0">
-                    <a:schemeClr val="dk1">
-                      <a:alpha val="40000"/>
-                    </a:schemeClr>
-                  </a:outerShdw>
-                </a:effectLst>
-              </a:rPr>
-              <a:t>Toekomst</a:t>
-            </a:r>
-            <a:endParaRPr lang="en-US" sz="2000" b="0" cap="none" spc="0" dirty="0" smtClean="0">
-              <a:ln w="0"/>
-              <a:solidFill>
-                <a:schemeClr val="tx1"/>
-              </a:solidFill>
-              <a:effectLst>
-                <a:outerShdw blurRad="38100" dist="19050" dir="2700000" algn="tl" rotWithShape="0">
-                  <a:schemeClr val="dk1">
-                    <a:alpha val="40000"/>
-                  </a:schemeClr>
-                </a:outerShdw>
-              </a:effectLst>
-            </a:endParaRPr>
-          </a:p>
-        </p:txBody>
-      </p:sp>
-      <p:sp>
-        <p:nvSpPr>
-          <p:cNvPr id="11" name="Rectangle 10"/>
-          <p:cNvSpPr/>
-          <p:nvPr/>
-        </p:nvSpPr>
-        <p:spPr>
-          <a:xfrm>
-            <a:off x="11700164" y="6483924"/>
-            <a:ext cx="394854" cy="301336"/>
-          </a:xfrm>
-          <a:prstGeom prst="rect">
-            <a:avLst/>
-          </a:prstGeom>
-        </p:spPr>
-        <p:style>
-          <a:lnRef idx="2">
-            <a:schemeClr val="accent1">
-              <a:shade val="50000"/>
-            </a:schemeClr>
-          </a:lnRef>
-          <a:fillRef idx="1">
-            <a:schemeClr val="accent1"/>
-          </a:fillRef>
-          <a:effectRef idx="0">
-            <a:schemeClr val="accent1"/>
-          </a:effectRef>
-          <a:fontRef idx="minor">
-            <a:schemeClr val="lt1"/>
-          </a:fontRef>
-        </p:style>
-        <p:txBody>
-          <a:bodyPr rtlCol="0" anchor="ctr"/>
-          <a:lstStyle/>
-          <a:p>
-            <a:pPr algn="ctr"/>
-            <a:endParaRPr lang="nl-NL"/>
-          </a:p>
-        </p:txBody>
-      </p:sp>
-      <p:sp>
-        <p:nvSpPr>
-          <p:cNvPr id="12" name="Rectangle 11"/>
-          <p:cNvSpPr/>
-          <p:nvPr/>
-        </p:nvSpPr>
-        <p:spPr>
-          <a:xfrm>
-            <a:off x="11746748" y="6449926"/>
-            <a:ext cx="301686" cy="369332"/>
-          </a:xfrm>
-          <a:prstGeom prst="rect">
-            <a:avLst/>
-          </a:prstGeom>
-          <a:noFill/>
-        </p:spPr>
-        <p:txBody>
-          <a:bodyPr wrap="none" lIns="91440" tIns="45720" rIns="91440" bIns="45720">
-            <a:spAutoFit/>
-          </a:bodyPr>
-          <a:lstStyle/>
-          <a:p>
-            <a:pPr algn="ctr"/>
-            <a:r>
-              <a:rPr lang="en-US" dirty="0">
-                <a:ln w="0"/>
-                <a:effectLst>
-                  <a:outerShdw blurRad="38100" dist="19050" dir="2700000" algn="tl" rotWithShape="0">
-                    <a:schemeClr val="dk1">
-                      <a:alpha val="40000"/>
-                    </a:schemeClr>
-                  </a:outerShdw>
-                </a:effectLst>
-              </a:rPr>
-              <a:t>8</a:t>
-            </a:r>
-            <a:endParaRPr lang="en-US" b="0" cap="none" spc="0" dirty="0">
-              <a:ln w="0"/>
-              <a:solidFill>
-                <a:schemeClr val="tx1"/>
-              </a:solidFill>
-              <a:effectLst>
-                <a:outerShdw blurRad="38100" dist="19050" dir="2700000" algn="tl" rotWithShape="0">
-                  <a:schemeClr val="dk1">
-                    <a:alpha val="40000"/>
-                  </a:schemeClr>
-                </a:outerShdw>
-              </a:effectLst>
-            </a:endParaRPr>
-          </a:p>
-        </p:txBody>
-      </p:sp>
-    </p:spTree>
-    <p:extLst>
-      <p:ext uri="{BB962C8B-B14F-4D97-AF65-F5344CB8AC3E}">
-        <p14:creationId xmlns:p14="http://schemas.microsoft.com/office/powerpoint/2010/main" val="2415996902"/>
-      </p:ext>
-    </p:extLst>
-  </p:cSld>
-  <p:clrMapOvr>
-    <a:masterClrMapping/>
-  </p:clrMapOvr>
-  <p:timing>
-    <p:tnLst>
-      <p:par>
-        <p:cTn id="1" dur="indefinite" restart="never" nodeType="tmRoot"/>
-      </p:par>
-    </p:tnLst>
-  </p:timing>
-</p:sld>
-</file>
-
-<file path=ppt/slides/slide11.xml><?xml version="1.0" encoding="utf-8"?>
-<p:sld xmlns:a="http://schemas.openxmlformats.org/drawingml/2006/main" xmlns:r="http://schemas.openxmlformats.org/officeDocument/2006/relationships" xmlns:p="http://schemas.openxmlformats.org/presentationml/2006/main">
-  <p:cSld>
-    <p:spTree>
-      <p:nvGrpSpPr>
-        <p:cNvPr id="1" name=""/>
-        <p:cNvGrpSpPr/>
-        <p:nvPr/>
-      </p:nvGrpSpPr>
-      <p:grpSpPr>
-        <a:xfrm>
-          <a:off x="0" y="0"/>
-          <a:ext cx="0" cy="0"/>
-          <a:chOff x="0" y="0"/>
-          <a:chExt cx="0" cy="0"/>
-        </a:xfrm>
-      </p:grpSpPr>
-      <p:pic>
-        <p:nvPicPr>
-          <p:cNvPr id="7" name="Picture 6"/>
-          <p:cNvPicPr>
-            <a:picLocks noChangeAspect="1"/>
-          </p:cNvPicPr>
-          <p:nvPr/>
-        </p:nvPicPr>
-        <p:blipFill>
-          <a:blip r:embed="rId2">
-            <a:extLst>
-              <a:ext uri="{28A0092B-C50C-407E-A947-70E740481C1C}">
-                <a14:useLocalDpi xmlns:a14="http://schemas.microsoft.com/office/drawing/2010/main" val="0"/>
-              </a:ext>
-            </a:extLst>
-          </a:blip>
-          <a:stretch>
-            <a:fillRect/>
-          </a:stretch>
-        </p:blipFill>
-        <p:spPr>
-          <a:xfrm>
-            <a:off x="0" y="0"/>
-            <a:ext cx="12192000" cy="6858000"/>
-          </a:xfrm>
-          <a:prstGeom prst="rect">
-            <a:avLst/>
-          </a:prstGeom>
-        </p:spPr>
-      </p:pic>
-      <p:pic>
-        <p:nvPicPr>
-          <p:cNvPr id="6" name="Picture 5"/>
-          <p:cNvPicPr>
-            <a:picLocks noChangeAspect="1"/>
-          </p:cNvPicPr>
-          <p:nvPr/>
-        </p:nvPicPr>
-        <p:blipFill>
-          <a:blip r:embed="rId3">
-            <a:extLst>
-              <a:ext uri="{28A0092B-C50C-407E-A947-70E740481C1C}">
-                <a14:useLocalDpi xmlns:a14="http://schemas.microsoft.com/office/drawing/2010/main" val="0"/>
-              </a:ext>
-            </a:extLst>
-          </a:blip>
-          <a:stretch>
-            <a:fillRect/>
-          </a:stretch>
-        </p:blipFill>
-        <p:spPr>
-          <a:xfrm flipH="1">
-            <a:off x="2275610" y="5231159"/>
-            <a:ext cx="1946702" cy="1522930"/>
-          </a:xfrm>
-          <a:prstGeom prst="rect">
-            <a:avLst/>
-          </a:prstGeom>
-        </p:spPr>
-      </p:pic>
-      <p:sp>
-        <p:nvSpPr>
-          <p:cNvPr id="2" name="Cloud 1"/>
-          <p:cNvSpPr/>
-          <p:nvPr/>
-        </p:nvSpPr>
-        <p:spPr>
-          <a:xfrm>
-            <a:off x="176645" y="114301"/>
-            <a:ext cx="1932709" cy="914400"/>
-          </a:xfrm>
-          <a:prstGeom prst="cloud">
-            <a:avLst/>
-          </a:prstGeom>
-          <a:solidFill>
-            <a:srgbClr val="A9CBE9"/>
-          </a:solidFill>
-        </p:spPr>
-        <p:style>
-          <a:lnRef idx="2">
-            <a:schemeClr val="accent1">
-              <a:shade val="50000"/>
-            </a:schemeClr>
-          </a:lnRef>
-          <a:fillRef idx="1">
-            <a:schemeClr val="accent1"/>
-          </a:fillRef>
-          <a:effectRef idx="0">
-            <a:schemeClr val="accent1"/>
-          </a:effectRef>
-          <a:fontRef idx="minor">
-            <a:schemeClr val="lt1"/>
-          </a:fontRef>
-        </p:style>
-        <p:txBody>
-          <a:bodyPr rtlCol="0" anchor="ctr"/>
-          <a:lstStyle/>
-          <a:p>
-            <a:pPr algn="ctr"/>
-            <a:endParaRPr lang="nl-NL"/>
-          </a:p>
-        </p:txBody>
-      </p:sp>
-      <p:sp>
-        <p:nvSpPr>
-          <p:cNvPr id="4" name="Rectangle 3"/>
-          <p:cNvSpPr/>
-          <p:nvPr/>
-        </p:nvSpPr>
-        <p:spPr>
-          <a:xfrm>
-            <a:off x="276971" y="263920"/>
-            <a:ext cx="1794402" cy="646331"/>
-          </a:xfrm>
-          <a:prstGeom prst="rect">
-            <a:avLst/>
-          </a:prstGeom>
-          <a:noFill/>
-        </p:spPr>
-        <p:txBody>
-          <a:bodyPr wrap="none" lIns="91440" tIns="45720" rIns="91440" bIns="45720">
-            <a:spAutoFit/>
-          </a:bodyPr>
-          <a:lstStyle/>
-          <a:p>
-            <a:pPr algn="ctr"/>
-            <a:r>
-              <a:rPr lang="en-US" b="0" cap="none" spc="0" dirty="0" err="1" smtClean="0">
-                <a:ln w="0"/>
-                <a:solidFill>
-                  <a:schemeClr val="tx1"/>
-                </a:solidFill>
-                <a:effectLst>
-                  <a:outerShdw blurRad="38100" dist="19050" dir="2700000" algn="tl" rotWithShape="0">
-                    <a:schemeClr val="dk1">
-                      <a:alpha val="40000"/>
-                    </a:schemeClr>
-                  </a:outerShdw>
-                </a:effectLst>
-              </a:rPr>
-              <a:t>Gerben</a:t>
-            </a:r>
-            <a:r>
-              <a:rPr lang="en-US" b="0" cap="none" spc="0" dirty="0" smtClean="0">
-                <a:ln w="0"/>
-                <a:solidFill>
-                  <a:schemeClr val="tx1"/>
-                </a:solidFill>
-                <a:effectLst>
-                  <a:outerShdw blurRad="38100" dist="19050" dir="2700000" algn="tl" rotWithShape="0">
-                    <a:schemeClr val="dk1">
-                      <a:alpha val="40000"/>
-                    </a:schemeClr>
-                  </a:outerShdw>
-                </a:effectLst>
-              </a:rPr>
-              <a:t> </a:t>
-            </a:r>
-            <a:r>
-              <a:rPr lang="en-US" b="0" cap="none" spc="0" dirty="0" err="1" smtClean="0">
-                <a:ln w="0"/>
-                <a:solidFill>
-                  <a:schemeClr val="tx1"/>
-                </a:solidFill>
-                <a:effectLst>
-                  <a:outerShdw blurRad="38100" dist="19050" dir="2700000" algn="tl" rotWithShape="0">
-                    <a:schemeClr val="dk1">
-                      <a:alpha val="40000"/>
-                    </a:schemeClr>
-                  </a:outerShdw>
-                </a:effectLst>
-              </a:rPr>
-              <a:t>Tesselaar</a:t>
-            </a:r>
-            <a:endParaRPr lang="en-US" b="0" cap="none" spc="0" dirty="0" smtClean="0">
-              <a:ln w="0"/>
-              <a:solidFill>
-                <a:schemeClr val="tx1"/>
-              </a:solidFill>
-              <a:effectLst>
-                <a:outerShdw blurRad="38100" dist="19050" dir="2700000" algn="tl" rotWithShape="0">
-                  <a:schemeClr val="dk1">
-                    <a:alpha val="40000"/>
-                  </a:schemeClr>
-                </a:outerShdw>
-              </a:effectLst>
-            </a:endParaRPr>
-          </a:p>
-          <a:p>
-            <a:pPr algn="ctr"/>
-            <a:r>
-              <a:rPr lang="en-US" dirty="0" smtClean="0">
-                <a:ln w="0"/>
-                <a:effectLst>
-                  <a:outerShdw blurRad="38100" dist="19050" dir="2700000" algn="tl" rotWithShape="0">
-                    <a:schemeClr val="dk1">
-                      <a:alpha val="40000"/>
-                    </a:schemeClr>
-                  </a:outerShdw>
-                </a:effectLst>
-              </a:rPr>
-              <a:t>AM4A</a:t>
-            </a:r>
-            <a:endParaRPr lang="en-US" b="0" cap="none" spc="0" dirty="0">
-              <a:ln w="0"/>
-              <a:solidFill>
-                <a:schemeClr val="tx1"/>
-              </a:solidFill>
-              <a:effectLst>
-                <a:outerShdw blurRad="38100" dist="19050" dir="2700000" algn="tl" rotWithShape="0">
-                  <a:schemeClr val="dk1">
-                    <a:alpha val="40000"/>
-                  </a:schemeClr>
-                </a:outerShdw>
-              </a:effectLst>
-            </a:endParaRPr>
-          </a:p>
-        </p:txBody>
-      </p:sp>
-      <p:sp>
-        <p:nvSpPr>
-          <p:cNvPr id="8" name="Oval Callout 7"/>
-          <p:cNvSpPr/>
-          <p:nvPr/>
-        </p:nvSpPr>
-        <p:spPr>
-          <a:xfrm>
-            <a:off x="3002972" y="795951"/>
-            <a:ext cx="6037118" cy="2497968"/>
-          </a:xfrm>
-          <a:prstGeom prst="wedgeEllipseCallout">
-            <a:avLst>
-              <a:gd name="adj1" fmla="val -39662"/>
-              <a:gd name="adj2" fmla="val 114033"/>
-            </a:avLst>
-          </a:prstGeom>
-          <a:solidFill>
-            <a:schemeClr val="accent1">
-              <a:lumMod val="40000"/>
-              <a:lumOff val="60000"/>
-            </a:schemeClr>
-          </a:solidFill>
-        </p:spPr>
-        <p:style>
-          <a:lnRef idx="2">
-            <a:schemeClr val="accent1">
-              <a:shade val="50000"/>
-            </a:schemeClr>
-          </a:lnRef>
-          <a:fillRef idx="1">
-            <a:schemeClr val="accent1"/>
-          </a:fillRef>
-          <a:effectRef idx="0">
-            <a:schemeClr val="accent1"/>
-          </a:effectRef>
-          <a:fontRef idx="minor">
-            <a:schemeClr val="lt1"/>
-          </a:fontRef>
-        </p:style>
-        <p:txBody>
-          <a:bodyPr rtlCol="0" anchor="ctr"/>
-          <a:lstStyle/>
-          <a:p>
-            <a:pPr algn="ctr"/>
-            <a:endParaRPr lang="nl-NL"/>
-          </a:p>
-        </p:txBody>
-      </p:sp>
-      <p:sp>
-        <p:nvSpPr>
-          <p:cNvPr id="9" name="Rectangle 8"/>
-          <p:cNvSpPr/>
-          <p:nvPr/>
-        </p:nvSpPr>
-        <p:spPr>
-          <a:xfrm>
-            <a:off x="5027806" y="1028701"/>
-            <a:ext cx="1779654" cy="584775"/>
-          </a:xfrm>
-          <a:prstGeom prst="rect">
-            <a:avLst/>
-          </a:prstGeom>
-          <a:noFill/>
-        </p:spPr>
-        <p:txBody>
-          <a:bodyPr wrap="none" lIns="91440" tIns="45720" rIns="91440" bIns="45720">
-            <a:spAutoFit/>
-          </a:bodyPr>
-          <a:lstStyle/>
-          <a:p>
-            <a:pPr algn="ctr"/>
-            <a:r>
-              <a:rPr lang="en-US" sz="3200" b="0" cap="none" spc="0" dirty="0" err="1" smtClean="0">
-                <a:ln w="0"/>
-                <a:solidFill>
-                  <a:schemeClr val="tx1"/>
-                </a:solidFill>
-                <a:effectLst>
-                  <a:outerShdw blurRad="38100" dist="19050" dir="2700000" algn="tl" rotWithShape="0">
-                    <a:schemeClr val="dk1">
-                      <a:alpha val="40000"/>
-                    </a:schemeClr>
-                  </a:outerShdw>
-                </a:effectLst>
-              </a:rPr>
-              <a:t>Conclusie</a:t>
-            </a:r>
-            <a:endParaRPr lang="en-US" sz="3200" b="0" cap="none" spc="0" dirty="0">
-              <a:ln w="0"/>
-              <a:solidFill>
-                <a:schemeClr val="tx1"/>
-              </a:solidFill>
-              <a:effectLst>
-                <a:outerShdw blurRad="38100" dist="19050" dir="2700000" algn="tl" rotWithShape="0">
-                  <a:schemeClr val="dk1">
-                    <a:alpha val="40000"/>
-                  </a:schemeClr>
-                </a:outerShdw>
-              </a:effectLst>
-            </a:endParaRPr>
-          </a:p>
-        </p:txBody>
-      </p:sp>
-      <p:sp>
-        <p:nvSpPr>
-          <p:cNvPr id="10" name="Rectangle 9"/>
-          <p:cNvSpPr/>
-          <p:nvPr/>
-        </p:nvSpPr>
-        <p:spPr>
-          <a:xfrm>
-            <a:off x="4271366" y="1354051"/>
-            <a:ext cx="3799260" cy="1938992"/>
-          </a:xfrm>
-          <a:prstGeom prst="rect">
-            <a:avLst/>
-          </a:prstGeom>
-          <a:noFill/>
-        </p:spPr>
-        <p:txBody>
-          <a:bodyPr wrap="square" lIns="91440" tIns="45720" rIns="91440" bIns="45720">
-            <a:spAutoFit/>
-          </a:bodyPr>
-          <a:lstStyle/>
-          <a:p>
-            <a:pPr algn="ctr"/>
-            <a:endParaRPr lang="nl-NL" sz="2000" dirty="0"/>
-          </a:p>
-          <a:p>
-            <a:r>
-              <a:rPr lang="nl-NL" sz="2000" dirty="0" err="1" smtClean="0"/>
-              <a:t>Oil’s</a:t>
-            </a:r>
-            <a:r>
-              <a:rPr lang="nl-NL" sz="2000" dirty="0" smtClean="0"/>
-              <a:t> Well </a:t>
-            </a:r>
-            <a:r>
-              <a:rPr lang="nl-NL" sz="2000" dirty="0"/>
-              <a:t>is een spel dat de verkoop van de </a:t>
-            </a:r>
-            <a:r>
-              <a:rPr lang="nl-NL" sz="2000" dirty="0" smtClean="0"/>
-              <a:t>snoepjes zal </a:t>
-            </a:r>
-            <a:r>
-              <a:rPr lang="nl-NL" sz="2000" dirty="0"/>
-              <a:t>verhogen en eventueel ook andere producten in de toekomst.</a:t>
-            </a:r>
-          </a:p>
-          <a:p>
-            <a:endParaRPr lang="en-US" sz="2000" b="0" cap="none" spc="0" dirty="0" smtClean="0">
-              <a:ln w="0"/>
-              <a:solidFill>
-                <a:schemeClr val="tx1"/>
-              </a:solidFill>
-              <a:effectLst>
-                <a:outerShdw blurRad="38100" dist="19050" dir="2700000" algn="tl" rotWithShape="0">
-                  <a:schemeClr val="dk1">
-                    <a:alpha val="40000"/>
-                  </a:schemeClr>
-                </a:outerShdw>
-              </a:effectLst>
-            </a:endParaRPr>
-          </a:p>
-        </p:txBody>
-      </p:sp>
-      <p:sp>
-        <p:nvSpPr>
-          <p:cNvPr id="11" name="Rectangle 10"/>
-          <p:cNvSpPr/>
-          <p:nvPr/>
-        </p:nvSpPr>
-        <p:spPr>
-          <a:xfrm>
-            <a:off x="11700164" y="6483924"/>
-            <a:ext cx="394854" cy="301336"/>
-          </a:xfrm>
-          <a:prstGeom prst="rect">
-            <a:avLst/>
-          </a:prstGeom>
-        </p:spPr>
-        <p:style>
-          <a:lnRef idx="2">
-            <a:schemeClr val="accent1">
-              <a:shade val="50000"/>
-            </a:schemeClr>
-          </a:lnRef>
-          <a:fillRef idx="1">
-            <a:schemeClr val="accent1"/>
-          </a:fillRef>
-          <a:effectRef idx="0">
-            <a:schemeClr val="accent1"/>
-          </a:effectRef>
-          <a:fontRef idx="minor">
-            <a:schemeClr val="lt1"/>
-          </a:fontRef>
-        </p:style>
-        <p:txBody>
-          <a:bodyPr rtlCol="0" anchor="ctr"/>
-          <a:lstStyle/>
-          <a:p>
-            <a:pPr algn="ctr"/>
-            <a:endParaRPr lang="nl-NL"/>
-          </a:p>
-        </p:txBody>
-      </p:sp>
-      <p:sp>
-        <p:nvSpPr>
-          <p:cNvPr id="12" name="Rectangle 11"/>
-          <p:cNvSpPr/>
-          <p:nvPr/>
-        </p:nvSpPr>
-        <p:spPr>
-          <a:xfrm>
-            <a:off x="11746748" y="6449926"/>
-            <a:ext cx="301686" cy="369332"/>
-          </a:xfrm>
-          <a:prstGeom prst="rect">
-            <a:avLst/>
-          </a:prstGeom>
-          <a:noFill/>
-        </p:spPr>
-        <p:txBody>
-          <a:bodyPr wrap="none" lIns="91440" tIns="45720" rIns="91440" bIns="45720">
-            <a:spAutoFit/>
-          </a:bodyPr>
-          <a:lstStyle/>
-          <a:p>
-            <a:pPr algn="ctr"/>
-            <a:r>
-              <a:rPr lang="en-US" dirty="0">
-                <a:ln w="0"/>
-                <a:effectLst>
-                  <a:outerShdw blurRad="38100" dist="19050" dir="2700000" algn="tl" rotWithShape="0">
-                    <a:schemeClr val="dk1">
-                      <a:alpha val="40000"/>
-                    </a:schemeClr>
-                  </a:outerShdw>
-                </a:effectLst>
-              </a:rPr>
-              <a:t>9</a:t>
-            </a:r>
-            <a:endParaRPr lang="en-US" b="0" cap="none" spc="0" dirty="0">
-              <a:ln w="0"/>
-              <a:solidFill>
-                <a:schemeClr val="tx1"/>
-              </a:solidFill>
-              <a:effectLst>
-                <a:outerShdw blurRad="38100" dist="19050" dir="2700000" algn="tl" rotWithShape="0">
-                  <a:schemeClr val="dk1">
-                    <a:alpha val="40000"/>
-                  </a:schemeClr>
-                </a:outerShdw>
-              </a:effectLst>
-            </a:endParaRPr>
-          </a:p>
-        </p:txBody>
-      </p:sp>
-    </p:spTree>
-    <p:extLst>
-      <p:ext uri="{BB962C8B-B14F-4D97-AF65-F5344CB8AC3E}">
-        <p14:creationId xmlns:p14="http://schemas.microsoft.com/office/powerpoint/2010/main" val="116098421"/>
-      </p:ext>
-    </p:extLst>
-  </p:cSld>
-  <p:clrMapOvr>
-    <a:masterClrMapping/>
-  </p:clrMapOvr>
-  <p:timing>
-    <p:tnLst>
-      <p:par>
-        <p:cTn id="1" dur="indefinite" restart="never" nodeType="tmRoot"/>
-      </p:par>
-    </p:tnLst>
-  </p:timing>
-</p:sld>
-</file>
-
-<file path=ppt/slides/slide12.xml><?xml version="1.0" encoding="utf-8"?>
-<p:sld xmlns:a="http://schemas.openxmlformats.org/drawingml/2006/main" xmlns:r="http://schemas.openxmlformats.org/officeDocument/2006/relationships" xmlns:p="http://schemas.openxmlformats.org/presentationml/2006/main">
-  <p:cSld>
-    <p:spTree>
-      <p:nvGrpSpPr>
-        <p:cNvPr id="1" name=""/>
-        <p:cNvGrpSpPr/>
-        <p:nvPr/>
-      </p:nvGrpSpPr>
-      <p:grpSpPr>
-        <a:xfrm>
-          <a:off x="0" y="0"/>
-          <a:ext cx="0" cy="0"/>
-          <a:chOff x="0" y="0"/>
-          <a:chExt cx="0" cy="0"/>
-        </a:xfrm>
-      </p:grpSpPr>
-      <p:pic>
-        <p:nvPicPr>
-          <p:cNvPr id="7" name="Picture 6"/>
-          <p:cNvPicPr>
-            <a:picLocks noChangeAspect="1"/>
-          </p:cNvPicPr>
-          <p:nvPr/>
-        </p:nvPicPr>
-        <p:blipFill>
-          <a:blip r:embed="rId2">
-            <a:extLst>
-              <a:ext uri="{28A0092B-C50C-407E-A947-70E740481C1C}">
-                <a14:useLocalDpi xmlns:a14="http://schemas.microsoft.com/office/drawing/2010/main" val="0"/>
-              </a:ext>
-            </a:extLst>
-          </a:blip>
-          <a:stretch>
-            <a:fillRect/>
-          </a:stretch>
-        </p:blipFill>
-        <p:spPr>
-          <a:xfrm>
-            <a:off x="0" y="0"/>
-            <a:ext cx="12192000" cy="6858000"/>
-          </a:xfrm>
-          <a:prstGeom prst="rect">
-            <a:avLst/>
-          </a:prstGeom>
-        </p:spPr>
-      </p:pic>
-      <p:pic>
-        <p:nvPicPr>
-          <p:cNvPr id="6" name="Picture 5"/>
-          <p:cNvPicPr>
-            <a:picLocks noChangeAspect="1"/>
-          </p:cNvPicPr>
-          <p:nvPr/>
-        </p:nvPicPr>
-        <p:blipFill>
-          <a:blip r:embed="rId3">
-            <a:extLst>
-              <a:ext uri="{28A0092B-C50C-407E-A947-70E740481C1C}">
-                <a14:useLocalDpi xmlns:a14="http://schemas.microsoft.com/office/drawing/2010/main" val="0"/>
-              </a:ext>
-            </a:extLst>
-          </a:blip>
-          <a:stretch>
-            <a:fillRect/>
-          </a:stretch>
-        </p:blipFill>
-        <p:spPr>
-          <a:xfrm flipH="1">
-            <a:off x="4665519" y="3288059"/>
-            <a:ext cx="1946702" cy="1522930"/>
-          </a:xfrm>
-          <a:prstGeom prst="rect">
-            <a:avLst/>
-          </a:prstGeom>
-        </p:spPr>
-      </p:pic>
-      <p:sp>
-        <p:nvSpPr>
-          <p:cNvPr id="2" name="Cloud 1"/>
-          <p:cNvSpPr/>
-          <p:nvPr/>
-        </p:nvSpPr>
-        <p:spPr>
-          <a:xfrm>
-            <a:off x="176645" y="114301"/>
-            <a:ext cx="1932709" cy="914400"/>
-          </a:xfrm>
-          <a:prstGeom prst="cloud">
-            <a:avLst/>
-          </a:prstGeom>
-          <a:solidFill>
-            <a:srgbClr val="A9CBE9"/>
-          </a:solidFill>
-        </p:spPr>
-        <p:style>
-          <a:lnRef idx="2">
-            <a:schemeClr val="accent1">
-              <a:shade val="50000"/>
-            </a:schemeClr>
-          </a:lnRef>
-          <a:fillRef idx="1">
-            <a:schemeClr val="accent1"/>
-          </a:fillRef>
-          <a:effectRef idx="0">
-            <a:schemeClr val="accent1"/>
-          </a:effectRef>
-          <a:fontRef idx="minor">
-            <a:schemeClr val="lt1"/>
-          </a:fontRef>
-        </p:style>
-        <p:txBody>
-          <a:bodyPr rtlCol="0" anchor="ctr"/>
-          <a:lstStyle/>
-          <a:p>
-            <a:pPr algn="ctr"/>
-            <a:endParaRPr lang="nl-NL"/>
-          </a:p>
-        </p:txBody>
-      </p:sp>
-      <p:sp>
-        <p:nvSpPr>
-          <p:cNvPr id="4" name="Rectangle 3"/>
-          <p:cNvSpPr/>
-          <p:nvPr/>
-        </p:nvSpPr>
-        <p:spPr>
-          <a:xfrm>
-            <a:off x="276971" y="263920"/>
-            <a:ext cx="1794402" cy="646331"/>
-          </a:xfrm>
-          <a:prstGeom prst="rect">
-            <a:avLst/>
-          </a:prstGeom>
-          <a:noFill/>
-        </p:spPr>
-        <p:txBody>
-          <a:bodyPr wrap="none" lIns="91440" tIns="45720" rIns="91440" bIns="45720">
-            <a:spAutoFit/>
-          </a:bodyPr>
-          <a:lstStyle/>
-          <a:p>
-            <a:pPr algn="ctr"/>
-            <a:r>
-              <a:rPr lang="en-US" b="0" cap="none" spc="0" dirty="0" err="1" smtClean="0">
-                <a:ln w="0"/>
-                <a:solidFill>
-                  <a:schemeClr val="tx1"/>
-                </a:solidFill>
-                <a:effectLst>
-                  <a:outerShdw blurRad="38100" dist="19050" dir="2700000" algn="tl" rotWithShape="0">
-                    <a:schemeClr val="dk1">
-                      <a:alpha val="40000"/>
-                    </a:schemeClr>
-                  </a:outerShdw>
-                </a:effectLst>
-              </a:rPr>
-              <a:t>Gerben</a:t>
-            </a:r>
-            <a:r>
-              <a:rPr lang="en-US" b="0" cap="none" spc="0" dirty="0" smtClean="0">
-                <a:ln w="0"/>
-                <a:solidFill>
-                  <a:schemeClr val="tx1"/>
-                </a:solidFill>
-                <a:effectLst>
-                  <a:outerShdw blurRad="38100" dist="19050" dir="2700000" algn="tl" rotWithShape="0">
-                    <a:schemeClr val="dk1">
-                      <a:alpha val="40000"/>
-                    </a:schemeClr>
-                  </a:outerShdw>
-                </a:effectLst>
-              </a:rPr>
-              <a:t> </a:t>
-            </a:r>
-            <a:r>
-              <a:rPr lang="en-US" b="0" cap="none" spc="0" dirty="0" err="1" smtClean="0">
-                <a:ln w="0"/>
-                <a:solidFill>
-                  <a:schemeClr val="tx1"/>
-                </a:solidFill>
-                <a:effectLst>
-                  <a:outerShdw blurRad="38100" dist="19050" dir="2700000" algn="tl" rotWithShape="0">
-                    <a:schemeClr val="dk1">
-                      <a:alpha val="40000"/>
-                    </a:schemeClr>
-                  </a:outerShdw>
-                </a:effectLst>
-              </a:rPr>
-              <a:t>Tesselaar</a:t>
-            </a:r>
-            <a:endParaRPr lang="en-US" b="0" cap="none" spc="0" dirty="0" smtClean="0">
-              <a:ln w="0"/>
-              <a:solidFill>
-                <a:schemeClr val="tx1"/>
-              </a:solidFill>
-              <a:effectLst>
-                <a:outerShdw blurRad="38100" dist="19050" dir="2700000" algn="tl" rotWithShape="0">
-                  <a:schemeClr val="dk1">
-                    <a:alpha val="40000"/>
-                  </a:schemeClr>
-                </a:outerShdw>
-              </a:effectLst>
-            </a:endParaRPr>
-          </a:p>
-          <a:p>
-            <a:pPr algn="ctr"/>
-            <a:r>
-              <a:rPr lang="en-US" dirty="0" smtClean="0">
-                <a:ln w="0"/>
-                <a:effectLst>
-                  <a:outerShdw blurRad="38100" dist="19050" dir="2700000" algn="tl" rotWithShape="0">
-                    <a:schemeClr val="dk1">
-                      <a:alpha val="40000"/>
-                    </a:schemeClr>
-                  </a:outerShdw>
-                </a:effectLst>
-              </a:rPr>
-              <a:t>AM4A</a:t>
-            </a:r>
-            <a:endParaRPr lang="en-US" b="0" cap="none" spc="0" dirty="0">
-              <a:ln w="0"/>
-              <a:solidFill>
-                <a:schemeClr val="tx1"/>
-              </a:solidFill>
-              <a:effectLst>
-                <a:outerShdw blurRad="38100" dist="19050" dir="2700000" algn="tl" rotWithShape="0">
-                  <a:schemeClr val="dk1">
-                    <a:alpha val="40000"/>
-                  </a:schemeClr>
-                </a:outerShdw>
-              </a:effectLst>
-            </a:endParaRPr>
-          </a:p>
-        </p:txBody>
-      </p:sp>
-      <p:sp>
-        <p:nvSpPr>
-          <p:cNvPr id="11" name="Rectangle 10"/>
-          <p:cNvSpPr/>
-          <p:nvPr/>
-        </p:nvSpPr>
-        <p:spPr>
-          <a:xfrm>
-            <a:off x="4108515" y="1840584"/>
-            <a:ext cx="3060710" cy="1015663"/>
-          </a:xfrm>
-          <a:prstGeom prst="rect">
-            <a:avLst/>
-          </a:prstGeom>
-          <a:noFill/>
-        </p:spPr>
-        <p:txBody>
-          <a:bodyPr wrap="none" lIns="91440" tIns="45720" rIns="91440" bIns="45720">
-            <a:spAutoFit/>
-          </a:bodyPr>
-          <a:lstStyle/>
-          <a:p>
-            <a:pPr algn="ctr"/>
-            <a:r>
-              <a:rPr lang="en-US" sz="6000" b="0" cap="none" spc="0" dirty="0" smtClean="0">
-                <a:ln w="0"/>
-                <a:solidFill>
-                  <a:schemeClr val="accent1">
-                    <a:lumMod val="75000"/>
-                  </a:schemeClr>
-                </a:solidFill>
-                <a:effectLst>
-                  <a:outerShdw blurRad="38100" dist="25400" dir="5400000" algn="ctr" rotWithShape="0">
-                    <a:srgbClr val="6E747A">
-                      <a:alpha val="43000"/>
-                    </a:srgbClr>
-                  </a:outerShdw>
-                </a:effectLst>
-              </a:rPr>
-              <a:t>Oil’s Well</a:t>
-            </a:r>
-          </a:p>
-        </p:txBody>
-      </p:sp>
-      <p:sp>
-        <p:nvSpPr>
-          <p:cNvPr id="8" name="Rectangle 7"/>
-          <p:cNvSpPr/>
-          <p:nvPr/>
-        </p:nvSpPr>
-        <p:spPr>
-          <a:xfrm>
-            <a:off x="11700164" y="6483924"/>
-            <a:ext cx="394854" cy="301336"/>
-          </a:xfrm>
-          <a:prstGeom prst="rect">
-            <a:avLst/>
-          </a:prstGeom>
-        </p:spPr>
-        <p:style>
-          <a:lnRef idx="2">
-            <a:schemeClr val="accent1">
-              <a:shade val="50000"/>
-            </a:schemeClr>
-          </a:lnRef>
-          <a:fillRef idx="1">
-            <a:schemeClr val="accent1"/>
-          </a:fillRef>
-          <a:effectRef idx="0">
-            <a:schemeClr val="accent1"/>
-          </a:effectRef>
-          <a:fontRef idx="minor">
-            <a:schemeClr val="lt1"/>
-          </a:fontRef>
-        </p:style>
-        <p:txBody>
-          <a:bodyPr rtlCol="0" anchor="ctr"/>
-          <a:lstStyle/>
-          <a:p>
-            <a:pPr algn="ctr"/>
-            <a:endParaRPr lang="nl-NL"/>
-          </a:p>
-        </p:txBody>
-      </p:sp>
-      <p:sp>
-        <p:nvSpPr>
-          <p:cNvPr id="9" name="Rectangle 8"/>
-          <p:cNvSpPr/>
-          <p:nvPr/>
-        </p:nvSpPr>
-        <p:spPr>
-          <a:xfrm>
-            <a:off x="11688239" y="6449926"/>
-            <a:ext cx="418704" cy="369332"/>
-          </a:xfrm>
-          <a:prstGeom prst="rect">
-            <a:avLst/>
-          </a:prstGeom>
-          <a:noFill/>
-        </p:spPr>
-        <p:txBody>
-          <a:bodyPr wrap="none" lIns="91440" tIns="45720" rIns="91440" bIns="45720">
-            <a:spAutoFit/>
-          </a:bodyPr>
-          <a:lstStyle/>
-          <a:p>
-            <a:pPr algn="ctr"/>
-            <a:r>
-              <a:rPr lang="en-US" dirty="0" smtClean="0">
-                <a:ln w="0"/>
-                <a:effectLst>
-                  <a:outerShdw blurRad="38100" dist="19050" dir="2700000" algn="tl" rotWithShape="0">
-                    <a:schemeClr val="dk1">
-                      <a:alpha val="40000"/>
-                    </a:schemeClr>
-                  </a:outerShdw>
-                </a:effectLst>
-              </a:rPr>
-              <a:t>10</a:t>
-            </a:r>
-            <a:endParaRPr lang="en-US" b="0" cap="none" spc="0" dirty="0">
-              <a:ln w="0"/>
-              <a:solidFill>
-                <a:schemeClr val="tx1"/>
-              </a:solidFill>
-              <a:effectLst>
-                <a:outerShdw blurRad="38100" dist="19050" dir="2700000" algn="tl" rotWithShape="0">
-                  <a:schemeClr val="dk1">
-                    <a:alpha val="40000"/>
-                  </a:schemeClr>
-                </a:outerShdw>
-              </a:effectLst>
-            </a:endParaRPr>
-          </a:p>
-        </p:txBody>
-      </p:sp>
-    </p:spTree>
-    <p:extLst>
-      <p:ext uri="{BB962C8B-B14F-4D97-AF65-F5344CB8AC3E}">
-        <p14:creationId xmlns:p14="http://schemas.microsoft.com/office/powerpoint/2010/main" val="2129084140"/>
       </p:ext>
     </p:extLst>
   </p:cSld>
@@ -5665,7 +4236,7 @@
                   </a:outerShdw>
                 </a:effectLst>
               </a:rPr>
-              <a:t>AM4A</a:t>
+              <a:t>AM4B</a:t>
             </a:r>
             <a:endParaRPr lang="en-US" b="0" cap="none" spc="0" dirty="0">
               <a:ln w="0"/>
@@ -5732,9 +4303,402 @@
           </a:p>
         </p:txBody>
       </p:sp>
+      <p:sp>
+        <p:nvSpPr>
+          <p:cNvPr id="11" name="Rectangle 10"/>
+          <p:cNvSpPr/>
+          <p:nvPr/>
+        </p:nvSpPr>
+        <p:spPr>
+          <a:xfrm>
+            <a:off x="4914898" y="1422220"/>
+            <a:ext cx="3394134" cy="1877437"/>
+          </a:xfrm>
+          <a:prstGeom prst="rect">
+            <a:avLst/>
+          </a:prstGeom>
+          <a:noFill/>
+        </p:spPr>
+        <p:txBody>
+          <a:bodyPr wrap="none" lIns="91440" tIns="45720" rIns="91440" bIns="45720">
+            <a:spAutoFit/>
+          </a:bodyPr>
+          <a:lstStyle/>
+          <a:p>
+            <a:r>
+              <a:rPr lang="en-US" sz="2800" b="0" cap="none" spc="0" dirty="0" err="1" smtClean="0">
+                <a:ln w="0"/>
+                <a:solidFill>
+                  <a:schemeClr val="tx1"/>
+                </a:solidFill>
+                <a:effectLst>
+                  <a:outerShdw blurRad="38100" dist="19050" dir="2700000" algn="tl" rotWithShape="0">
+                    <a:schemeClr val="dk1">
+                      <a:alpha val="40000"/>
+                    </a:schemeClr>
+                  </a:outerShdw>
+                </a:effectLst>
+              </a:rPr>
+              <a:t>Wie</a:t>
+            </a:r>
+            <a:r>
+              <a:rPr lang="en-US" sz="2800" b="0" cap="none" spc="0" dirty="0" smtClean="0">
+                <a:ln w="0"/>
+                <a:solidFill>
+                  <a:schemeClr val="tx1"/>
+                </a:solidFill>
+                <a:effectLst>
+                  <a:outerShdw blurRad="38100" dist="19050" dir="2700000" algn="tl" rotWithShape="0">
+                    <a:schemeClr val="dk1">
+                      <a:alpha val="40000"/>
+                    </a:schemeClr>
+                  </a:outerShdw>
+                </a:effectLst>
+              </a:rPr>
+              <a:t> ben </a:t>
+            </a:r>
+            <a:r>
+              <a:rPr lang="en-US" sz="2800" b="0" cap="none" spc="0" dirty="0" err="1" smtClean="0">
+                <a:ln w="0"/>
+                <a:solidFill>
+                  <a:schemeClr val="tx1"/>
+                </a:solidFill>
+                <a:effectLst>
+                  <a:outerShdw blurRad="38100" dist="19050" dir="2700000" algn="tl" rotWithShape="0">
+                    <a:schemeClr val="dk1">
+                      <a:alpha val="40000"/>
+                    </a:schemeClr>
+                  </a:outerShdw>
+                </a:effectLst>
+              </a:rPr>
+              <a:t>ik</a:t>
+            </a:r>
+            <a:r>
+              <a:rPr lang="en-US" sz="2800" b="0" cap="none" spc="0" dirty="0" smtClean="0">
+                <a:ln w="0"/>
+                <a:solidFill>
+                  <a:schemeClr val="tx1"/>
+                </a:solidFill>
+                <a:effectLst>
+                  <a:outerShdw blurRad="38100" dist="19050" dir="2700000" algn="tl" rotWithShape="0">
+                    <a:schemeClr val="dk1">
+                      <a:alpha val="40000"/>
+                    </a:schemeClr>
+                  </a:outerShdw>
+                </a:effectLst>
+              </a:rPr>
+              <a:t>?</a:t>
+            </a:r>
+          </a:p>
+          <a:p>
+            <a:endParaRPr lang="en-US" sz="2800" dirty="0">
+              <a:ln w="0"/>
+              <a:effectLst>
+                <a:outerShdw blurRad="38100" dist="19050" dir="2700000" algn="tl" rotWithShape="0">
+                  <a:schemeClr val="dk1">
+                    <a:alpha val="40000"/>
+                  </a:schemeClr>
+                </a:outerShdw>
+              </a:effectLst>
+            </a:endParaRPr>
+          </a:p>
+          <a:p>
+            <a:r>
+              <a:rPr lang="en-US" sz="2000" dirty="0" err="1" smtClean="0">
+                <a:ln w="0"/>
+                <a:effectLst>
+                  <a:outerShdw blurRad="38100" dist="19050" dir="2700000" algn="tl" rotWithShape="0">
+                    <a:schemeClr val="dk1">
+                      <a:alpha val="40000"/>
+                    </a:schemeClr>
+                  </a:outerShdw>
+                </a:effectLst>
+              </a:rPr>
+              <a:t>Naam</a:t>
+            </a:r>
+            <a:r>
+              <a:rPr lang="en-US" sz="2000" dirty="0" smtClean="0">
+                <a:ln w="0"/>
+                <a:effectLst>
+                  <a:outerShdw blurRad="38100" dist="19050" dir="2700000" algn="tl" rotWithShape="0">
+                    <a:schemeClr val="dk1">
+                      <a:alpha val="40000"/>
+                    </a:schemeClr>
+                  </a:outerShdw>
+                </a:effectLst>
+              </a:rPr>
+              <a:t>: </a:t>
+            </a:r>
+            <a:r>
+              <a:rPr lang="en-US" sz="2000" dirty="0" err="1" smtClean="0">
+                <a:ln w="0"/>
+                <a:effectLst>
+                  <a:outerShdw blurRad="38100" dist="19050" dir="2700000" algn="tl" rotWithShape="0">
+                    <a:schemeClr val="dk1">
+                      <a:alpha val="40000"/>
+                    </a:schemeClr>
+                  </a:outerShdw>
+                </a:effectLst>
+              </a:rPr>
+              <a:t>Gerben</a:t>
+            </a:r>
+            <a:r>
+              <a:rPr lang="en-US" sz="2000" dirty="0" smtClean="0">
+                <a:ln w="0"/>
+                <a:effectLst>
+                  <a:outerShdw blurRad="38100" dist="19050" dir="2700000" algn="tl" rotWithShape="0">
+                    <a:schemeClr val="dk1">
+                      <a:alpha val="40000"/>
+                    </a:schemeClr>
+                  </a:outerShdw>
+                </a:effectLst>
+              </a:rPr>
+              <a:t> </a:t>
+            </a:r>
+            <a:r>
+              <a:rPr lang="en-US" sz="2000" dirty="0" err="1" smtClean="0">
+                <a:ln w="0"/>
+                <a:effectLst>
+                  <a:outerShdw blurRad="38100" dist="19050" dir="2700000" algn="tl" rotWithShape="0">
+                    <a:schemeClr val="dk1">
+                      <a:alpha val="40000"/>
+                    </a:schemeClr>
+                  </a:outerShdw>
+                </a:effectLst>
+              </a:rPr>
+              <a:t>Tesselaar</a:t>
+            </a:r>
+            <a:endParaRPr lang="en-US" sz="2000" dirty="0" smtClean="0">
+              <a:ln w="0"/>
+              <a:effectLst>
+                <a:outerShdw blurRad="38100" dist="19050" dir="2700000" algn="tl" rotWithShape="0">
+                  <a:schemeClr val="dk1">
+                    <a:alpha val="40000"/>
+                  </a:schemeClr>
+                </a:outerShdw>
+              </a:effectLst>
+            </a:endParaRPr>
+          </a:p>
+          <a:p>
+            <a:r>
+              <a:rPr lang="en-US" sz="2000" b="0" cap="none" spc="0" dirty="0" err="1" smtClean="0">
+                <a:ln w="0"/>
+                <a:solidFill>
+                  <a:schemeClr val="tx1"/>
+                </a:solidFill>
+                <a:effectLst>
+                  <a:outerShdw blurRad="38100" dist="19050" dir="2700000" algn="tl" rotWithShape="0">
+                    <a:schemeClr val="dk1">
+                      <a:alpha val="40000"/>
+                    </a:schemeClr>
+                  </a:outerShdw>
+                </a:effectLst>
+              </a:rPr>
+              <a:t>Leeftijd</a:t>
+            </a:r>
+            <a:r>
+              <a:rPr lang="en-US" sz="2000" b="0" cap="none" spc="0" dirty="0" smtClean="0">
+                <a:ln w="0"/>
+                <a:solidFill>
+                  <a:schemeClr val="tx1"/>
+                </a:solidFill>
+                <a:effectLst>
+                  <a:outerShdw blurRad="38100" dist="19050" dir="2700000" algn="tl" rotWithShape="0">
+                    <a:schemeClr val="dk1">
+                      <a:alpha val="40000"/>
+                    </a:schemeClr>
+                  </a:outerShdw>
+                </a:effectLst>
+              </a:rPr>
+              <a:t>: </a:t>
+            </a:r>
+            <a:r>
+              <a:rPr lang="en-US" sz="2000" b="0" cap="none" spc="0" dirty="0" smtClean="0">
+                <a:ln w="0"/>
+                <a:solidFill>
+                  <a:schemeClr val="tx1"/>
+                </a:solidFill>
+                <a:effectLst>
+                  <a:outerShdw blurRad="38100" dist="19050" dir="2700000" algn="tl" rotWithShape="0">
+                    <a:schemeClr val="dk1">
+                      <a:alpha val="40000"/>
+                    </a:schemeClr>
+                  </a:outerShdw>
+                </a:effectLst>
+              </a:rPr>
+              <a:t>19 </a:t>
+            </a:r>
+            <a:r>
+              <a:rPr lang="en-US" sz="2000" b="0" cap="none" spc="0" dirty="0" err="1" smtClean="0">
+                <a:ln w="0"/>
+                <a:solidFill>
+                  <a:schemeClr val="tx1"/>
+                </a:solidFill>
+                <a:effectLst>
+                  <a:outerShdw blurRad="38100" dist="19050" dir="2700000" algn="tl" rotWithShape="0">
+                    <a:schemeClr val="dk1">
+                      <a:alpha val="40000"/>
+                    </a:schemeClr>
+                  </a:outerShdw>
+                </a:effectLst>
+              </a:rPr>
+              <a:t>jaar</a:t>
+            </a:r>
+            <a:endParaRPr lang="en-US" sz="2000" b="0" cap="none" spc="0" dirty="0" smtClean="0">
+              <a:ln w="0"/>
+              <a:solidFill>
+                <a:schemeClr val="tx1"/>
+              </a:solidFill>
+              <a:effectLst>
+                <a:outerShdw blurRad="38100" dist="19050" dir="2700000" algn="tl" rotWithShape="0">
+                  <a:schemeClr val="dk1">
+                    <a:alpha val="40000"/>
+                  </a:schemeClr>
+                </a:outerShdw>
+              </a:effectLst>
+            </a:endParaRPr>
+          </a:p>
+          <a:p>
+            <a:r>
+              <a:rPr lang="en-US" sz="2000" dirty="0" err="1" smtClean="0">
+                <a:ln w="0"/>
+                <a:effectLst>
+                  <a:outerShdw blurRad="38100" dist="19050" dir="2700000" algn="tl" rotWithShape="0">
+                    <a:schemeClr val="dk1">
+                      <a:alpha val="40000"/>
+                    </a:schemeClr>
+                  </a:outerShdw>
+                </a:effectLst>
+              </a:rPr>
+              <a:t>Opleiding</a:t>
+            </a:r>
+            <a:r>
+              <a:rPr lang="en-US" sz="2000" dirty="0" smtClean="0">
+                <a:ln w="0"/>
+                <a:effectLst>
+                  <a:outerShdw blurRad="38100" dist="19050" dir="2700000" algn="tl" rotWithShape="0">
+                    <a:schemeClr val="dk1">
+                      <a:alpha val="40000"/>
+                    </a:schemeClr>
+                  </a:outerShdw>
+                </a:effectLst>
+              </a:rPr>
+              <a:t>: Game Development</a:t>
+            </a:r>
+            <a:endParaRPr lang="en-US" sz="2000" b="0" cap="none" spc="0" dirty="0">
+              <a:ln w="0"/>
+              <a:solidFill>
+                <a:schemeClr val="tx1"/>
+              </a:solidFill>
+              <a:effectLst>
+                <a:outerShdw blurRad="38100" dist="19050" dir="2700000" algn="tl" rotWithShape="0">
+                  <a:schemeClr val="dk1">
+                    <a:alpha val="40000"/>
+                  </a:schemeClr>
+                </a:outerShdw>
+              </a:effectLst>
+            </a:endParaRPr>
+          </a:p>
+        </p:txBody>
+      </p:sp>
+      <p:sp>
+        <p:nvSpPr>
+          <p:cNvPr id="3" name="Rectangle 2"/>
+          <p:cNvSpPr/>
+          <p:nvPr/>
+        </p:nvSpPr>
+        <p:spPr>
+          <a:xfrm>
+            <a:off x="11700164" y="6483924"/>
+            <a:ext cx="394854" cy="301336"/>
+          </a:xfrm>
+          <a:prstGeom prst="rect">
+            <a:avLst/>
+          </a:prstGeom>
+        </p:spPr>
+        <p:style>
+          <a:lnRef idx="2">
+            <a:schemeClr val="accent1">
+              <a:shade val="50000"/>
+            </a:schemeClr>
+          </a:lnRef>
+          <a:fillRef idx="1">
+            <a:schemeClr val="accent1"/>
+          </a:fillRef>
+          <a:effectRef idx="0">
+            <a:schemeClr val="accent1"/>
+          </a:effectRef>
+          <a:fontRef idx="minor">
+            <a:schemeClr val="lt1"/>
+          </a:fontRef>
+        </p:style>
+        <p:txBody>
+          <a:bodyPr rtlCol="0" anchor="ctr"/>
+          <a:lstStyle/>
+          <a:p>
+            <a:pPr algn="ctr"/>
+            <a:endParaRPr lang="nl-NL"/>
+          </a:p>
+        </p:txBody>
+      </p:sp>
+      <p:sp>
+        <p:nvSpPr>
+          <p:cNvPr id="5" name="Rectangle 4"/>
+          <p:cNvSpPr/>
+          <p:nvPr/>
+        </p:nvSpPr>
+        <p:spPr>
+          <a:xfrm>
+            <a:off x="11746748" y="6449926"/>
+            <a:ext cx="301686" cy="369332"/>
+          </a:xfrm>
+          <a:prstGeom prst="rect">
+            <a:avLst/>
+          </a:prstGeom>
+          <a:noFill/>
+        </p:spPr>
+        <p:txBody>
+          <a:bodyPr wrap="none" lIns="91440" tIns="45720" rIns="91440" bIns="45720">
+            <a:spAutoFit/>
+          </a:bodyPr>
+          <a:lstStyle/>
+          <a:p>
+            <a:pPr algn="ctr"/>
+            <a:r>
+              <a:rPr lang="en-US" b="0" cap="none" spc="0" dirty="0" smtClean="0">
+                <a:ln w="0"/>
+                <a:solidFill>
+                  <a:schemeClr val="tx1"/>
+                </a:solidFill>
+                <a:effectLst>
+                  <a:outerShdw blurRad="38100" dist="19050" dir="2700000" algn="tl" rotWithShape="0">
+                    <a:schemeClr val="dk1">
+                      <a:alpha val="40000"/>
+                    </a:schemeClr>
+                  </a:outerShdw>
+                </a:effectLst>
+              </a:rPr>
+              <a:t>1</a:t>
+            </a:r>
+            <a:endParaRPr lang="en-US" b="0" cap="none" spc="0" dirty="0">
+              <a:ln w="0"/>
+              <a:solidFill>
+                <a:schemeClr val="tx1"/>
+              </a:solidFill>
+              <a:effectLst>
+                <a:outerShdw blurRad="38100" dist="19050" dir="2700000" algn="tl" rotWithShape="0">
+                  <a:schemeClr val="dk1">
+                    <a:alpha val="40000"/>
+                  </a:schemeClr>
+                </a:outerShdw>
+              </a:effectLst>
+            </a:endParaRPr>
+          </a:p>
+        </p:txBody>
+      </p:sp>
       <p:pic>
         <p:nvPicPr>
-          <p:cNvPr id="10" name="Picture 9"/>
+          <p:cNvPr id="9" name="Picture 8"/>
           <p:cNvPicPr>
             <a:picLocks noChangeAspect="1"/>
           </p:cNvPicPr>
@@ -5754,8 +4718,8 @@
         </p:blipFill>
         <p:spPr>
           <a:xfrm>
-            <a:off x="3259350" y="1606473"/>
-            <a:ext cx="1655548" cy="1693184"/>
+            <a:off x="3406917" y="1526773"/>
+            <a:ext cx="1424856" cy="1941030"/>
           </a:xfrm>
           <a:prstGeom prst="rect">
             <a:avLst/>
@@ -5768,383 +4732,6 @@
           </a:effectLst>
         </p:spPr>
       </p:pic>
-      <p:sp>
-        <p:nvSpPr>
-          <p:cNvPr id="11" name="Rectangle 10"/>
-          <p:cNvSpPr/>
-          <p:nvPr/>
-        </p:nvSpPr>
-        <p:spPr>
-          <a:xfrm>
-            <a:off x="4914898" y="1422220"/>
-            <a:ext cx="3394134" cy="1877437"/>
-          </a:xfrm>
-          <a:prstGeom prst="rect">
-            <a:avLst/>
-          </a:prstGeom>
-          <a:noFill/>
-        </p:spPr>
-        <p:txBody>
-          <a:bodyPr wrap="none" lIns="91440" tIns="45720" rIns="91440" bIns="45720">
-            <a:spAutoFit/>
-          </a:bodyPr>
-          <a:lstStyle/>
-          <a:p>
-            <a:r>
-              <a:rPr lang="en-US" sz="2800" b="0" cap="none" spc="0" dirty="0" err="1" smtClean="0">
-                <a:ln w="0"/>
-                <a:solidFill>
-                  <a:schemeClr val="tx1"/>
-                </a:solidFill>
-                <a:effectLst>
-                  <a:outerShdw blurRad="38100" dist="19050" dir="2700000" algn="tl" rotWithShape="0">
-                    <a:schemeClr val="dk1">
-                      <a:alpha val="40000"/>
-                    </a:schemeClr>
-                  </a:outerShdw>
-                </a:effectLst>
-              </a:rPr>
-              <a:t>Wie</a:t>
-            </a:r>
-            <a:r>
-              <a:rPr lang="en-US" sz="2800" b="0" cap="none" spc="0" dirty="0" smtClean="0">
-                <a:ln w="0"/>
-                <a:solidFill>
-                  <a:schemeClr val="tx1"/>
-                </a:solidFill>
-                <a:effectLst>
-                  <a:outerShdw blurRad="38100" dist="19050" dir="2700000" algn="tl" rotWithShape="0">
-                    <a:schemeClr val="dk1">
-                      <a:alpha val="40000"/>
-                    </a:schemeClr>
-                  </a:outerShdw>
-                </a:effectLst>
-              </a:rPr>
-              <a:t> ben </a:t>
-            </a:r>
-            <a:r>
-              <a:rPr lang="en-US" sz="2800" b="0" cap="none" spc="0" dirty="0" err="1" smtClean="0">
-                <a:ln w="0"/>
-                <a:solidFill>
-                  <a:schemeClr val="tx1"/>
-                </a:solidFill>
-                <a:effectLst>
-                  <a:outerShdw blurRad="38100" dist="19050" dir="2700000" algn="tl" rotWithShape="0">
-                    <a:schemeClr val="dk1">
-                      <a:alpha val="40000"/>
-                    </a:schemeClr>
-                  </a:outerShdw>
-                </a:effectLst>
-              </a:rPr>
-              <a:t>ik</a:t>
-            </a:r>
-            <a:r>
-              <a:rPr lang="en-US" sz="2800" b="0" cap="none" spc="0" dirty="0" smtClean="0">
-                <a:ln w="0"/>
-                <a:solidFill>
-                  <a:schemeClr val="tx1"/>
-                </a:solidFill>
-                <a:effectLst>
-                  <a:outerShdw blurRad="38100" dist="19050" dir="2700000" algn="tl" rotWithShape="0">
-                    <a:schemeClr val="dk1">
-                      <a:alpha val="40000"/>
-                    </a:schemeClr>
-                  </a:outerShdw>
-                </a:effectLst>
-              </a:rPr>
-              <a:t>?</a:t>
-            </a:r>
-          </a:p>
-          <a:p>
-            <a:endParaRPr lang="en-US" sz="2800" dirty="0">
-              <a:ln w="0"/>
-              <a:effectLst>
-                <a:outerShdw blurRad="38100" dist="19050" dir="2700000" algn="tl" rotWithShape="0">
-                  <a:schemeClr val="dk1">
-                    <a:alpha val="40000"/>
-                  </a:schemeClr>
-                </a:outerShdw>
-              </a:effectLst>
-            </a:endParaRPr>
-          </a:p>
-          <a:p>
-            <a:r>
-              <a:rPr lang="en-US" sz="2000" dirty="0" err="1" smtClean="0">
-                <a:ln w="0"/>
-                <a:effectLst>
-                  <a:outerShdw blurRad="38100" dist="19050" dir="2700000" algn="tl" rotWithShape="0">
-                    <a:schemeClr val="dk1">
-                      <a:alpha val="40000"/>
-                    </a:schemeClr>
-                  </a:outerShdw>
-                </a:effectLst>
-              </a:rPr>
-              <a:t>Naam</a:t>
-            </a:r>
-            <a:r>
-              <a:rPr lang="en-US" sz="2000" dirty="0" smtClean="0">
-                <a:ln w="0"/>
-                <a:effectLst>
-                  <a:outerShdw blurRad="38100" dist="19050" dir="2700000" algn="tl" rotWithShape="0">
-                    <a:schemeClr val="dk1">
-                      <a:alpha val="40000"/>
-                    </a:schemeClr>
-                  </a:outerShdw>
-                </a:effectLst>
-              </a:rPr>
-              <a:t>: </a:t>
-            </a:r>
-            <a:r>
-              <a:rPr lang="en-US" sz="2000" dirty="0" err="1" smtClean="0">
-                <a:ln w="0"/>
-                <a:effectLst>
-                  <a:outerShdw blurRad="38100" dist="19050" dir="2700000" algn="tl" rotWithShape="0">
-                    <a:schemeClr val="dk1">
-                      <a:alpha val="40000"/>
-                    </a:schemeClr>
-                  </a:outerShdw>
-                </a:effectLst>
-              </a:rPr>
-              <a:t>Gerben</a:t>
-            </a:r>
-            <a:r>
-              <a:rPr lang="en-US" sz="2000" dirty="0" smtClean="0">
-                <a:ln w="0"/>
-                <a:effectLst>
-                  <a:outerShdw blurRad="38100" dist="19050" dir="2700000" algn="tl" rotWithShape="0">
-                    <a:schemeClr val="dk1">
-                      <a:alpha val="40000"/>
-                    </a:schemeClr>
-                  </a:outerShdw>
-                </a:effectLst>
-              </a:rPr>
-              <a:t> </a:t>
-            </a:r>
-            <a:r>
-              <a:rPr lang="en-US" sz="2000" dirty="0" err="1" smtClean="0">
-                <a:ln w="0"/>
-                <a:effectLst>
-                  <a:outerShdw blurRad="38100" dist="19050" dir="2700000" algn="tl" rotWithShape="0">
-                    <a:schemeClr val="dk1">
-                      <a:alpha val="40000"/>
-                    </a:schemeClr>
-                  </a:outerShdw>
-                </a:effectLst>
-              </a:rPr>
-              <a:t>Tesselaar</a:t>
-            </a:r>
-            <a:endParaRPr lang="en-US" sz="2000" dirty="0" smtClean="0">
-              <a:ln w="0"/>
-              <a:effectLst>
-                <a:outerShdw blurRad="38100" dist="19050" dir="2700000" algn="tl" rotWithShape="0">
-                  <a:schemeClr val="dk1">
-                    <a:alpha val="40000"/>
-                  </a:schemeClr>
-                </a:outerShdw>
-              </a:effectLst>
-            </a:endParaRPr>
-          </a:p>
-          <a:p>
-            <a:r>
-              <a:rPr lang="en-US" sz="2000" b="0" cap="none" spc="0" dirty="0" err="1" smtClean="0">
-                <a:ln w="0"/>
-                <a:solidFill>
-                  <a:schemeClr val="tx1"/>
-                </a:solidFill>
-                <a:effectLst>
-                  <a:outerShdw blurRad="38100" dist="19050" dir="2700000" algn="tl" rotWithShape="0">
-                    <a:schemeClr val="dk1">
-                      <a:alpha val="40000"/>
-                    </a:schemeClr>
-                  </a:outerShdw>
-                </a:effectLst>
-              </a:rPr>
-              <a:t>Leeftijd</a:t>
-            </a:r>
-            <a:r>
-              <a:rPr lang="en-US" sz="2000" b="0" cap="none" spc="0" dirty="0" smtClean="0">
-                <a:ln w="0"/>
-                <a:solidFill>
-                  <a:schemeClr val="tx1"/>
-                </a:solidFill>
-                <a:effectLst>
-                  <a:outerShdw blurRad="38100" dist="19050" dir="2700000" algn="tl" rotWithShape="0">
-                    <a:schemeClr val="dk1">
-                      <a:alpha val="40000"/>
-                    </a:schemeClr>
-                  </a:outerShdw>
-                </a:effectLst>
-              </a:rPr>
-              <a:t>: 18 </a:t>
-            </a:r>
-            <a:r>
-              <a:rPr lang="en-US" sz="2000" b="0" cap="none" spc="0" dirty="0" err="1" smtClean="0">
-                <a:ln w="0"/>
-                <a:solidFill>
-                  <a:schemeClr val="tx1"/>
-                </a:solidFill>
-                <a:effectLst>
-                  <a:outerShdw blurRad="38100" dist="19050" dir="2700000" algn="tl" rotWithShape="0">
-                    <a:schemeClr val="dk1">
-                      <a:alpha val="40000"/>
-                    </a:schemeClr>
-                  </a:outerShdw>
-                </a:effectLst>
-              </a:rPr>
-              <a:t>jaar</a:t>
-            </a:r>
-            <a:endParaRPr lang="en-US" sz="2000" b="0" cap="none" spc="0" dirty="0" smtClean="0">
-              <a:ln w="0"/>
-              <a:solidFill>
-                <a:schemeClr val="tx1"/>
-              </a:solidFill>
-              <a:effectLst>
-                <a:outerShdw blurRad="38100" dist="19050" dir="2700000" algn="tl" rotWithShape="0">
-                  <a:schemeClr val="dk1">
-                    <a:alpha val="40000"/>
-                  </a:schemeClr>
-                </a:outerShdw>
-              </a:effectLst>
-            </a:endParaRPr>
-          </a:p>
-          <a:p>
-            <a:r>
-              <a:rPr lang="en-US" sz="2000" dirty="0" err="1" smtClean="0">
-                <a:ln w="0"/>
-                <a:effectLst>
-                  <a:outerShdw blurRad="38100" dist="19050" dir="2700000" algn="tl" rotWithShape="0">
-                    <a:schemeClr val="dk1">
-                      <a:alpha val="40000"/>
-                    </a:schemeClr>
-                  </a:outerShdw>
-                </a:effectLst>
-              </a:rPr>
-              <a:t>Opleiding</a:t>
-            </a:r>
-            <a:r>
-              <a:rPr lang="en-US" sz="2000" dirty="0" smtClean="0">
-                <a:ln w="0"/>
-                <a:effectLst>
-                  <a:outerShdw blurRad="38100" dist="19050" dir="2700000" algn="tl" rotWithShape="0">
-                    <a:schemeClr val="dk1">
-                      <a:alpha val="40000"/>
-                    </a:schemeClr>
-                  </a:outerShdw>
-                </a:effectLst>
-              </a:rPr>
-              <a:t>: Game Development</a:t>
-            </a:r>
-            <a:endParaRPr lang="en-US" sz="2000" b="0" cap="none" spc="0" dirty="0">
-              <a:ln w="0"/>
-              <a:solidFill>
-                <a:schemeClr val="tx1"/>
-              </a:solidFill>
-              <a:effectLst>
-                <a:outerShdw blurRad="38100" dist="19050" dir="2700000" algn="tl" rotWithShape="0">
-                  <a:schemeClr val="dk1">
-                    <a:alpha val="40000"/>
-                  </a:schemeClr>
-                </a:outerShdw>
-              </a:effectLst>
-            </a:endParaRPr>
-          </a:p>
-        </p:txBody>
-      </p:sp>
-      <p:sp>
-        <p:nvSpPr>
-          <p:cNvPr id="3" name="Rectangle 2"/>
-          <p:cNvSpPr/>
-          <p:nvPr/>
-        </p:nvSpPr>
-        <p:spPr>
-          <a:xfrm>
-            <a:off x="11700164" y="6483924"/>
-            <a:ext cx="394854" cy="301336"/>
-          </a:xfrm>
-          <a:prstGeom prst="rect">
-            <a:avLst/>
-          </a:prstGeom>
-        </p:spPr>
-        <p:style>
-          <a:lnRef idx="2">
-            <a:schemeClr val="accent1">
-              <a:shade val="50000"/>
-            </a:schemeClr>
-          </a:lnRef>
-          <a:fillRef idx="1">
-            <a:schemeClr val="accent1"/>
-          </a:fillRef>
-          <a:effectRef idx="0">
-            <a:schemeClr val="accent1"/>
-          </a:effectRef>
-          <a:fontRef idx="minor">
-            <a:schemeClr val="lt1"/>
-          </a:fontRef>
-        </p:style>
-        <p:txBody>
-          <a:bodyPr rtlCol="0" anchor="ctr"/>
-          <a:lstStyle/>
-          <a:p>
-            <a:pPr algn="ctr"/>
-            <a:endParaRPr lang="nl-NL"/>
-          </a:p>
-        </p:txBody>
-      </p:sp>
-      <p:sp>
-        <p:nvSpPr>
-          <p:cNvPr id="5" name="Rectangle 4"/>
-          <p:cNvSpPr/>
-          <p:nvPr/>
-        </p:nvSpPr>
-        <p:spPr>
-          <a:xfrm>
-            <a:off x="11746748" y="6449926"/>
-            <a:ext cx="301686" cy="369332"/>
-          </a:xfrm>
-          <a:prstGeom prst="rect">
-            <a:avLst/>
-          </a:prstGeom>
-          <a:noFill/>
-        </p:spPr>
-        <p:txBody>
-          <a:bodyPr wrap="none" lIns="91440" tIns="45720" rIns="91440" bIns="45720">
-            <a:spAutoFit/>
-          </a:bodyPr>
-          <a:lstStyle/>
-          <a:p>
-            <a:pPr algn="ctr"/>
-            <a:r>
-              <a:rPr lang="en-US" b="0" cap="none" spc="0" dirty="0" smtClean="0">
-                <a:ln w="0"/>
-                <a:solidFill>
-                  <a:schemeClr val="tx1"/>
-                </a:solidFill>
-                <a:effectLst>
-                  <a:outerShdw blurRad="38100" dist="19050" dir="2700000" algn="tl" rotWithShape="0">
-                    <a:schemeClr val="dk1">
-                      <a:alpha val="40000"/>
-                    </a:schemeClr>
-                  </a:outerShdw>
-                </a:effectLst>
-              </a:rPr>
-              <a:t>1</a:t>
-            </a:r>
-            <a:endParaRPr lang="en-US" b="0" cap="none" spc="0" dirty="0">
-              <a:ln w="0"/>
-              <a:solidFill>
-                <a:schemeClr val="tx1"/>
-              </a:solidFill>
-              <a:effectLst>
-                <a:outerShdw blurRad="38100" dist="19050" dir="2700000" algn="tl" rotWithShape="0">
-                  <a:schemeClr val="dk1">
-                    <a:alpha val="40000"/>
-                  </a:schemeClr>
-                </a:outerShdw>
-              </a:effectLst>
-            </a:endParaRPr>
-          </a:p>
-        </p:txBody>
-      </p:sp>
     </p:spTree>
     <p:extLst>
       <p:ext uri="{BB962C8B-B14F-4D97-AF65-F5344CB8AC3E}">
@@ -6182,39 +4769,47 @@
           <a:chExt cx="0" cy="0"/>
         </a:xfrm>
       </p:grpSpPr>
+      <p:sp>
+        <p:nvSpPr>
+          <p:cNvPr id="2" name="Title 1"/>
+          <p:cNvSpPr>
+            <a:spLocks noGrp="1"/>
+          </p:cNvSpPr>
+          <p:nvPr>
+            <p:ph type="title"/>
+          </p:nvPr>
+        </p:nvSpPr>
+        <p:spPr/>
+        <p:txBody>
+          <a:bodyPr/>
+          <a:lstStyle/>
+          <a:p>
+            <a:endParaRPr lang="nl-NL"/>
+          </a:p>
+        </p:txBody>
+      </p:sp>
+      <p:sp>
+        <p:nvSpPr>
+          <p:cNvPr id="3" name="Content Placeholder 2"/>
+          <p:cNvSpPr>
+            <a:spLocks noGrp="1"/>
+          </p:cNvSpPr>
+          <p:nvPr>
+            <p:ph idx="1"/>
+          </p:nvPr>
+        </p:nvSpPr>
+        <p:spPr/>
+        <p:txBody>
+          <a:bodyPr/>
+          <a:lstStyle/>
+          <a:p>
+            <a:endParaRPr lang="nl-NL"/>
+          </a:p>
+        </p:txBody>
+      </p:sp>
       <p:pic>
         <p:nvPicPr>
-          <p:cNvPr id="7" name="Picture 6"/>
-          <p:cNvPicPr>
-            <a:picLocks noChangeAspect="1"/>
-          </p:cNvPicPr>
-          <p:nvPr/>
-        </p:nvPicPr>
-        <p:blipFill>
-          <a:blip r:embed="rId2">
-            <a:extLst>
-              <a:ext uri="{28A0092B-C50C-407E-A947-70E740481C1C}">
-                <a14:useLocalDpi xmlns:a14="http://schemas.microsoft.com/office/drawing/2010/main" val="0"/>
-              </a:ext>
-            </a:extLst>
-          </a:blip>
-          <a:stretch>
-            <a:fillRect/>
-          </a:stretch>
-        </p:blipFill>
-        <p:spPr>
-          <a:xfrm>
-            <a:off x="0" y="0"/>
-            <a:ext cx="12192000" cy="6858000"/>
-          </a:xfrm>
-          <a:prstGeom prst="rect">
-            <a:avLst/>
-          </a:prstGeom>
-        </p:spPr>
-      </p:pic>
-      <p:pic>
-        <p:nvPicPr>
-          <p:cNvPr id="6" name="Picture 5"/>
+          <p:cNvPr id="4" name="Picture 3"/>
           <p:cNvPicPr>
             <a:picLocks noChangeAspect="1"/>
           </p:cNvPicPr>
@@ -6233,6 +4828,36 @@
           </a:stretch>
         </p:blipFill>
         <p:spPr>
+          <a:xfrm>
+            <a:off x="0" y="0"/>
+            <a:ext cx="12192000" cy="6858000"/>
+          </a:xfrm>
+          <a:prstGeom prst="rect">
+            <a:avLst/>
+          </a:prstGeom>
+        </p:spPr>
+      </p:pic>
+      <p:pic>
+        <p:nvPicPr>
+          <p:cNvPr id="5" name="Picture 4"/>
+          <p:cNvPicPr>
+            <a:picLocks noChangeAspect="1"/>
+          </p:cNvPicPr>
+          <p:nvPr/>
+        </p:nvPicPr>
+        <p:blipFill>
+          <a:blip r:embed="rId4">
+            <a:extLst>
+              <a:ext uri="{28A0092B-C50C-407E-A947-70E740481C1C}">
+                <a14:useLocalDpi xmlns:a14="http://schemas.microsoft.com/office/drawing/2010/main" val="0"/>
+              </a:ext>
+            </a:extLst>
+          </a:blip>
+          <a:stretch>
+            <a:fillRect/>
+          </a:stretch>
+        </p:blipFill>
+        <p:spPr>
           <a:xfrm flipH="1">
             <a:off x="2275610" y="5231159"/>
             <a:ext cx="1946702" cy="1522930"/>
@@ -6244,7 +4869,7 @@
       </p:pic>
       <p:sp>
         <p:nvSpPr>
-          <p:cNvPr id="2" name="Cloud 1"/>
+          <p:cNvPr id="6" name="Cloud 5"/>
           <p:cNvSpPr/>
           <p:nvPr/>
         </p:nvSpPr>
@@ -6287,7 +4912,7 @@
       </p:sp>
       <p:sp>
         <p:nvSpPr>
-          <p:cNvPr id="4" name="Rectangle 3"/>
+          <p:cNvPr id="7" name="Rectangle 6"/>
           <p:cNvSpPr/>
           <p:nvPr/>
         </p:nvSpPr>
@@ -6383,7 +5008,7 @@
                   </a:outerShdw>
                 </a:effectLst>
               </a:rPr>
-              <a:t>AM4A</a:t>
+              <a:t>AM4B</a:t>
             </a:r>
             <a:endParaRPr lang="en-US" b="0" cap="none" spc="0" dirty="0">
               <a:ln w="0"/>
@@ -6409,13 +5034,13 @@
         </p:nvSpPr>
         <p:spPr>
           <a:xfrm>
-            <a:off x="2690037" y="1028701"/>
-            <a:ext cx="6836735" cy="3030063"/>
+            <a:off x="3231572" y="1248500"/>
+            <a:ext cx="4852555" cy="1893342"/>
           </a:xfrm>
           <a:prstGeom prst="wedgeEllipseCallout">
             <a:avLst>
-              <a:gd name="adj1" fmla="val -33105"/>
-              <a:gd name="adj2" fmla="val 82686"/>
+              <a:gd name="adj1" fmla="val -35435"/>
+              <a:gd name="adj2" fmla="val 148326"/>
             </a:avLst>
           </a:prstGeom>
           <a:solidFill>
@@ -6452,750 +5077,7 @@
       </p:sp>
       <p:sp>
         <p:nvSpPr>
-          <p:cNvPr id="3" name="Rectangle 2"/>
-          <p:cNvSpPr/>
-          <p:nvPr/>
-        </p:nvSpPr>
-        <p:spPr>
-          <a:xfrm>
-            <a:off x="2877651" y="1178320"/>
-            <a:ext cx="6347058" cy="2339102"/>
-          </a:xfrm>
-          <a:prstGeom prst="rect">
-            <a:avLst/>
-          </a:prstGeom>
-          <a:noFill/>
-        </p:spPr>
-        <p:txBody>
-          <a:bodyPr wrap="none" lIns="91440" tIns="45720" rIns="91440" bIns="45720">
-            <a:spAutoFit/>
-          </a:bodyPr>
-          <a:lstStyle/>
-          <a:p>
-            <a:pPr algn="ctr"/>
-            <a:r>
-              <a:rPr lang="en-US" sz="2800" b="0" cap="none" spc="0" dirty="0" smtClean="0">
-                <a:ln w="0"/>
-                <a:solidFill>
-                  <a:schemeClr val="tx1"/>
-                </a:solidFill>
-                <a:effectLst>
-                  <a:outerShdw blurRad="38100" dist="19050" dir="2700000" algn="tl" rotWithShape="0">
-                    <a:schemeClr val="dk1">
-                      <a:alpha val="40000"/>
-                    </a:schemeClr>
-                  </a:outerShdw>
-                </a:effectLst>
-              </a:rPr>
-              <a:t>Het project</a:t>
-            </a:r>
-          </a:p>
-          <a:p>
-            <a:pPr algn="ctr"/>
-            <a:endParaRPr lang="en-US" sz="2800" dirty="0">
-              <a:ln w="0"/>
-              <a:effectLst>
-                <a:outerShdw blurRad="38100" dist="19050" dir="2700000" algn="tl" rotWithShape="0">
-                  <a:schemeClr val="dk1">
-                    <a:alpha val="40000"/>
-                  </a:schemeClr>
-                </a:outerShdw>
-              </a:effectLst>
-            </a:endParaRPr>
-          </a:p>
-          <a:p>
-            <a:pPr algn="ctr"/>
-            <a:r>
-              <a:rPr lang="en-US" b="0" cap="none" spc="0" dirty="0" err="1" smtClean="0">
-                <a:ln w="0"/>
-                <a:solidFill>
-                  <a:schemeClr val="tx1"/>
-                </a:solidFill>
-                <a:effectLst>
-                  <a:outerShdw blurRad="38100" dist="19050" dir="2700000" algn="tl" rotWithShape="0">
-                    <a:schemeClr val="dk1">
-                      <a:alpha val="40000"/>
-                    </a:schemeClr>
-                  </a:outerShdw>
-                </a:effectLst>
-              </a:rPr>
-              <a:t>Dit</a:t>
-            </a:r>
-            <a:r>
-              <a:rPr lang="en-US" b="0" cap="none" spc="0" dirty="0" smtClean="0">
-                <a:ln w="0"/>
-                <a:solidFill>
-                  <a:schemeClr val="tx1"/>
-                </a:solidFill>
-                <a:effectLst>
-                  <a:outerShdw blurRad="38100" dist="19050" dir="2700000" algn="tl" rotWithShape="0">
-                    <a:schemeClr val="dk1">
-                      <a:alpha val="40000"/>
-                    </a:schemeClr>
-                  </a:outerShdw>
-                </a:effectLst>
-              </a:rPr>
-              <a:t> project is </a:t>
-            </a:r>
-            <a:r>
-              <a:rPr lang="en-US" b="0" cap="none" spc="0" dirty="0" err="1" smtClean="0">
-                <a:ln w="0"/>
-                <a:solidFill>
-                  <a:schemeClr val="tx1"/>
-                </a:solidFill>
-                <a:effectLst>
-                  <a:outerShdw blurRad="38100" dist="19050" dir="2700000" algn="tl" rotWithShape="0">
-                    <a:schemeClr val="dk1">
-                      <a:alpha val="40000"/>
-                    </a:schemeClr>
-                  </a:outerShdw>
-                </a:effectLst>
-              </a:rPr>
-              <a:t>gemaakt</a:t>
-            </a:r>
-            <a:r>
-              <a:rPr lang="en-US" b="0" cap="none" spc="0" dirty="0" smtClean="0">
-                <a:ln w="0"/>
-                <a:solidFill>
-                  <a:schemeClr val="tx1"/>
-                </a:solidFill>
-                <a:effectLst>
-                  <a:outerShdw blurRad="38100" dist="19050" dir="2700000" algn="tl" rotWithShape="0">
-                    <a:schemeClr val="dk1">
-                      <a:alpha val="40000"/>
-                    </a:schemeClr>
-                  </a:outerShdw>
-                </a:effectLst>
-              </a:rPr>
-              <a:t> in </a:t>
-            </a:r>
-            <a:r>
-              <a:rPr lang="en-US" b="0" cap="none" spc="0" dirty="0" err="1" smtClean="0">
-                <a:ln w="0"/>
-                <a:solidFill>
-                  <a:schemeClr val="tx1"/>
-                </a:solidFill>
-                <a:effectLst>
-                  <a:outerShdw blurRad="38100" dist="19050" dir="2700000" algn="tl" rotWithShape="0">
-                    <a:schemeClr val="dk1">
-                      <a:alpha val="40000"/>
-                    </a:schemeClr>
-                  </a:outerShdw>
-                </a:effectLst>
-              </a:rPr>
-              <a:t>opdracht</a:t>
-            </a:r>
-            <a:r>
-              <a:rPr lang="en-US" b="0" cap="none" spc="0" dirty="0" smtClean="0">
-                <a:ln w="0"/>
-                <a:solidFill>
-                  <a:schemeClr val="tx1"/>
-                </a:solidFill>
-                <a:effectLst>
-                  <a:outerShdw blurRad="38100" dist="19050" dir="2700000" algn="tl" rotWithShape="0">
-                    <a:schemeClr val="dk1">
-                      <a:alpha val="40000"/>
-                    </a:schemeClr>
-                  </a:outerShdw>
-                </a:effectLst>
-              </a:rPr>
-              <a:t> van het MBO Utrecht</a:t>
-            </a:r>
-          </a:p>
-          <a:p>
-            <a:pPr algn="ctr"/>
-            <a:endParaRPr lang="en-US" dirty="0">
-              <a:ln w="0"/>
-              <a:effectLst>
-                <a:outerShdw blurRad="38100" dist="19050" dir="2700000" algn="tl" rotWithShape="0">
-                  <a:schemeClr val="dk1">
-                    <a:alpha val="40000"/>
-                  </a:schemeClr>
-                </a:outerShdw>
-              </a:effectLst>
-            </a:endParaRPr>
-          </a:p>
-          <a:p>
-            <a:pPr algn="ctr"/>
-            <a:r>
-              <a:rPr lang="en-US" b="0" cap="none" spc="0" dirty="0" smtClean="0">
-                <a:ln w="0"/>
-                <a:solidFill>
-                  <a:schemeClr val="tx1"/>
-                </a:solidFill>
-                <a:effectLst>
-                  <a:outerShdw blurRad="38100" dist="19050" dir="2700000" algn="tl" rotWithShape="0">
-                    <a:schemeClr val="dk1">
-                      <a:alpha val="40000"/>
-                    </a:schemeClr>
-                  </a:outerShdw>
-                </a:effectLst>
-              </a:rPr>
-              <a:t>De </a:t>
-            </a:r>
-            <a:r>
-              <a:rPr lang="en-US" b="0" cap="none" spc="0" dirty="0" err="1" smtClean="0">
-                <a:ln w="0"/>
-                <a:solidFill>
-                  <a:schemeClr val="tx1"/>
-                </a:solidFill>
-                <a:effectLst>
-                  <a:outerShdw blurRad="38100" dist="19050" dir="2700000" algn="tl" rotWithShape="0">
-                    <a:schemeClr val="dk1">
-                      <a:alpha val="40000"/>
-                    </a:schemeClr>
-                  </a:outerShdw>
-                </a:effectLst>
-              </a:rPr>
-              <a:t>opdracht</a:t>
-            </a:r>
-            <a:r>
-              <a:rPr lang="en-US" b="0" cap="none" spc="0" dirty="0" smtClean="0">
-                <a:ln w="0"/>
-                <a:solidFill>
-                  <a:schemeClr val="tx1"/>
-                </a:solidFill>
-                <a:effectLst>
-                  <a:outerShdw blurRad="38100" dist="19050" dir="2700000" algn="tl" rotWithShape="0">
-                    <a:schemeClr val="dk1">
-                      <a:alpha val="40000"/>
-                    </a:schemeClr>
-                  </a:outerShdw>
-                </a:effectLst>
-              </a:rPr>
-              <a:t> is om </a:t>
-            </a:r>
-            <a:r>
-              <a:rPr lang="en-US" b="0" cap="none" spc="0" dirty="0" err="1" smtClean="0">
-                <a:ln w="0"/>
-                <a:solidFill>
-                  <a:schemeClr val="tx1"/>
-                </a:solidFill>
-                <a:effectLst>
-                  <a:outerShdw blurRad="38100" dist="19050" dir="2700000" algn="tl" rotWithShape="0">
-                    <a:schemeClr val="dk1">
-                      <a:alpha val="40000"/>
-                    </a:schemeClr>
-                  </a:outerShdw>
-                </a:effectLst>
-              </a:rPr>
-              <a:t>een</a:t>
-            </a:r>
-            <a:r>
-              <a:rPr lang="en-US" b="0" cap="none" spc="0" dirty="0" smtClean="0">
-                <a:ln w="0"/>
-                <a:solidFill>
-                  <a:schemeClr val="tx1"/>
-                </a:solidFill>
-                <a:effectLst>
-                  <a:outerShdw blurRad="38100" dist="19050" dir="2700000" algn="tl" rotWithShape="0">
-                    <a:schemeClr val="dk1">
-                      <a:alpha val="40000"/>
-                    </a:schemeClr>
-                  </a:outerShdw>
-                </a:effectLst>
-              </a:rPr>
-              <a:t> </a:t>
-            </a:r>
-            <a:r>
-              <a:rPr lang="en-US" b="0" cap="none" spc="0" dirty="0" err="1" smtClean="0">
-                <a:ln w="0"/>
-                <a:solidFill>
-                  <a:schemeClr val="tx1"/>
-                </a:solidFill>
-                <a:effectLst>
-                  <a:outerShdw blurRad="38100" dist="19050" dir="2700000" algn="tl" rotWithShape="0">
-                    <a:schemeClr val="dk1">
-                      <a:alpha val="40000"/>
-                    </a:schemeClr>
-                  </a:outerShdw>
-                </a:effectLst>
-              </a:rPr>
-              <a:t>namaak</a:t>
-            </a:r>
-            <a:r>
-              <a:rPr lang="en-US" b="0" cap="none" spc="0" dirty="0" smtClean="0">
-                <a:ln w="0"/>
-                <a:solidFill>
-                  <a:schemeClr val="tx1"/>
-                </a:solidFill>
-                <a:effectLst>
-                  <a:outerShdw blurRad="38100" dist="19050" dir="2700000" algn="tl" rotWithShape="0">
-                    <a:schemeClr val="dk1">
-                      <a:alpha val="40000"/>
-                    </a:schemeClr>
-                  </a:outerShdw>
-                </a:effectLst>
-              </a:rPr>
-              <a:t> </a:t>
-            </a:r>
-            <a:r>
-              <a:rPr lang="en-US" b="0" cap="none" spc="0" dirty="0" err="1" smtClean="0">
-                <a:ln w="0"/>
-                <a:solidFill>
-                  <a:schemeClr val="tx1"/>
-                </a:solidFill>
-                <a:effectLst>
-                  <a:outerShdw blurRad="38100" dist="19050" dir="2700000" algn="tl" rotWithShape="0">
-                    <a:schemeClr val="dk1">
-                      <a:alpha val="40000"/>
-                    </a:schemeClr>
-                  </a:outerShdw>
-                </a:effectLst>
-              </a:rPr>
-              <a:t>te</a:t>
-            </a:r>
-            <a:r>
-              <a:rPr lang="en-US" b="0" cap="none" spc="0" dirty="0" smtClean="0">
-                <a:ln w="0"/>
-                <a:solidFill>
-                  <a:schemeClr val="tx1"/>
-                </a:solidFill>
-                <a:effectLst>
-                  <a:outerShdw blurRad="38100" dist="19050" dir="2700000" algn="tl" rotWithShape="0">
-                    <a:schemeClr val="dk1">
-                      <a:alpha val="40000"/>
-                    </a:schemeClr>
-                  </a:outerShdw>
-                </a:effectLst>
-              </a:rPr>
-              <a:t> </a:t>
-            </a:r>
-            <a:r>
-              <a:rPr lang="en-US" b="0" cap="none" spc="0" dirty="0" err="1" smtClean="0">
-                <a:ln w="0"/>
-                <a:solidFill>
-                  <a:schemeClr val="tx1"/>
-                </a:solidFill>
-                <a:effectLst>
-                  <a:outerShdw blurRad="38100" dist="19050" dir="2700000" algn="tl" rotWithShape="0">
-                    <a:schemeClr val="dk1">
-                      <a:alpha val="40000"/>
-                    </a:schemeClr>
-                  </a:outerShdw>
-                </a:effectLst>
-              </a:rPr>
-              <a:t>maken</a:t>
-            </a:r>
-            <a:r>
-              <a:rPr lang="en-US" b="0" cap="none" spc="0" dirty="0" smtClean="0">
-                <a:ln w="0"/>
-                <a:solidFill>
-                  <a:schemeClr val="tx1"/>
-                </a:solidFill>
-                <a:effectLst>
-                  <a:outerShdw blurRad="38100" dist="19050" dir="2700000" algn="tl" rotWithShape="0">
-                    <a:schemeClr val="dk1">
-                      <a:alpha val="40000"/>
-                    </a:schemeClr>
-                  </a:outerShdw>
-                </a:effectLst>
-              </a:rPr>
-              <a:t> van het </a:t>
-            </a:r>
-            <a:r>
-              <a:rPr lang="en-US" b="0" cap="none" spc="0" dirty="0" err="1" smtClean="0">
-                <a:ln w="0"/>
-                <a:solidFill>
-                  <a:schemeClr val="tx1"/>
-                </a:solidFill>
-                <a:effectLst>
-                  <a:outerShdw blurRad="38100" dist="19050" dir="2700000" algn="tl" rotWithShape="0">
-                    <a:schemeClr val="dk1">
-                      <a:alpha val="40000"/>
-                    </a:schemeClr>
-                  </a:outerShdw>
-                </a:effectLst>
-              </a:rPr>
-              <a:t>spel</a:t>
-            </a:r>
-            <a:r>
-              <a:rPr lang="en-US" b="0" cap="none" spc="0" dirty="0" smtClean="0">
-                <a:ln w="0"/>
-                <a:solidFill>
-                  <a:schemeClr val="tx1"/>
-                </a:solidFill>
-                <a:effectLst>
-                  <a:outerShdw blurRad="38100" dist="19050" dir="2700000" algn="tl" rotWithShape="0">
-                    <a:schemeClr val="dk1">
-                      <a:alpha val="40000"/>
-                    </a:schemeClr>
-                  </a:outerShdw>
-                </a:effectLst>
-              </a:rPr>
-              <a:t> “Oil’s Well”.</a:t>
-            </a:r>
-          </a:p>
-          <a:p>
-            <a:pPr algn="ctr"/>
-            <a:r>
-              <a:rPr lang="en-US" dirty="0" err="1" smtClean="0">
-                <a:ln w="0"/>
-                <a:effectLst>
-                  <a:outerShdw blurRad="38100" dist="19050" dir="2700000" algn="tl" rotWithShape="0">
-                    <a:schemeClr val="dk1">
-                      <a:alpha val="40000"/>
-                    </a:schemeClr>
-                  </a:outerShdw>
-                </a:effectLst>
-              </a:rPr>
-              <a:t>Deze</a:t>
-            </a:r>
-            <a:r>
-              <a:rPr lang="en-US" dirty="0" smtClean="0">
-                <a:ln w="0"/>
-                <a:effectLst>
-                  <a:outerShdw blurRad="38100" dist="19050" dir="2700000" algn="tl" rotWithShape="0">
-                    <a:schemeClr val="dk1">
-                      <a:alpha val="40000"/>
-                    </a:schemeClr>
-                  </a:outerShdw>
-                </a:effectLst>
-              </a:rPr>
-              <a:t> </a:t>
-            </a:r>
-            <a:r>
-              <a:rPr lang="en-US" dirty="0" err="1" smtClean="0">
-                <a:ln w="0"/>
-                <a:effectLst>
-                  <a:outerShdw blurRad="38100" dist="19050" dir="2700000" algn="tl" rotWithShape="0">
-                    <a:schemeClr val="dk1">
-                      <a:alpha val="40000"/>
-                    </a:schemeClr>
-                  </a:outerShdw>
-                </a:effectLst>
-              </a:rPr>
-              <a:t>namaak</a:t>
-            </a:r>
-            <a:r>
-              <a:rPr lang="en-US" dirty="0" smtClean="0">
-                <a:ln w="0"/>
-                <a:effectLst>
-                  <a:outerShdw blurRad="38100" dist="19050" dir="2700000" algn="tl" rotWithShape="0">
-                    <a:schemeClr val="dk1">
-                      <a:alpha val="40000"/>
-                    </a:schemeClr>
-                  </a:outerShdw>
-                </a:effectLst>
-              </a:rPr>
-              <a:t> </a:t>
-            </a:r>
-            <a:r>
-              <a:rPr lang="en-US" dirty="0" err="1" smtClean="0">
-                <a:ln w="0"/>
-                <a:effectLst>
-                  <a:outerShdw blurRad="38100" dist="19050" dir="2700000" algn="tl" rotWithShape="0">
-                    <a:schemeClr val="dk1">
-                      <a:alpha val="40000"/>
-                    </a:schemeClr>
-                  </a:outerShdw>
-                </a:effectLst>
-              </a:rPr>
-              <a:t>wordt</a:t>
-            </a:r>
-            <a:r>
-              <a:rPr lang="en-US" dirty="0" smtClean="0">
-                <a:ln w="0"/>
-                <a:effectLst>
-                  <a:outerShdw blurRad="38100" dist="19050" dir="2700000" algn="tl" rotWithShape="0">
-                    <a:schemeClr val="dk1">
-                      <a:alpha val="40000"/>
-                    </a:schemeClr>
-                  </a:outerShdw>
-                </a:effectLst>
-              </a:rPr>
-              <a:t> </a:t>
-            </a:r>
-            <a:r>
-              <a:rPr lang="en-US" dirty="0" err="1" smtClean="0">
-                <a:ln w="0"/>
-                <a:effectLst>
-                  <a:outerShdw blurRad="38100" dist="19050" dir="2700000" algn="tl" rotWithShape="0">
-                    <a:schemeClr val="dk1">
-                      <a:alpha val="40000"/>
-                    </a:schemeClr>
-                  </a:outerShdw>
-                </a:effectLst>
-              </a:rPr>
-              <a:t>gesponsord</a:t>
-            </a:r>
-            <a:r>
-              <a:rPr lang="en-US" dirty="0" smtClean="0">
-                <a:ln w="0"/>
-                <a:effectLst>
-                  <a:outerShdw blurRad="38100" dist="19050" dir="2700000" algn="tl" rotWithShape="0">
-                    <a:schemeClr val="dk1">
-                      <a:alpha val="40000"/>
-                    </a:schemeClr>
-                  </a:outerShdw>
-                </a:effectLst>
-              </a:rPr>
-              <a:t> door </a:t>
-            </a:r>
-            <a:r>
-              <a:rPr lang="en-US" dirty="0" err="1" smtClean="0">
-                <a:ln w="0"/>
-                <a:effectLst>
-                  <a:outerShdw blurRad="38100" dist="19050" dir="2700000" algn="tl" rotWithShape="0">
-                    <a:schemeClr val="dk1">
-                      <a:alpha val="40000"/>
-                    </a:schemeClr>
-                  </a:outerShdw>
-                </a:effectLst>
-              </a:rPr>
-              <a:t>een</a:t>
-            </a:r>
-            <a:r>
-              <a:rPr lang="en-US" dirty="0" smtClean="0">
-                <a:ln w="0"/>
-                <a:effectLst>
-                  <a:outerShdw blurRad="38100" dist="19050" dir="2700000" algn="tl" rotWithShape="0">
-                    <a:schemeClr val="dk1">
-                      <a:alpha val="40000"/>
-                    </a:schemeClr>
-                  </a:outerShdw>
-                </a:effectLst>
-              </a:rPr>
-              <a:t> </a:t>
-            </a:r>
-            <a:r>
-              <a:rPr lang="en-US" dirty="0" err="1" smtClean="0">
-                <a:ln w="0"/>
-                <a:effectLst>
-                  <a:outerShdw blurRad="38100" dist="19050" dir="2700000" algn="tl" rotWithShape="0">
-                    <a:schemeClr val="dk1">
-                      <a:alpha val="40000"/>
-                    </a:schemeClr>
-                  </a:outerShdw>
-                </a:effectLst>
-              </a:rPr>
-              <a:t>snoepjes</a:t>
-            </a:r>
-            <a:r>
-              <a:rPr lang="en-US" dirty="0" smtClean="0">
-                <a:ln w="0"/>
-                <a:effectLst>
-                  <a:outerShdw blurRad="38100" dist="19050" dir="2700000" algn="tl" rotWithShape="0">
-                    <a:schemeClr val="dk1">
-                      <a:alpha val="40000"/>
-                    </a:schemeClr>
-                  </a:outerShdw>
-                </a:effectLst>
-              </a:rPr>
-              <a:t> </a:t>
-            </a:r>
-            <a:r>
-              <a:rPr lang="nl-NL" dirty="0" smtClean="0">
-                <a:ln w="0"/>
-                <a:effectLst>
-                  <a:outerShdw blurRad="38100" dist="19050" dir="2700000" algn="tl" rotWithShape="0">
-                    <a:schemeClr val="dk1">
-                      <a:alpha val="40000"/>
-                    </a:schemeClr>
-                  </a:outerShdw>
-                </a:effectLst>
-              </a:rPr>
-              <a:t>fabrikant</a:t>
-            </a:r>
-            <a:r>
-              <a:rPr lang="en-US" dirty="0" smtClean="0">
-                <a:ln w="0"/>
-                <a:effectLst>
-                  <a:outerShdw blurRad="38100" dist="19050" dir="2700000" algn="tl" rotWithShape="0">
-                    <a:schemeClr val="dk1">
-                      <a:alpha val="40000"/>
-                    </a:schemeClr>
-                  </a:outerShdw>
-                </a:effectLst>
-              </a:rPr>
-              <a:t>, </a:t>
-            </a:r>
-            <a:r>
-              <a:rPr lang="en-US" dirty="0" err="1" smtClean="0">
-                <a:ln w="0"/>
-                <a:effectLst>
-                  <a:outerShdw blurRad="38100" dist="19050" dir="2700000" algn="tl" rotWithShape="0">
-                    <a:schemeClr val="dk1">
-                      <a:alpha val="40000"/>
-                    </a:schemeClr>
-                  </a:outerShdw>
-                </a:effectLst>
-              </a:rPr>
-              <a:t>dus</a:t>
-            </a:r>
-            <a:endParaRPr lang="en-US" dirty="0" smtClean="0">
-              <a:ln w="0"/>
-              <a:effectLst>
-                <a:outerShdw blurRad="38100" dist="19050" dir="2700000" algn="tl" rotWithShape="0">
-                  <a:schemeClr val="dk1">
-                    <a:alpha val="40000"/>
-                  </a:schemeClr>
-                </a:outerShdw>
-              </a:effectLst>
-            </a:endParaRPr>
-          </a:p>
-          <a:p>
-            <a:pPr algn="ctr"/>
-            <a:r>
-              <a:rPr lang="en-US" dirty="0" err="1">
-                <a:ln w="0"/>
-                <a:effectLst>
-                  <a:outerShdw blurRad="38100" dist="19050" dir="2700000" algn="tl" rotWithShape="0">
-                    <a:schemeClr val="dk1">
-                      <a:alpha val="40000"/>
-                    </a:schemeClr>
-                  </a:outerShdw>
-                </a:effectLst>
-              </a:rPr>
-              <a:t>d</a:t>
-            </a:r>
-            <a:r>
-              <a:rPr lang="en-US" b="0" cap="none" spc="0" dirty="0" err="1" smtClean="0">
-                <a:ln w="0"/>
-                <a:solidFill>
-                  <a:schemeClr val="tx1"/>
-                </a:solidFill>
-                <a:effectLst>
-                  <a:outerShdw blurRad="38100" dist="19050" dir="2700000" algn="tl" rotWithShape="0">
-                    <a:schemeClr val="dk1">
-                      <a:alpha val="40000"/>
-                    </a:schemeClr>
-                  </a:outerShdw>
-                </a:effectLst>
-              </a:rPr>
-              <a:t>eze</a:t>
-            </a:r>
-            <a:r>
-              <a:rPr lang="en-US" b="0" cap="none" spc="0" dirty="0" smtClean="0">
-                <a:ln w="0"/>
-                <a:solidFill>
-                  <a:schemeClr val="tx1"/>
-                </a:solidFill>
-                <a:effectLst>
-                  <a:outerShdw blurRad="38100" dist="19050" dir="2700000" algn="tl" rotWithShape="0">
-                    <a:schemeClr val="dk1">
-                      <a:alpha val="40000"/>
-                    </a:schemeClr>
-                  </a:outerShdw>
-                </a:effectLst>
-              </a:rPr>
-              <a:t> zit </a:t>
-            </a:r>
-            <a:r>
-              <a:rPr lang="en-US" b="0" cap="none" spc="0" dirty="0" err="1" smtClean="0">
-                <a:ln w="0"/>
-                <a:solidFill>
-                  <a:schemeClr val="tx1"/>
-                </a:solidFill>
-                <a:effectLst>
-                  <a:outerShdw blurRad="38100" dist="19050" dir="2700000" algn="tl" rotWithShape="0">
-                    <a:schemeClr val="dk1">
-                      <a:alpha val="40000"/>
-                    </a:schemeClr>
-                  </a:outerShdw>
-                </a:effectLst>
-              </a:rPr>
-              <a:t>er</a:t>
-            </a:r>
-            <a:r>
-              <a:rPr lang="en-US" b="0" cap="none" spc="0" dirty="0" smtClean="0">
-                <a:ln w="0"/>
-                <a:solidFill>
-                  <a:schemeClr val="tx1"/>
-                </a:solidFill>
-                <a:effectLst>
-                  <a:outerShdw blurRad="38100" dist="19050" dir="2700000" algn="tl" rotWithShape="0">
-                    <a:schemeClr val="dk1">
-                      <a:alpha val="40000"/>
-                    </a:schemeClr>
-                  </a:outerShdw>
-                </a:effectLst>
-              </a:rPr>
-              <a:t> </a:t>
-            </a:r>
-            <a:r>
-              <a:rPr lang="en-US" b="0" cap="none" spc="0" dirty="0" err="1" smtClean="0">
-                <a:ln w="0"/>
-                <a:solidFill>
-                  <a:schemeClr val="tx1"/>
-                </a:solidFill>
-                <a:effectLst>
-                  <a:outerShdw blurRad="38100" dist="19050" dir="2700000" algn="tl" rotWithShape="0">
-                    <a:schemeClr val="dk1">
-                      <a:alpha val="40000"/>
-                    </a:schemeClr>
-                  </a:outerShdw>
-                </a:effectLst>
-              </a:rPr>
-              <a:t>ook</a:t>
-            </a:r>
-            <a:r>
-              <a:rPr lang="en-US" b="0" cap="none" spc="0" dirty="0" smtClean="0">
-                <a:ln w="0"/>
-                <a:solidFill>
-                  <a:schemeClr val="tx1"/>
-                </a:solidFill>
-                <a:effectLst>
-                  <a:outerShdw blurRad="38100" dist="19050" dir="2700000" algn="tl" rotWithShape="0">
-                    <a:schemeClr val="dk1">
-                      <a:alpha val="40000"/>
-                    </a:schemeClr>
-                  </a:outerShdw>
-                </a:effectLst>
-              </a:rPr>
-              <a:t> in </a:t>
-            </a:r>
-            <a:r>
-              <a:rPr lang="en-US" b="0" cap="none" spc="0" dirty="0" err="1" smtClean="0">
-                <a:ln w="0"/>
-                <a:solidFill>
-                  <a:schemeClr val="tx1"/>
-                </a:solidFill>
-                <a:effectLst>
-                  <a:outerShdw blurRad="38100" dist="19050" dir="2700000" algn="tl" rotWithShape="0">
-                    <a:schemeClr val="dk1">
-                      <a:alpha val="40000"/>
-                    </a:schemeClr>
-                  </a:outerShdw>
-                </a:effectLst>
-              </a:rPr>
-              <a:t>verwerkt</a:t>
-            </a:r>
-            <a:r>
-              <a:rPr lang="en-US" b="0" cap="none" spc="0" dirty="0" smtClean="0">
-                <a:ln w="0"/>
-                <a:solidFill>
-                  <a:schemeClr val="tx1"/>
-                </a:solidFill>
-                <a:effectLst>
-                  <a:outerShdw blurRad="38100" dist="19050" dir="2700000" algn="tl" rotWithShape="0">
-                    <a:schemeClr val="dk1">
-                      <a:alpha val="40000"/>
-                    </a:schemeClr>
-                  </a:outerShdw>
-                </a:effectLst>
-              </a:rPr>
-              <a:t>.</a:t>
-            </a:r>
-            <a:endParaRPr lang="en-US" b="0" cap="none" spc="0" dirty="0">
-              <a:ln w="0"/>
-              <a:solidFill>
-                <a:schemeClr val="tx1"/>
-              </a:solidFill>
-              <a:effectLst>
-                <a:outerShdw blurRad="38100" dist="19050" dir="2700000" algn="tl" rotWithShape="0">
-                  <a:schemeClr val="dk1">
-                    <a:alpha val="40000"/>
-                  </a:schemeClr>
-                </a:outerShdw>
-              </a:effectLst>
-            </a:endParaRPr>
-          </a:p>
-        </p:txBody>
-      </p:sp>
-      <p:sp>
-        <p:nvSpPr>
-          <p:cNvPr id="9" name="Rectangle 8"/>
+          <p:cNvPr id="10" name="Rectangle 9"/>
           <p:cNvSpPr/>
           <p:nvPr/>
         </p:nvSpPr>
@@ -7235,7 +5117,7 @@
       </p:sp>
       <p:sp>
         <p:nvSpPr>
-          <p:cNvPr id="10" name="Rectangle 9"/>
+          <p:cNvPr id="11" name="Rectangle 10"/>
           <p:cNvSpPr/>
           <p:nvPr/>
         </p:nvSpPr>
@@ -7285,23 +5167,99 @@
           </a:p>
         </p:txBody>
       </p:sp>
+      <p:sp>
+        <p:nvSpPr>
+          <p:cNvPr id="13" name="TextBox 12"/>
+          <p:cNvSpPr txBox="1"/>
+          <p:nvPr/>
+        </p:nvSpPr>
+        <p:spPr>
+          <a:xfrm>
+            <a:off x="4468090" y="1291452"/>
+            <a:ext cx="2493819" cy="523220"/>
+          </a:xfrm>
+          <a:prstGeom prst="rect">
+            <a:avLst/>
+          </a:prstGeom>
+          <a:noFill/>
+        </p:spPr>
+        <p:txBody>
+          <a:bodyPr wrap="square" rtlCol="0">
+            <a:spAutoFit/>
+          </a:bodyPr>
+          <a:lstStyle/>
+          <a:p>
+            <a:r>
+              <a:rPr lang="nl-NL" sz="2800" dirty="0" smtClean="0"/>
+              <a:t>Waarom testen</a:t>
+            </a:r>
+            <a:endParaRPr lang="nl-NL" sz="2800" dirty="0"/>
+          </a:p>
+        </p:txBody>
+      </p:sp>
+      <p:sp>
+        <p:nvSpPr>
+          <p:cNvPr id="14" name="TextBox 13"/>
+          <p:cNvSpPr txBox="1"/>
+          <p:nvPr/>
+        </p:nvSpPr>
+        <p:spPr>
+          <a:xfrm>
+            <a:off x="4777651" y="1775256"/>
+            <a:ext cx="1874695" cy="1200329"/>
+          </a:xfrm>
+          <a:prstGeom prst="rect">
+            <a:avLst/>
+          </a:prstGeom>
+          <a:noFill/>
+        </p:spPr>
+        <p:txBody>
+          <a:bodyPr wrap="square" rtlCol="0">
+            <a:spAutoFit/>
+          </a:bodyPr>
+          <a:lstStyle/>
+          <a:p>
+            <a:pPr marL="285750" indent="-285750">
+              <a:buFont typeface="Arial" panose="020B0604020202020204" pitchFamily="34" charset="0"/>
+              <a:buChar char="•"/>
+            </a:pPr>
+            <a:r>
+              <a:rPr lang="nl-NL" sz="2400" dirty="0" smtClean="0"/>
+              <a:t>Kwaliteit</a:t>
+            </a:r>
+          </a:p>
+          <a:p>
+            <a:pPr marL="285750" indent="-285750">
+              <a:buFont typeface="Arial" panose="020B0604020202020204" pitchFamily="34" charset="0"/>
+              <a:buChar char="•"/>
+            </a:pPr>
+            <a:r>
+              <a:rPr lang="nl-NL" sz="2400" dirty="0" smtClean="0"/>
+              <a:t>Zekerheid</a:t>
+            </a:r>
+          </a:p>
+          <a:p>
+            <a:pPr marL="285750" indent="-285750">
+              <a:buFont typeface="Arial" panose="020B0604020202020204" pitchFamily="34" charset="0"/>
+              <a:buChar char="•"/>
+            </a:pPr>
+            <a:r>
+              <a:rPr lang="nl-NL" sz="2400" dirty="0" smtClean="0"/>
+              <a:t>Kwantiteit</a:t>
+            </a:r>
+          </a:p>
+        </p:txBody>
+      </p:sp>
     </p:spTree>
     <p:extLst>
       <p:ext uri="{BB962C8B-B14F-4D97-AF65-F5344CB8AC3E}">
-        <p14:creationId xmlns:p14="http://schemas.microsoft.com/office/powerpoint/2010/main" val="758419965"/>
+        <p14:creationId xmlns:p14="http://schemas.microsoft.com/office/powerpoint/2010/main" val="4197956673"/>
       </p:ext>
     </p:extLst>
   </p:cSld>
   <p:clrMapOvr>
     <a:masterClrMapping/>
   </p:clrMapOvr>
-  <p:timing>
-    <p:tnLst>
-      <p:par>
-        <p:cTn id="1" dur="indefinite" restart="never" nodeType="tmRoot"/>
-      </p:par>
-    </p:tnLst>
-  </p:timing>
 </p:sld>
 </file>
 
@@ -7322,39 +5280,47 @@
           <a:chExt cx="0" cy="0"/>
         </a:xfrm>
       </p:grpSpPr>
+      <p:sp>
+        <p:nvSpPr>
+          <p:cNvPr id="2" name="Title 1"/>
+          <p:cNvSpPr>
+            <a:spLocks noGrp="1"/>
+          </p:cNvSpPr>
+          <p:nvPr>
+            <p:ph type="title"/>
+          </p:nvPr>
+        </p:nvSpPr>
+        <p:spPr/>
+        <p:txBody>
+          <a:bodyPr/>
+          <a:lstStyle/>
+          <a:p>
+            <a:endParaRPr lang="nl-NL"/>
+          </a:p>
+        </p:txBody>
+      </p:sp>
+      <p:sp>
+        <p:nvSpPr>
+          <p:cNvPr id="3" name="Content Placeholder 2"/>
+          <p:cNvSpPr>
+            <a:spLocks noGrp="1"/>
+          </p:cNvSpPr>
+          <p:nvPr>
+            <p:ph idx="1"/>
+          </p:nvPr>
+        </p:nvSpPr>
+        <p:spPr/>
+        <p:txBody>
+          <a:bodyPr/>
+          <a:lstStyle/>
+          <a:p>
+            <a:endParaRPr lang="nl-NL"/>
+          </a:p>
+        </p:txBody>
+      </p:sp>
       <p:pic>
         <p:nvPicPr>
-          <p:cNvPr id="7" name="Picture 6"/>
-          <p:cNvPicPr>
-            <a:picLocks noChangeAspect="1"/>
-          </p:cNvPicPr>
-          <p:nvPr/>
-        </p:nvPicPr>
-        <p:blipFill>
-          <a:blip r:embed="rId2">
-            <a:extLst>
-              <a:ext uri="{28A0092B-C50C-407E-A947-70E740481C1C}">
-                <a14:useLocalDpi xmlns:a14="http://schemas.microsoft.com/office/drawing/2010/main" val="0"/>
-              </a:ext>
-            </a:extLst>
-          </a:blip>
-          <a:stretch>
-            <a:fillRect/>
-          </a:stretch>
-        </p:blipFill>
-        <p:spPr>
-          <a:xfrm>
-            <a:off x="0" y="0"/>
-            <a:ext cx="12192000" cy="6858000"/>
-          </a:xfrm>
-          <a:prstGeom prst="rect">
-            <a:avLst/>
-          </a:prstGeom>
-        </p:spPr>
-      </p:pic>
-      <p:pic>
-        <p:nvPicPr>
-          <p:cNvPr id="6" name="Picture 5"/>
+          <p:cNvPr id="4" name="Picture 3"/>
           <p:cNvPicPr>
             <a:picLocks noChangeAspect="1"/>
           </p:cNvPicPr>
@@ -7373,6 +5339,36 @@
           </a:stretch>
         </p:blipFill>
         <p:spPr>
+          <a:xfrm>
+            <a:off x="0" y="0"/>
+            <a:ext cx="12192000" cy="6858000"/>
+          </a:xfrm>
+          <a:prstGeom prst="rect">
+            <a:avLst/>
+          </a:prstGeom>
+        </p:spPr>
+      </p:pic>
+      <p:pic>
+        <p:nvPicPr>
+          <p:cNvPr id="5" name="Picture 4"/>
+          <p:cNvPicPr>
+            <a:picLocks noChangeAspect="1"/>
+          </p:cNvPicPr>
+          <p:nvPr/>
+        </p:nvPicPr>
+        <p:blipFill>
+          <a:blip r:embed="rId4">
+            <a:extLst>
+              <a:ext uri="{28A0092B-C50C-407E-A947-70E740481C1C}">
+                <a14:useLocalDpi xmlns:a14="http://schemas.microsoft.com/office/drawing/2010/main" val="0"/>
+              </a:ext>
+            </a:extLst>
+          </a:blip>
+          <a:stretch>
+            <a:fillRect/>
+          </a:stretch>
+        </p:blipFill>
+        <p:spPr>
           <a:xfrm flipH="1">
             <a:off x="2275610" y="5231159"/>
             <a:ext cx="1946702" cy="1522930"/>
@@ -7384,7 +5380,7 @@
       </p:pic>
       <p:sp>
         <p:nvSpPr>
-          <p:cNvPr id="2" name="Cloud 1"/>
+          <p:cNvPr id="6" name="Cloud 5"/>
           <p:cNvSpPr/>
           <p:nvPr/>
         </p:nvSpPr>
@@ -7427,7 +5423,7 @@
       </p:sp>
       <p:sp>
         <p:nvSpPr>
-          <p:cNvPr id="4" name="Rectangle 3"/>
+          <p:cNvPr id="7" name="Rectangle 6"/>
           <p:cNvSpPr/>
           <p:nvPr/>
         </p:nvSpPr>
@@ -7523,7 +5519,7 @@
                   </a:outerShdw>
                 </a:effectLst>
               </a:rPr>
-              <a:t>AM4A</a:t>
+              <a:t>AM4B</a:t>
             </a:r>
             <a:endParaRPr lang="en-US" b="0" cap="none" spc="0" dirty="0">
               <a:ln w="0"/>
@@ -7549,13 +5545,13 @@
         </p:nvSpPr>
         <p:spPr>
           <a:xfrm>
-            <a:off x="2613429" y="833720"/>
-            <a:ext cx="6265718" cy="3555423"/>
+            <a:off x="3231572" y="1248500"/>
+            <a:ext cx="4852555" cy="1893342"/>
           </a:xfrm>
           <a:prstGeom prst="wedgeEllipseCallout">
             <a:avLst>
-              <a:gd name="adj1" fmla="val -33755"/>
-              <a:gd name="adj2" fmla="val 69094"/>
+              <a:gd name="adj1" fmla="val -35435"/>
+              <a:gd name="adj2" fmla="val 148326"/>
             </a:avLst>
           </a:prstGeom>
           <a:solidFill>
@@ -7592,425 +5588,6 @@
       </p:sp>
       <p:sp>
         <p:nvSpPr>
-          <p:cNvPr id="3" name="Rectangle 2"/>
-          <p:cNvSpPr/>
-          <p:nvPr/>
-        </p:nvSpPr>
-        <p:spPr>
-          <a:xfrm>
-            <a:off x="3381023" y="1173312"/>
-            <a:ext cx="4921925" cy="2739211"/>
-          </a:xfrm>
-          <a:prstGeom prst="rect">
-            <a:avLst/>
-          </a:prstGeom>
-          <a:noFill/>
-        </p:spPr>
-        <p:txBody>
-          <a:bodyPr wrap="none" lIns="91440" tIns="45720" rIns="91440" bIns="45720">
-            <a:spAutoFit/>
-          </a:bodyPr>
-          <a:lstStyle/>
-          <a:p>
-            <a:pPr algn="ctr"/>
-            <a:r>
-              <a:rPr lang="en-US" sz="2800" b="0" cap="none" spc="0" dirty="0" err="1" smtClean="0">
-                <a:ln w="0"/>
-                <a:solidFill>
-                  <a:schemeClr val="tx1"/>
-                </a:solidFill>
-                <a:effectLst>
-                  <a:outerShdw blurRad="38100" dist="19050" dir="2700000" algn="tl" rotWithShape="0">
-                    <a:schemeClr val="dk1">
-                      <a:alpha val="40000"/>
-                    </a:schemeClr>
-                  </a:outerShdw>
-                </a:effectLst>
-              </a:rPr>
-              <a:t>Waar</a:t>
-            </a:r>
-            <a:r>
-              <a:rPr lang="en-US" sz="2800" b="0" cap="none" spc="0" dirty="0" smtClean="0">
-                <a:ln w="0"/>
-                <a:solidFill>
-                  <a:schemeClr val="tx1"/>
-                </a:solidFill>
-                <a:effectLst>
-                  <a:outerShdw blurRad="38100" dist="19050" dir="2700000" algn="tl" rotWithShape="0">
-                    <a:schemeClr val="dk1">
-                      <a:alpha val="40000"/>
-                    </a:schemeClr>
-                  </a:outerShdw>
-                </a:effectLst>
-              </a:rPr>
-              <a:t> </a:t>
-            </a:r>
-            <a:r>
-              <a:rPr lang="en-US" sz="2800" b="0" cap="none" spc="0" dirty="0" err="1" smtClean="0">
-                <a:ln w="0"/>
-                <a:solidFill>
-                  <a:schemeClr val="tx1"/>
-                </a:solidFill>
-                <a:effectLst>
-                  <a:outerShdw blurRad="38100" dist="19050" dir="2700000" algn="tl" rotWithShape="0">
-                    <a:schemeClr val="dk1">
-                      <a:alpha val="40000"/>
-                    </a:schemeClr>
-                  </a:outerShdw>
-                </a:effectLst>
-              </a:rPr>
-              <a:t>ga</a:t>
-            </a:r>
-            <a:r>
-              <a:rPr lang="en-US" sz="2800" b="0" cap="none" spc="0" dirty="0" smtClean="0">
-                <a:ln w="0"/>
-                <a:solidFill>
-                  <a:schemeClr val="tx1"/>
-                </a:solidFill>
-                <a:effectLst>
-                  <a:outerShdw blurRad="38100" dist="19050" dir="2700000" algn="tl" rotWithShape="0">
-                    <a:schemeClr val="dk1">
-                      <a:alpha val="40000"/>
-                    </a:schemeClr>
-                  </a:outerShdw>
-                </a:effectLst>
-              </a:rPr>
-              <a:t> </a:t>
-            </a:r>
-            <a:r>
-              <a:rPr lang="en-US" sz="2800" b="0" cap="none" spc="0" dirty="0" err="1" smtClean="0">
-                <a:ln w="0"/>
-                <a:solidFill>
-                  <a:schemeClr val="tx1"/>
-                </a:solidFill>
-                <a:effectLst>
-                  <a:outerShdw blurRad="38100" dist="19050" dir="2700000" algn="tl" rotWithShape="0">
-                    <a:schemeClr val="dk1">
-                      <a:alpha val="40000"/>
-                    </a:schemeClr>
-                  </a:outerShdw>
-                </a:effectLst>
-              </a:rPr>
-              <a:t>ik</a:t>
-            </a:r>
-            <a:r>
-              <a:rPr lang="en-US" sz="2800" b="0" cap="none" spc="0" dirty="0" smtClean="0">
-                <a:ln w="0"/>
-                <a:solidFill>
-                  <a:schemeClr val="tx1"/>
-                </a:solidFill>
-                <a:effectLst>
-                  <a:outerShdw blurRad="38100" dist="19050" dir="2700000" algn="tl" rotWithShape="0">
-                    <a:schemeClr val="dk1">
-                      <a:alpha val="40000"/>
-                    </a:schemeClr>
-                  </a:outerShdw>
-                </a:effectLst>
-              </a:rPr>
-              <a:t> het over </a:t>
-            </a:r>
-            <a:r>
-              <a:rPr lang="en-US" sz="2800" b="0" cap="none" spc="0" dirty="0" err="1" smtClean="0">
-                <a:ln w="0"/>
-                <a:solidFill>
-                  <a:schemeClr val="tx1"/>
-                </a:solidFill>
-                <a:effectLst>
-                  <a:outerShdw blurRad="38100" dist="19050" dir="2700000" algn="tl" rotWithShape="0">
-                    <a:schemeClr val="dk1">
-                      <a:alpha val="40000"/>
-                    </a:schemeClr>
-                  </a:outerShdw>
-                </a:effectLst>
-              </a:rPr>
-              <a:t>hebben</a:t>
-            </a:r>
-            <a:endParaRPr lang="en-US" sz="2400" dirty="0">
-              <a:ln w="0"/>
-              <a:effectLst>
-                <a:outerShdw blurRad="38100" dist="19050" dir="2700000" algn="tl" rotWithShape="0">
-                  <a:schemeClr val="dk1">
-                    <a:alpha val="40000"/>
-                  </a:schemeClr>
-                </a:outerShdw>
-              </a:effectLst>
-            </a:endParaRPr>
-          </a:p>
-          <a:p>
-            <a:pPr marL="685800" indent="-685800">
-              <a:buFontTx/>
-              <a:buChar char="-"/>
-            </a:pPr>
-            <a:r>
-              <a:rPr lang="en-US" sz="2400" dirty="0" smtClean="0">
-                <a:ln w="0"/>
-                <a:effectLst>
-                  <a:outerShdw blurRad="38100" dist="19050" dir="2700000" algn="tl" rotWithShape="0">
-                    <a:schemeClr val="dk1">
-                      <a:alpha val="40000"/>
-                    </a:schemeClr>
-                  </a:outerShdw>
-                </a:effectLst>
-              </a:rPr>
-              <a:t>Het product</a:t>
-            </a:r>
-          </a:p>
-          <a:p>
-            <a:pPr marL="685800" indent="-685800">
-              <a:buFontTx/>
-              <a:buChar char="-"/>
-            </a:pPr>
-            <a:r>
-              <a:rPr lang="en-US" sz="2400" dirty="0" smtClean="0">
-                <a:ln w="0"/>
-                <a:effectLst>
-                  <a:outerShdw blurRad="38100" dist="19050" dir="2700000" algn="tl" rotWithShape="0">
-                    <a:schemeClr val="dk1">
-                      <a:alpha val="40000"/>
-                    </a:schemeClr>
-                  </a:outerShdw>
-                </a:effectLst>
-              </a:rPr>
-              <a:t>Het </a:t>
-            </a:r>
-            <a:r>
-              <a:rPr lang="en-US" sz="2400" dirty="0" err="1" smtClean="0">
-                <a:ln w="0"/>
-                <a:effectLst>
-                  <a:outerShdw blurRad="38100" dist="19050" dir="2700000" algn="tl" rotWithShape="0">
-                    <a:schemeClr val="dk1">
-                      <a:alpha val="40000"/>
-                    </a:schemeClr>
-                  </a:outerShdw>
-                </a:effectLst>
-              </a:rPr>
-              <a:t>proces</a:t>
-            </a:r>
-            <a:endParaRPr lang="en-US" sz="2400" dirty="0" smtClean="0">
-              <a:ln w="0"/>
-              <a:effectLst>
-                <a:outerShdw blurRad="38100" dist="19050" dir="2700000" algn="tl" rotWithShape="0">
-                  <a:schemeClr val="dk1">
-                    <a:alpha val="40000"/>
-                  </a:schemeClr>
-                </a:outerShdw>
-              </a:effectLst>
-            </a:endParaRPr>
-          </a:p>
-          <a:p>
-            <a:pPr marL="685800" indent="-685800">
-              <a:buFontTx/>
-              <a:buChar char="-"/>
-            </a:pPr>
-            <a:r>
-              <a:rPr lang="en-US" sz="2400" dirty="0" err="1" smtClean="0">
-                <a:ln w="0"/>
-                <a:effectLst>
-                  <a:outerShdw blurRad="38100" dist="19050" dir="2700000" algn="tl" rotWithShape="0">
-                    <a:schemeClr val="dk1">
-                      <a:alpha val="40000"/>
-                    </a:schemeClr>
-                  </a:outerShdw>
-                </a:effectLst>
-              </a:rPr>
-              <a:t>Kwaliteit</a:t>
-            </a:r>
-            <a:endParaRPr lang="en-US" sz="2400" dirty="0" smtClean="0">
-              <a:ln w="0"/>
-              <a:effectLst>
-                <a:outerShdw blurRad="38100" dist="19050" dir="2700000" algn="tl" rotWithShape="0">
-                  <a:schemeClr val="dk1">
-                    <a:alpha val="40000"/>
-                  </a:schemeClr>
-                </a:outerShdw>
-              </a:effectLst>
-            </a:endParaRPr>
-          </a:p>
-          <a:p>
-            <a:pPr marL="685800" indent="-685800">
-              <a:buFontTx/>
-              <a:buChar char="-"/>
-            </a:pPr>
-            <a:r>
-              <a:rPr lang="en-US" sz="2400" dirty="0" smtClean="0">
-                <a:ln w="0"/>
-                <a:effectLst>
-                  <a:outerShdw blurRad="38100" dist="19050" dir="2700000" algn="tl" rotWithShape="0">
-                    <a:schemeClr val="dk1">
-                      <a:alpha val="40000"/>
-                    </a:schemeClr>
-                  </a:outerShdw>
-                </a:effectLst>
-              </a:rPr>
-              <a:t>Wat </a:t>
-            </a:r>
-            <a:r>
-              <a:rPr lang="en-US" sz="2400" dirty="0" err="1" smtClean="0">
-                <a:ln w="0"/>
-                <a:effectLst>
-                  <a:outerShdw blurRad="38100" dist="19050" dir="2700000" algn="tl" rotWithShape="0">
-                    <a:schemeClr val="dk1">
-                      <a:alpha val="40000"/>
-                    </a:schemeClr>
-                  </a:outerShdw>
-                </a:effectLst>
-              </a:rPr>
-              <a:t>kan</a:t>
-            </a:r>
-            <a:r>
-              <a:rPr lang="en-US" sz="2400" dirty="0" smtClean="0">
-                <a:ln w="0"/>
-                <a:effectLst>
-                  <a:outerShdw blurRad="38100" dist="19050" dir="2700000" algn="tl" rotWithShape="0">
-                    <a:schemeClr val="dk1">
-                      <a:alpha val="40000"/>
-                    </a:schemeClr>
-                  </a:outerShdw>
-                </a:effectLst>
-              </a:rPr>
-              <a:t> </a:t>
-            </a:r>
-            <a:r>
-              <a:rPr lang="en-US" sz="2400" dirty="0" err="1" smtClean="0">
-                <a:ln w="0"/>
-                <a:effectLst>
-                  <a:outerShdw blurRad="38100" dist="19050" dir="2700000" algn="tl" rotWithShape="0">
-                    <a:schemeClr val="dk1">
-                      <a:alpha val="40000"/>
-                    </a:schemeClr>
-                  </a:outerShdw>
-                </a:effectLst>
-              </a:rPr>
-              <a:t>er</a:t>
-            </a:r>
-            <a:r>
-              <a:rPr lang="en-US" sz="2400" dirty="0" smtClean="0">
-                <a:ln w="0"/>
-                <a:effectLst>
-                  <a:outerShdw blurRad="38100" dist="19050" dir="2700000" algn="tl" rotWithShape="0">
-                    <a:schemeClr val="dk1">
-                      <a:alpha val="40000"/>
-                    </a:schemeClr>
-                  </a:outerShdw>
-                </a:effectLst>
-              </a:rPr>
-              <a:t> nog </a:t>
-            </a:r>
-            <a:r>
-              <a:rPr lang="en-US" sz="2400" dirty="0" err="1" smtClean="0">
-                <a:ln w="0"/>
-                <a:effectLst>
-                  <a:outerShdw blurRad="38100" dist="19050" dir="2700000" algn="tl" rotWithShape="0">
-                    <a:schemeClr val="dk1">
-                      <a:alpha val="40000"/>
-                    </a:schemeClr>
-                  </a:outerShdw>
-                </a:effectLst>
-              </a:rPr>
-              <a:t>gedaan</a:t>
-            </a:r>
-            <a:r>
-              <a:rPr lang="en-US" sz="2400" dirty="0" smtClean="0">
-                <a:ln w="0"/>
-                <a:effectLst>
-                  <a:outerShdw blurRad="38100" dist="19050" dir="2700000" algn="tl" rotWithShape="0">
-                    <a:schemeClr val="dk1">
-                      <a:alpha val="40000"/>
-                    </a:schemeClr>
-                  </a:outerShdw>
-                </a:effectLst>
-              </a:rPr>
-              <a:t> </a:t>
-            </a:r>
-            <a:r>
-              <a:rPr lang="en-US" sz="2400" dirty="0" err="1" smtClean="0">
-                <a:ln w="0"/>
-                <a:effectLst>
-                  <a:outerShdw blurRad="38100" dist="19050" dir="2700000" algn="tl" rotWithShape="0">
-                    <a:schemeClr val="dk1">
-                      <a:alpha val="40000"/>
-                    </a:schemeClr>
-                  </a:outerShdw>
-                </a:effectLst>
-              </a:rPr>
-              <a:t>worden</a:t>
-            </a:r>
-            <a:r>
-              <a:rPr lang="en-US" sz="2400" dirty="0" smtClean="0">
-                <a:ln w="0"/>
-                <a:effectLst>
-                  <a:outerShdw blurRad="38100" dist="19050" dir="2700000" algn="tl" rotWithShape="0">
-                    <a:schemeClr val="dk1">
-                      <a:alpha val="40000"/>
-                    </a:schemeClr>
-                  </a:outerShdw>
-                </a:effectLst>
-              </a:rPr>
-              <a:t>?</a:t>
-            </a:r>
-          </a:p>
-          <a:p>
-            <a:pPr marL="685800" indent="-685800">
-              <a:buFontTx/>
-              <a:buChar char="-"/>
-            </a:pPr>
-            <a:r>
-              <a:rPr lang="en-US" sz="2400" dirty="0" err="1" smtClean="0">
-                <a:ln w="0"/>
-                <a:effectLst>
-                  <a:outerShdw blurRad="38100" dist="19050" dir="2700000" algn="tl" rotWithShape="0">
-                    <a:schemeClr val="dk1">
-                      <a:alpha val="40000"/>
-                    </a:schemeClr>
-                  </a:outerShdw>
-                </a:effectLst>
-              </a:rPr>
-              <a:t>Conclusie</a:t>
-            </a:r>
-            <a:endParaRPr lang="en-US" sz="2400" dirty="0" smtClean="0">
-              <a:ln w="0"/>
-              <a:effectLst>
-                <a:outerShdw blurRad="38100" dist="19050" dir="2700000" algn="tl" rotWithShape="0">
-                  <a:schemeClr val="dk1">
-                    <a:alpha val="40000"/>
-                  </a:schemeClr>
-                </a:outerShdw>
-              </a:effectLst>
-            </a:endParaRPr>
-          </a:p>
-          <a:p>
-            <a:pPr marL="685800" indent="-685800">
-              <a:buFontTx/>
-              <a:buChar char="-"/>
-            </a:pPr>
-            <a:r>
-              <a:rPr lang="en-US" sz="2400" dirty="0" err="1" smtClean="0">
-                <a:ln w="0"/>
-                <a:effectLst>
-                  <a:outerShdw blurRad="38100" dist="19050" dir="2700000" algn="tl" rotWithShape="0">
-                    <a:schemeClr val="dk1">
-                      <a:alpha val="40000"/>
-                    </a:schemeClr>
-                  </a:outerShdw>
-                </a:effectLst>
-              </a:rPr>
-              <a:t>Afsluiting</a:t>
-            </a:r>
-            <a:endParaRPr lang="en-US" sz="2400" dirty="0" smtClean="0">
-              <a:ln w="0"/>
-              <a:effectLst>
-                <a:outerShdw blurRad="38100" dist="19050" dir="2700000" algn="tl" rotWithShape="0">
-                  <a:schemeClr val="dk1">
-                    <a:alpha val="40000"/>
-                  </a:schemeClr>
-                </a:outerShdw>
-              </a:effectLst>
-            </a:endParaRPr>
-          </a:p>
-        </p:txBody>
-      </p:sp>
-      <p:sp>
-        <p:nvSpPr>
           <p:cNvPr id="9" name="Rectangle 8"/>
           <p:cNvSpPr/>
           <p:nvPr/>
@@ -8073,11 +5650,8 @@
           <a:p>
             <a:pPr algn="ctr"/>
             <a:r>
-              <a:rPr lang="en-US" b="0" cap="none" spc="0" dirty="0" smtClean="0">
+              <a:rPr lang="en-US" dirty="0" smtClean="0">
                 <a:ln w="0"/>
-                <a:solidFill>
-                  <a:schemeClr val="tx1"/>
-                </a:solidFill>
                 <a:effectLst>
                   <a:outerShdw blurRad="38100" dist="19050" dir="2700000" algn="tl" rotWithShape="0">
                     <a:schemeClr val="dk1">
@@ -8104,23 +5678,107 @@
           </a:p>
         </p:txBody>
       </p:sp>
+      <p:sp>
+        <p:nvSpPr>
+          <p:cNvPr id="11" name="TextBox 10"/>
+          <p:cNvSpPr txBox="1"/>
+          <p:nvPr/>
+        </p:nvSpPr>
+        <p:spPr>
+          <a:xfrm>
+            <a:off x="4849090" y="1288796"/>
+            <a:ext cx="2493819" cy="523220"/>
+          </a:xfrm>
+          <a:prstGeom prst="rect">
+            <a:avLst/>
+          </a:prstGeom>
+          <a:noFill/>
+        </p:spPr>
+        <p:txBody>
+          <a:bodyPr wrap="square" rtlCol="0">
+            <a:spAutoFit/>
+          </a:bodyPr>
+          <a:lstStyle/>
+          <a:p>
+            <a:r>
+              <a:rPr lang="nl-NL" sz="2800" dirty="0" smtClean="0"/>
+              <a:t>Virtual Box</a:t>
+            </a:r>
+            <a:endParaRPr lang="nl-NL" sz="2800" dirty="0"/>
+          </a:p>
+        </p:txBody>
+      </p:sp>
+      <p:sp>
+        <p:nvSpPr>
+          <p:cNvPr id="12" name="TextBox 11"/>
+          <p:cNvSpPr txBox="1"/>
+          <p:nvPr/>
+        </p:nvSpPr>
+        <p:spPr>
+          <a:xfrm>
+            <a:off x="4468089" y="1812016"/>
+            <a:ext cx="2874819" cy="1015663"/>
+          </a:xfrm>
+          <a:prstGeom prst="rect">
+            <a:avLst/>
+          </a:prstGeom>
+          <a:noFill/>
+        </p:spPr>
+        <p:txBody>
+          <a:bodyPr wrap="square" rtlCol="0">
+            <a:spAutoFit/>
+          </a:bodyPr>
+          <a:lstStyle/>
+          <a:p>
+            <a:pPr marL="285750" indent="-285750">
+              <a:buFont typeface="Arial" panose="020B0604020202020204" pitchFamily="34" charset="0"/>
+              <a:buChar char="•"/>
+            </a:pPr>
+            <a:r>
+              <a:rPr lang="nl-NL" sz="2000" dirty="0" smtClean="0"/>
+              <a:t>Controle</a:t>
+            </a:r>
+          </a:p>
+          <a:p>
+            <a:pPr marL="285750" indent="-285750">
+              <a:buFont typeface="Arial" panose="020B0604020202020204" pitchFamily="34" charset="0"/>
+              <a:buChar char="•"/>
+            </a:pPr>
+            <a:r>
+              <a:rPr lang="nl-NL" sz="2000" dirty="0" smtClean="0"/>
+              <a:t>Portable</a:t>
+            </a:r>
+          </a:p>
+          <a:p>
+            <a:pPr marL="285750" indent="-285750">
+              <a:buFont typeface="Arial" panose="020B0604020202020204" pitchFamily="34" charset="0"/>
+              <a:buChar char="•"/>
+            </a:pPr>
+            <a:r>
+              <a:rPr lang="nl-NL" sz="2000" dirty="0" smtClean="0"/>
+              <a:t>Virtual Box </a:t>
+            </a:r>
+            <a:r>
+              <a:rPr lang="nl-NL" sz="2000" dirty="0" err="1" smtClean="0"/>
+              <a:t>vs</a:t>
+            </a:r>
+            <a:r>
+              <a:rPr lang="nl-NL" sz="2000" dirty="0" smtClean="0"/>
+              <a:t> Docker</a:t>
+            </a:r>
+          </a:p>
+        </p:txBody>
+      </p:sp>
     </p:spTree>
     <p:extLst>
       <p:ext uri="{BB962C8B-B14F-4D97-AF65-F5344CB8AC3E}">
-        <p14:creationId xmlns:p14="http://schemas.microsoft.com/office/powerpoint/2010/main" val="1044611531"/>
+        <p14:creationId xmlns:p14="http://schemas.microsoft.com/office/powerpoint/2010/main" val="1093427050"/>
       </p:ext>
     </p:extLst>
   </p:cSld>
   <p:clrMapOvr>
     <a:masterClrMapping/>
   </p:clrMapOvr>
-  <p:timing>
-    <p:tnLst>
-      <p:par>
-        <p:cTn id="1" dur="indefinite" restart="never" nodeType="tmRoot"/>
-      </p:par>
-    </p:tnLst>
-  </p:timing>
 </p:sld>
 </file>
 
@@ -8149,6 +5807,512 @@
           </p:cNvSpPr>
           <p:nvPr>
             <p:ph type="title"/>
+          </p:nvPr>
+        </p:nvSpPr>
+        <p:spPr/>
+        <p:txBody>
+          <a:bodyPr/>
+          <a:lstStyle/>
+          <a:p>
+            <a:endParaRPr lang="nl-NL"/>
+          </a:p>
+        </p:txBody>
+      </p:sp>
+      <p:sp>
+        <p:nvSpPr>
+          <p:cNvPr id="3" name="Content Placeholder 2"/>
+          <p:cNvSpPr>
+            <a:spLocks noGrp="1"/>
+          </p:cNvSpPr>
+          <p:nvPr>
+            <p:ph idx="1"/>
+          </p:nvPr>
+        </p:nvSpPr>
+        <p:spPr/>
+        <p:txBody>
+          <a:bodyPr/>
+          <a:lstStyle/>
+          <a:p>
+            <a:endParaRPr lang="nl-NL"/>
+          </a:p>
+        </p:txBody>
+      </p:sp>
+      <p:pic>
+        <p:nvPicPr>
+          <p:cNvPr id="4" name="Picture 3"/>
+          <p:cNvPicPr>
+            <a:picLocks noChangeAspect="1"/>
+          </p:cNvPicPr>
+          <p:nvPr/>
+        </p:nvPicPr>
+        <p:blipFill>
+          <a:blip r:embed="rId3">
+            <a:extLst>
+              <a:ext uri="{28A0092B-C50C-407E-A947-70E740481C1C}">
+                <a14:useLocalDpi xmlns:a14="http://schemas.microsoft.com/office/drawing/2010/main" val="0"/>
+              </a:ext>
+            </a:extLst>
+          </a:blip>
+          <a:stretch>
+            <a:fillRect/>
+          </a:stretch>
+        </p:blipFill>
+        <p:spPr>
+          <a:xfrm>
+            <a:off x="0" y="0"/>
+            <a:ext cx="12192000" cy="6858000"/>
+          </a:xfrm>
+          <a:prstGeom prst="rect">
+            <a:avLst/>
+          </a:prstGeom>
+        </p:spPr>
+      </p:pic>
+      <p:pic>
+        <p:nvPicPr>
+          <p:cNvPr id="5" name="Picture 4"/>
+          <p:cNvPicPr>
+            <a:picLocks noChangeAspect="1"/>
+          </p:cNvPicPr>
+          <p:nvPr/>
+        </p:nvPicPr>
+        <p:blipFill>
+          <a:blip r:embed="rId4">
+            <a:extLst>
+              <a:ext uri="{28A0092B-C50C-407E-A947-70E740481C1C}">
+                <a14:useLocalDpi xmlns:a14="http://schemas.microsoft.com/office/drawing/2010/main" val="0"/>
+              </a:ext>
+            </a:extLst>
+          </a:blip>
+          <a:stretch>
+            <a:fillRect/>
+          </a:stretch>
+        </p:blipFill>
+        <p:spPr>
+          <a:xfrm flipH="1">
+            <a:off x="2275610" y="5231159"/>
+            <a:ext cx="1946702" cy="1522930"/>
+          </a:xfrm>
+          <a:prstGeom prst="rect">
+            <a:avLst/>
+          </a:prstGeom>
+        </p:spPr>
+      </p:pic>
+      <p:sp>
+        <p:nvSpPr>
+          <p:cNvPr id="6" name="Cloud 5"/>
+          <p:cNvSpPr/>
+          <p:nvPr/>
+        </p:nvSpPr>
+        <p:spPr>
+          <a:xfrm>
+            <a:off x="176645" y="114301"/>
+            <a:ext cx="1932709" cy="914400"/>
+          </a:xfrm>
+          <a:prstGeom prst="cloud">
+            <a:avLst/>
+          </a:prstGeom>
+          <a:solidFill>
+            <a:srgbClr val="A9CBE9"/>
+          </a:solidFill>
+        </p:spPr>
+        <p:style>
+          <a:lnRef idx="2">
+            <a:schemeClr val="accent1">
+              <a:shade val="50000"/>
+            </a:schemeClr>
+          </a:lnRef>
+          <a:fillRef idx="1">
+            <a:schemeClr val="accent1"/>
+          </a:fillRef>
+          <a:effectRef idx="0">
+            <a:schemeClr val="accent1"/>
+          </a:effectRef>
+          <a:fontRef idx="minor">
+            <a:schemeClr val="lt1"/>
+          </a:fontRef>
+        </p:style>
+        <p:txBody>
+          <a:bodyPr rtlCol="0" anchor="ctr"/>
+          <a:lstStyle/>
+          <a:p>
+            <a:pPr algn="ctr"/>
+            <a:endParaRPr lang="nl-NL"/>
+          </a:p>
+        </p:txBody>
+      </p:sp>
+      <p:sp>
+        <p:nvSpPr>
+          <p:cNvPr id="7" name="Rectangle 6"/>
+          <p:cNvSpPr/>
+          <p:nvPr/>
+        </p:nvSpPr>
+        <p:spPr>
+          <a:xfrm>
+            <a:off x="276971" y="263920"/>
+            <a:ext cx="1794402" cy="646331"/>
+          </a:xfrm>
+          <a:prstGeom prst="rect">
+            <a:avLst/>
+          </a:prstGeom>
+          <a:noFill/>
+        </p:spPr>
+        <p:txBody>
+          <a:bodyPr wrap="none" lIns="91440" tIns="45720" rIns="91440" bIns="45720">
+            <a:spAutoFit/>
+          </a:bodyPr>
+          <a:lstStyle/>
+          <a:p>
+            <a:pPr algn="ctr"/>
+            <a:r>
+              <a:rPr lang="en-US" b="0" cap="none" spc="0" dirty="0" err="1" smtClean="0">
+                <a:ln w="0"/>
+                <a:solidFill>
+                  <a:schemeClr val="tx1"/>
+                </a:solidFill>
+                <a:effectLst>
+                  <a:outerShdw blurRad="38100" dist="19050" dir="2700000" algn="tl" rotWithShape="0">
+                    <a:schemeClr val="dk1">
+                      <a:alpha val="40000"/>
+                    </a:schemeClr>
+                  </a:outerShdw>
+                </a:effectLst>
+              </a:rPr>
+              <a:t>Gerben</a:t>
+            </a:r>
+            <a:r>
+              <a:rPr lang="en-US" b="0" cap="none" spc="0" dirty="0" smtClean="0">
+                <a:ln w="0"/>
+                <a:solidFill>
+                  <a:schemeClr val="tx1"/>
+                </a:solidFill>
+                <a:effectLst>
+                  <a:outerShdw blurRad="38100" dist="19050" dir="2700000" algn="tl" rotWithShape="0">
+                    <a:schemeClr val="dk1">
+                      <a:alpha val="40000"/>
+                    </a:schemeClr>
+                  </a:outerShdw>
+                </a:effectLst>
+              </a:rPr>
+              <a:t> </a:t>
+            </a:r>
+            <a:r>
+              <a:rPr lang="en-US" b="0" cap="none" spc="0" dirty="0" err="1" smtClean="0">
+                <a:ln w="0"/>
+                <a:solidFill>
+                  <a:schemeClr val="tx1"/>
+                </a:solidFill>
+                <a:effectLst>
+                  <a:outerShdw blurRad="38100" dist="19050" dir="2700000" algn="tl" rotWithShape="0">
+                    <a:schemeClr val="dk1">
+                      <a:alpha val="40000"/>
+                    </a:schemeClr>
+                  </a:outerShdw>
+                </a:effectLst>
+              </a:rPr>
+              <a:t>Tesselaar</a:t>
+            </a:r>
+            <a:endParaRPr lang="en-US" b="0" cap="none" spc="0" dirty="0" smtClean="0">
+              <a:ln w="0"/>
+              <a:solidFill>
+                <a:schemeClr val="tx1"/>
+              </a:solidFill>
+              <a:effectLst>
+                <a:outerShdw blurRad="38100" dist="19050" dir="2700000" algn="tl" rotWithShape="0">
+                  <a:schemeClr val="dk1">
+                    <a:alpha val="40000"/>
+                  </a:schemeClr>
+                </a:outerShdw>
+              </a:effectLst>
+            </a:endParaRPr>
+          </a:p>
+          <a:p>
+            <a:pPr algn="ctr"/>
+            <a:r>
+              <a:rPr lang="en-US" dirty="0" smtClean="0">
+                <a:ln w="0"/>
+                <a:effectLst>
+                  <a:outerShdw blurRad="38100" dist="19050" dir="2700000" algn="tl" rotWithShape="0">
+                    <a:schemeClr val="dk1">
+                      <a:alpha val="40000"/>
+                    </a:schemeClr>
+                  </a:outerShdw>
+                </a:effectLst>
+              </a:rPr>
+              <a:t>AM4B</a:t>
+            </a:r>
+            <a:endParaRPr lang="en-US" b="0" cap="none" spc="0" dirty="0">
+              <a:ln w="0"/>
+              <a:solidFill>
+                <a:schemeClr val="tx1"/>
+              </a:solidFill>
+              <a:effectLst>
+                <a:outerShdw blurRad="38100" dist="19050" dir="2700000" algn="tl" rotWithShape="0">
+                  <a:schemeClr val="dk1">
+                    <a:alpha val="40000"/>
+                  </a:schemeClr>
+                </a:outerShdw>
+              </a:effectLst>
+            </a:endParaRPr>
+          </a:p>
+        </p:txBody>
+      </p:sp>
+      <p:sp>
+        <p:nvSpPr>
+          <p:cNvPr id="8" name="Oval Callout 7"/>
+          <p:cNvSpPr/>
+          <p:nvPr/>
+        </p:nvSpPr>
+        <p:spPr>
+          <a:xfrm>
+            <a:off x="3231572" y="1248499"/>
+            <a:ext cx="4852555" cy="2076591"/>
+          </a:xfrm>
+          <a:prstGeom prst="wedgeEllipseCallout">
+            <a:avLst>
+              <a:gd name="adj1" fmla="val -41645"/>
+              <a:gd name="adj2" fmla="val 133815"/>
+            </a:avLst>
+          </a:prstGeom>
+          <a:solidFill>
+            <a:schemeClr val="accent1">
+              <a:lumMod val="40000"/>
+              <a:lumOff val="60000"/>
+            </a:schemeClr>
+          </a:solidFill>
+        </p:spPr>
+        <p:style>
+          <a:lnRef idx="2">
+            <a:schemeClr val="accent1">
+              <a:shade val="50000"/>
+            </a:schemeClr>
+          </a:lnRef>
+          <a:fillRef idx="1">
+            <a:schemeClr val="accent1"/>
+          </a:fillRef>
+          <a:effectRef idx="0">
+            <a:schemeClr val="accent1"/>
+          </a:effectRef>
+          <a:fontRef idx="minor">
+            <a:schemeClr val="lt1"/>
+          </a:fontRef>
+        </p:style>
+        <p:txBody>
+          <a:bodyPr rtlCol="0" anchor="ctr"/>
+          <a:lstStyle/>
+          <a:p>
+            <a:pPr algn="ctr"/>
+            <a:endParaRPr lang="nl-NL"/>
+          </a:p>
+        </p:txBody>
+      </p:sp>
+      <p:sp>
+        <p:nvSpPr>
+          <p:cNvPr id="9" name="Rectangle 8"/>
+          <p:cNvSpPr/>
+          <p:nvPr/>
+        </p:nvSpPr>
+        <p:spPr>
+          <a:xfrm>
+            <a:off x="11700164" y="6483924"/>
+            <a:ext cx="394854" cy="301336"/>
+          </a:xfrm>
+          <a:prstGeom prst="rect">
+            <a:avLst/>
+          </a:prstGeom>
+        </p:spPr>
+        <p:style>
+          <a:lnRef idx="2">
+            <a:schemeClr val="accent1">
+              <a:shade val="50000"/>
+            </a:schemeClr>
+          </a:lnRef>
+          <a:fillRef idx="1">
+            <a:schemeClr val="accent1"/>
+          </a:fillRef>
+          <a:effectRef idx="0">
+            <a:schemeClr val="accent1"/>
+          </a:effectRef>
+          <a:fontRef idx="minor">
+            <a:schemeClr val="lt1"/>
+          </a:fontRef>
+        </p:style>
+        <p:txBody>
+          <a:bodyPr rtlCol="0" anchor="ctr"/>
+          <a:lstStyle/>
+          <a:p>
+            <a:pPr algn="ctr"/>
+            <a:endParaRPr lang="nl-NL"/>
+          </a:p>
+        </p:txBody>
+      </p:sp>
+      <p:sp>
+        <p:nvSpPr>
+          <p:cNvPr id="10" name="Rectangle 9"/>
+          <p:cNvSpPr/>
+          <p:nvPr/>
+        </p:nvSpPr>
+        <p:spPr>
+          <a:xfrm>
+            <a:off x="11746748" y="6449926"/>
+            <a:ext cx="301686" cy="369332"/>
+          </a:xfrm>
+          <a:prstGeom prst="rect">
+            <a:avLst/>
+          </a:prstGeom>
+          <a:noFill/>
+        </p:spPr>
+        <p:txBody>
+          <a:bodyPr wrap="none" lIns="91440" tIns="45720" rIns="91440" bIns="45720">
+            <a:spAutoFit/>
+          </a:bodyPr>
+          <a:lstStyle/>
+          <a:p>
+            <a:pPr algn="ctr"/>
+            <a:r>
+              <a:rPr lang="en-US" dirty="0">
+                <a:ln w="0"/>
+                <a:effectLst>
+                  <a:outerShdw blurRad="38100" dist="19050" dir="2700000" algn="tl" rotWithShape="0">
+                    <a:schemeClr val="dk1">
+                      <a:alpha val="40000"/>
+                    </a:schemeClr>
+                  </a:outerShdw>
+                </a:effectLst>
+              </a:rPr>
+              <a:t>4</a:t>
+            </a:r>
+            <a:endParaRPr lang="en-US" b="0" cap="none" spc="0" dirty="0">
+              <a:ln w="0"/>
+              <a:solidFill>
+                <a:schemeClr val="tx1"/>
+              </a:solidFill>
+              <a:effectLst>
+                <a:outerShdw blurRad="38100" dist="19050" dir="2700000" algn="tl" rotWithShape="0">
+                  <a:schemeClr val="dk1">
+                    <a:alpha val="40000"/>
+                  </a:schemeClr>
+                </a:outerShdw>
+              </a:effectLst>
+            </a:endParaRPr>
+          </a:p>
+        </p:txBody>
+      </p:sp>
+      <p:sp>
+        <p:nvSpPr>
+          <p:cNvPr id="11" name="TextBox 10"/>
+          <p:cNvSpPr txBox="1"/>
+          <p:nvPr/>
+        </p:nvSpPr>
+        <p:spPr>
+          <a:xfrm>
+            <a:off x="4762499" y="1295191"/>
+            <a:ext cx="2493819" cy="523220"/>
+          </a:xfrm>
+          <a:prstGeom prst="rect">
+            <a:avLst/>
+          </a:prstGeom>
+          <a:noFill/>
+        </p:spPr>
+        <p:txBody>
+          <a:bodyPr wrap="square" rtlCol="0">
+            <a:spAutoFit/>
+          </a:bodyPr>
+          <a:lstStyle/>
+          <a:p>
+            <a:r>
+              <a:rPr lang="nl-NL" sz="2800" dirty="0" smtClean="0"/>
+              <a:t>Procedure</a:t>
+            </a:r>
+            <a:endParaRPr lang="nl-NL" sz="2800" dirty="0"/>
+          </a:p>
+        </p:txBody>
+      </p:sp>
+      <p:sp>
+        <p:nvSpPr>
+          <p:cNvPr id="12" name="TextBox 11"/>
+          <p:cNvSpPr txBox="1"/>
+          <p:nvPr/>
+        </p:nvSpPr>
+        <p:spPr>
+          <a:xfrm>
+            <a:off x="3891395" y="1760454"/>
+            <a:ext cx="3532908" cy="1200329"/>
+          </a:xfrm>
+          <a:prstGeom prst="rect">
+            <a:avLst/>
+          </a:prstGeom>
+          <a:noFill/>
+        </p:spPr>
+        <p:txBody>
+          <a:bodyPr wrap="square" rtlCol="0">
+            <a:spAutoFit/>
+          </a:bodyPr>
+          <a:lstStyle/>
+          <a:p>
+            <a:r>
+              <a:rPr lang="nl-NL" dirty="0" smtClean="0"/>
+              <a:t>De testomgeving kan worden opgezet d.m.v. een Procedure. Deze procedure wordt getest d.m.v. de bijbehorende testformulieren.</a:t>
+            </a:r>
+          </a:p>
+        </p:txBody>
+      </p:sp>
+    </p:spTree>
+    <p:extLst>
+      <p:ext uri="{BB962C8B-B14F-4D97-AF65-F5344CB8AC3E}">
+        <p14:creationId xmlns:p14="http://schemas.microsoft.com/office/powerpoint/2010/main" val="2113912682"/>
+      </p:ext>
+    </p:extLst>
+  </p:cSld>
+  <p:clrMapOvr>
+    <a:masterClrMapping/>
+  </p:clrMapOvr>
+</p:sld>
+</file>
+
+<file path=ppt/slides/slide6.xml><?xml version="1.0" encoding="utf-8"?>
+<p:sld xmlns:a="http://schemas.openxmlformats.org/drawingml/2006/main" xmlns:r="http://schemas.openxmlformats.org/officeDocument/2006/relationships" xmlns:p="http://schemas.openxmlformats.org/presentationml/2006/main">
+  <p:cSld>
+    <p:spTree>
+      <p:nvGrpSpPr>
+        <p:cNvPr id="1" name=""/>
+        <p:cNvGrpSpPr/>
+        <p:nvPr/>
+      </p:nvGrpSpPr>
+      <p:grpSpPr>
+        <a:xfrm>
+          <a:off x="0" y="0"/>
+          <a:ext cx="0" cy="0"/>
+          <a:chOff x="0" y="0"/>
+          <a:chExt cx="0" cy="0"/>
+        </a:xfrm>
+      </p:grpSpPr>
+      <p:sp>
+        <p:nvSpPr>
+          <p:cNvPr id="2" name="Title 1"/>
+          <p:cNvSpPr>
+            <a:spLocks noGrp="1"/>
+          </p:cNvSpPr>
+          <p:nvPr>
+            <p:ph type="title"/>
+          </p:nvPr>
+        </p:nvSpPr>
+        <p:spPr/>
+        <p:txBody>
+          <a:bodyPr/>
+          <a:lstStyle/>
+          <a:p>
+            <a:endParaRPr lang="nl-NL"/>
+          </a:p>
+        </p:txBody>
+      </p:sp>
+      <p:sp>
+        <p:nvSpPr>
+          <p:cNvPr id="3" name="Content Placeholder 2"/>
+          <p:cNvSpPr>
+            <a:spLocks noGrp="1"/>
+          </p:cNvSpPr>
+          <p:nvPr>
+            <p:ph idx="1"/>
           </p:nvPr>
         </p:nvSpPr>
         <p:spPr/>
@@ -8263,37 +6427,6 @@
           </a:p>
         </p:txBody>
       </p:sp>
-      <p:pic>
-        <p:nvPicPr>
-          <p:cNvPr id="13" name="Content Placeholder 12">
-            <a:hlinkClick r:id="rId4" action="ppaction://program" highlightClick="1"/>
-          </p:cNvPr>
-          <p:cNvPicPr>
-            <a:picLocks noGrp="1" noChangeAspect="1"/>
-          </p:cNvPicPr>
-          <p:nvPr>
-            <p:ph idx="1"/>
-          </p:nvPr>
-        </p:nvPicPr>
-        <p:blipFill>
-          <a:blip r:embed="rId5">
-            <a:extLst>
-              <a:ext uri="{28A0092B-C50C-407E-A947-70E740481C1C}">
-                <a14:useLocalDpi xmlns:a14="http://schemas.microsoft.com/office/drawing/2010/main" val="0"/>
-              </a:ext>
-            </a:extLst>
-          </a:blip>
-          <a:stretch>
-            <a:fillRect/>
-          </a:stretch>
-        </p:blipFill>
-        <p:spPr>
-          <a:xfrm>
-            <a:off x="2667428" y="1690688"/>
-            <a:ext cx="6857143" cy="2057143"/>
-          </a:xfrm>
-        </p:spPr>
-      </p:pic>
       <p:sp>
         <p:nvSpPr>
           <p:cNvPr id="7" name="Rectangle 6"/>
@@ -8392,7 +6525,7 @@
                   </a:outerShdw>
                 </a:effectLst>
               </a:rPr>
-              <a:t>AM4A</a:t>
+              <a:t>AM4B</a:t>
             </a:r>
             <a:endParaRPr lang="en-US" b="0" cap="none" spc="0" dirty="0">
               <a:ln w="0"/>
@@ -8412,18 +6545,27 @@
       </p:sp>
       <p:sp>
         <p:nvSpPr>
-          <p:cNvPr id="10" name="Rectangle 9"/>
+          <p:cNvPr id="8" name="Oval Callout 7"/>
           <p:cNvSpPr/>
           <p:nvPr/>
         </p:nvSpPr>
         <p:spPr>
           <a:xfrm>
-            <a:off x="11700164" y="6483924"/>
-            <a:ext cx="394854" cy="301336"/>
-          </a:xfrm>
-          <a:prstGeom prst="rect">
-            <a:avLst/>
+            <a:off x="3231572" y="1144588"/>
+            <a:ext cx="4852555" cy="2783175"/>
+          </a:xfrm>
+          <a:prstGeom prst="wedgeEllipseCallout">
+            <a:avLst>
+              <a:gd name="adj1" fmla="val -41003"/>
+              <a:gd name="adj2" fmla="val 90880"/>
+            </a:avLst>
           </a:prstGeom>
+          <a:solidFill>
+            <a:schemeClr val="accent1">
+              <a:lumMod val="40000"/>
+              <a:lumOff val="60000"/>
+            </a:schemeClr>
+          </a:solidFill>
         </p:spPr>
         <p:style>
           <a:lnRef idx="2">
@@ -8452,173 +6594,18 @@
       </p:sp>
       <p:sp>
         <p:nvSpPr>
-          <p:cNvPr id="11" name="Rectangle 10"/>
+          <p:cNvPr id="9" name="Rectangle 8"/>
           <p:cNvSpPr/>
           <p:nvPr/>
         </p:nvSpPr>
         <p:spPr>
           <a:xfrm>
-            <a:off x="11746748" y="6449926"/>
-            <a:ext cx="301686" cy="369332"/>
+            <a:off x="11700164" y="6483924"/>
+            <a:ext cx="394854" cy="301336"/>
           </a:xfrm>
           <a:prstGeom prst="rect">
             <a:avLst/>
           </a:prstGeom>
-          <a:noFill/>
-        </p:spPr>
-        <p:txBody>
-          <a:bodyPr wrap="none" lIns="91440" tIns="45720" rIns="91440" bIns="45720">
-            <a:spAutoFit/>
-          </a:bodyPr>
-          <a:lstStyle/>
-          <a:p>
-            <a:pPr algn="ctr"/>
-            <a:r>
-              <a:rPr lang="en-US" b="0" cap="none" spc="0" dirty="0" smtClean="0">
-                <a:ln w="0"/>
-                <a:solidFill>
-                  <a:schemeClr val="tx1"/>
-                </a:solidFill>
-                <a:effectLst>
-                  <a:outerShdw blurRad="38100" dist="19050" dir="2700000" algn="tl" rotWithShape="0">
-                    <a:schemeClr val="dk1">
-                      <a:alpha val="40000"/>
-                    </a:schemeClr>
-                  </a:outerShdw>
-                </a:effectLst>
-              </a:rPr>
-              <a:t>3</a:t>
-            </a:r>
-            <a:endParaRPr lang="en-US" b="0" cap="none" spc="0" dirty="0">
-              <a:ln w="0"/>
-              <a:solidFill>
-                <a:schemeClr val="tx1"/>
-              </a:solidFill>
-              <a:effectLst>
-                <a:outerShdw blurRad="38100" dist="19050" dir="2700000" algn="tl" rotWithShape="0">
-                  <a:schemeClr val="dk1">
-                    <a:alpha val="40000"/>
-                  </a:schemeClr>
-                </a:outerShdw>
-              </a:effectLst>
-            </a:endParaRPr>
-          </a:p>
-        </p:txBody>
-      </p:sp>
-    </p:spTree>
-    <p:extLst>
-      <p:ext uri="{BB962C8B-B14F-4D97-AF65-F5344CB8AC3E}">
-        <p14:creationId xmlns:p14="http://schemas.microsoft.com/office/powerpoint/2010/main" val="1600191757"/>
-      </p:ext>
-    </p:extLst>
-  </p:cSld>
-  <p:clrMapOvr>
-    <a:masterClrMapping/>
-  </p:clrMapOvr>
-  <p:timing>
-    <p:tnLst>
-      <p:par>
-        <p:cTn id="1" dur="indefinite" restart="never" nodeType="tmRoot"/>
-      </p:par>
-    </p:tnLst>
-  </p:timing>
-</p:sld>
-</file>
-
-<file path=ppt/slides/slide6.xml><?xml version="1.0" encoding="utf-8"?>
-<p:sld xmlns:a="http://schemas.openxmlformats.org/drawingml/2006/main" xmlns:r="http://schemas.openxmlformats.org/officeDocument/2006/relationships" xmlns:p="http://schemas.openxmlformats.org/presentationml/2006/main">
-  <p:cSld>
-    <p:spTree>
-      <p:nvGrpSpPr>
-        <p:cNvPr id="1" name=""/>
-        <p:cNvGrpSpPr/>
-        <p:nvPr/>
-      </p:nvGrpSpPr>
-      <p:grpSpPr>
-        <a:xfrm>
-          <a:off x="0" y="0"/>
-          <a:ext cx="0" cy="0"/>
-          <a:chOff x="0" y="0"/>
-          <a:chExt cx="0" cy="0"/>
-        </a:xfrm>
-      </p:grpSpPr>
-      <p:pic>
-        <p:nvPicPr>
-          <p:cNvPr id="7" name="Picture 6"/>
-          <p:cNvPicPr>
-            <a:picLocks noChangeAspect="1"/>
-          </p:cNvPicPr>
-          <p:nvPr/>
-        </p:nvPicPr>
-        <p:blipFill>
-          <a:blip r:embed="rId3">
-            <a:extLst>
-              <a:ext uri="{28A0092B-C50C-407E-A947-70E740481C1C}">
-                <a14:useLocalDpi xmlns:a14="http://schemas.microsoft.com/office/drawing/2010/main" val="0"/>
-              </a:ext>
-            </a:extLst>
-          </a:blip>
-          <a:stretch>
-            <a:fillRect/>
-          </a:stretch>
-        </p:blipFill>
-        <p:spPr>
-          <a:xfrm>
-            <a:off x="0" y="0"/>
-            <a:ext cx="12192000" cy="6858000"/>
-          </a:xfrm>
-          <a:prstGeom prst="rect">
-            <a:avLst/>
-          </a:prstGeom>
-        </p:spPr>
-      </p:pic>
-      <p:pic>
-        <p:nvPicPr>
-          <p:cNvPr id="6" name="Picture 5"/>
-          <p:cNvPicPr>
-            <a:picLocks noChangeAspect="1"/>
-          </p:cNvPicPr>
-          <p:nvPr/>
-        </p:nvPicPr>
-        <p:blipFill>
-          <a:blip r:embed="rId4">
-            <a:extLst>
-              <a:ext uri="{28A0092B-C50C-407E-A947-70E740481C1C}">
-                <a14:useLocalDpi xmlns:a14="http://schemas.microsoft.com/office/drawing/2010/main" val="0"/>
-              </a:ext>
-            </a:extLst>
-          </a:blip>
-          <a:stretch>
-            <a:fillRect/>
-          </a:stretch>
-        </p:blipFill>
-        <p:spPr>
-          <a:xfrm flipH="1">
-            <a:off x="2275610" y="5231159"/>
-            <a:ext cx="1946702" cy="1522930"/>
-          </a:xfrm>
-          <a:prstGeom prst="rect">
-            <a:avLst/>
-          </a:prstGeom>
-        </p:spPr>
-      </p:pic>
-      <p:sp>
-        <p:nvSpPr>
-          <p:cNvPr id="2" name="Cloud 1"/>
-          <p:cNvSpPr/>
-          <p:nvPr/>
-        </p:nvSpPr>
-        <p:spPr>
-          <a:xfrm>
-            <a:off x="176645" y="114301"/>
-            <a:ext cx="1932709" cy="914400"/>
-          </a:xfrm>
-          <a:prstGeom prst="cloud">
-            <a:avLst/>
-          </a:prstGeom>
-          <a:solidFill>
-            <a:srgbClr val="A9CBE9"/>
-          </a:solidFill>
         </p:spPr>
         <p:style>
           <a:lnRef idx="2">
@@ -8647,14 +6634,14 @@
       </p:sp>
       <p:sp>
         <p:nvSpPr>
-          <p:cNvPr id="4" name="Rectangle 3"/>
+          <p:cNvPr id="10" name="Rectangle 9"/>
           <p:cNvSpPr/>
           <p:nvPr/>
         </p:nvSpPr>
         <p:spPr>
           <a:xfrm>
-            <a:off x="276971" y="263920"/>
-            <a:ext cx="1794402" cy="646331"/>
+            <a:off x="11746747" y="6449926"/>
+            <a:ext cx="301686" cy="369332"/>
           </a:xfrm>
           <a:prstGeom prst="rect">
             <a:avLst/>
@@ -8669,71 +6656,7 @@
           <a:p>
             <a:pPr algn="ctr"/>
             <a:r>
-              <a:rPr lang="en-US" b="0" cap="none" spc="0" dirty="0" err="1" smtClean="0">
-                <a:ln w="0"/>
-                <a:solidFill>
-                  <a:schemeClr val="tx1"/>
-                </a:solidFill>
-                <a:effectLst>
-                  <a:outerShdw blurRad="38100" dist="19050" dir="2700000" algn="tl" rotWithShape="0">
-                    <a:schemeClr val="dk1">
-                      <a:alpha val="40000"/>
-                    </a:schemeClr>
-                  </a:outerShdw>
-                </a:effectLst>
-              </a:rPr>
-              <a:t>Gerben</a:t>
-            </a:r>
-            <a:r>
-              <a:rPr lang="en-US" b="0" cap="none" spc="0" dirty="0" smtClean="0">
-                <a:ln w="0"/>
-                <a:solidFill>
-                  <a:schemeClr val="tx1"/>
-                </a:solidFill>
-                <a:effectLst>
-                  <a:outerShdw blurRad="38100" dist="19050" dir="2700000" algn="tl" rotWithShape="0">
-                    <a:schemeClr val="dk1">
-                      <a:alpha val="40000"/>
-                    </a:schemeClr>
-                  </a:outerShdw>
-                </a:effectLst>
-              </a:rPr>
-              <a:t> </a:t>
-            </a:r>
-            <a:r>
-              <a:rPr lang="en-US" b="0" cap="none" spc="0" dirty="0" err="1" smtClean="0">
-                <a:ln w="0"/>
-                <a:solidFill>
-                  <a:schemeClr val="tx1"/>
-                </a:solidFill>
-                <a:effectLst>
-                  <a:outerShdw blurRad="38100" dist="19050" dir="2700000" algn="tl" rotWithShape="0">
-                    <a:schemeClr val="dk1">
-                      <a:alpha val="40000"/>
-                    </a:schemeClr>
-                  </a:outerShdw>
-                </a:effectLst>
-              </a:rPr>
-              <a:t>Tesselaar</a:t>
-            </a:r>
-            <a:endParaRPr lang="en-US" b="0" cap="none" spc="0" dirty="0" smtClean="0">
-              <a:ln w="0"/>
-              <a:solidFill>
-                <a:schemeClr val="tx1"/>
-              </a:solidFill>
-              <a:effectLst>
-                <a:outerShdw blurRad="38100" dist="19050" dir="2700000" algn="tl" rotWithShape="0">
-                  <a:schemeClr val="dk1">
-                    <a:alpha val="40000"/>
-                  </a:schemeClr>
-                </a:outerShdw>
-              </a:effectLst>
-            </a:endParaRPr>
-          </a:p>
-          <a:p>
-            <a:pPr algn="ctr"/>
-            <a:r>
-              <a:rPr lang="en-US" dirty="0" smtClean="0">
+              <a:rPr lang="en-US" dirty="0">
                 <a:ln w="0"/>
                 <a:effectLst>
                   <a:outerShdw blurRad="38100" dist="19050" dir="2700000" algn="tl" rotWithShape="0">
@@ -8743,7 +6666,7 @@
                   </a:outerShdw>
                 </a:effectLst>
               </a:rPr>
-              <a:t>AM4A</a:t>
+              <a:t>5</a:t>
             </a:r>
             <a:endParaRPr lang="en-US" b="0" cap="none" spc="0" dirty="0">
               <a:ln w="0"/>
@@ -8763,63 +6686,14 @@
       </p:sp>
       <p:sp>
         <p:nvSpPr>
-          <p:cNvPr id="8" name="Oval Callout 7"/>
-          <p:cNvSpPr/>
+          <p:cNvPr id="11" name="TextBox 10"/>
+          <p:cNvSpPr txBox="1"/>
           <p:nvPr/>
         </p:nvSpPr>
         <p:spPr>
           <a:xfrm>
-            <a:off x="3285460" y="1016578"/>
-            <a:ext cx="5411973" cy="2524065"/>
-          </a:xfrm>
-          <a:prstGeom prst="wedgeEllipseCallout">
-            <a:avLst>
-              <a:gd name="adj1" fmla="val -41078"/>
-              <a:gd name="adj2" fmla="val 106552"/>
-            </a:avLst>
-          </a:prstGeom>
-          <a:solidFill>
-            <a:schemeClr val="accent1">
-              <a:lumMod val="40000"/>
-              <a:lumOff val="60000"/>
-            </a:schemeClr>
-          </a:solidFill>
-        </p:spPr>
-        <p:style>
-          <a:lnRef idx="2">
-            <a:schemeClr val="accent1">
-              <a:shade val="50000"/>
-            </a:schemeClr>
-          </a:lnRef>
-          <a:fillRef idx="1">
-            <a:schemeClr val="accent1"/>
-          </a:fillRef>
-          <a:effectRef idx="0">
-            <a:schemeClr val="accent1"/>
-          </a:effectRef>
-          <a:fontRef idx="minor">
-            <a:schemeClr val="lt1"/>
-          </a:fontRef>
-        </p:style>
-        <p:txBody>
-          <a:bodyPr rtlCol="0" anchor="ctr"/>
-          <a:lstStyle/>
-          <a:p>
-            <a:pPr algn="ctr"/>
-            <a:endParaRPr lang="nl-NL"/>
-          </a:p>
-        </p:txBody>
-      </p:sp>
-      <p:sp>
-        <p:nvSpPr>
-          <p:cNvPr id="3" name="Rectangle 2"/>
-          <p:cNvSpPr/>
-          <p:nvPr/>
-        </p:nvSpPr>
-        <p:spPr>
-          <a:xfrm>
-            <a:off x="4837951" y="1028701"/>
-            <a:ext cx="1979261" cy="584775"/>
+            <a:off x="4346862" y="1302405"/>
+            <a:ext cx="2770910" cy="523220"/>
           </a:xfrm>
           <a:prstGeom prst="rect">
             <a:avLst/>
@@ -8827,70 +6701,29 @@
           <a:noFill/>
         </p:spPr>
         <p:txBody>
-          <a:bodyPr wrap="none" lIns="91440" tIns="45720" rIns="91440" bIns="45720">
+          <a:bodyPr wrap="square" rtlCol="0">
             <a:spAutoFit/>
           </a:bodyPr>
           <a:lstStyle/>
           <a:p>
-            <a:pPr algn="ctr"/>
-            <a:r>
-              <a:rPr lang="en-US" sz="3200" b="0" cap="none" spc="0" dirty="0" smtClean="0">
-                <a:ln w="0"/>
-                <a:solidFill>
-                  <a:schemeClr val="tx1"/>
-                </a:solidFill>
-                <a:effectLst>
-                  <a:outerShdw blurRad="38100" dist="19050" dir="2700000" algn="tl" rotWithShape="0">
-                    <a:schemeClr val="dk1">
-                      <a:alpha val="40000"/>
-                    </a:schemeClr>
-                  </a:outerShdw>
-                </a:effectLst>
-              </a:rPr>
-              <a:t>Het </a:t>
-            </a:r>
-            <a:r>
-              <a:rPr lang="en-US" sz="3200" b="0" cap="none" spc="0" dirty="0" err="1" smtClean="0">
-                <a:ln w="0"/>
-                <a:solidFill>
-                  <a:schemeClr val="tx1"/>
-                </a:solidFill>
-                <a:effectLst>
-                  <a:outerShdw blurRad="38100" dist="19050" dir="2700000" algn="tl" rotWithShape="0">
-                    <a:schemeClr val="dk1">
-                      <a:alpha val="40000"/>
-                    </a:schemeClr>
-                  </a:outerShdw>
-                </a:effectLst>
-              </a:rPr>
-              <a:t>proces</a:t>
-            </a:r>
-            <a:endParaRPr lang="en-US" sz="3200" b="0" cap="none" spc="0" dirty="0">
-              <a:ln w="0"/>
-              <a:solidFill>
-                <a:schemeClr val="tx1"/>
-              </a:solidFill>
-              <a:effectLst>
-                <a:outerShdw blurRad="38100" dist="19050" dir="2700000" algn="tl" rotWithShape="0">
-                  <a:schemeClr val="dk1">
-                    <a:alpha val="40000"/>
-                  </a:schemeClr>
-                </a:outerShdw>
-              </a:effectLst>
-            </a:endParaRPr>
-          </a:p>
-        </p:txBody>
-      </p:sp>
-      <p:sp>
-        <p:nvSpPr>
-          <p:cNvPr id="5" name="Rectangle 4"/>
-          <p:cNvSpPr/>
+            <a:r>
+              <a:rPr lang="nl-NL" sz="2800" dirty="0" smtClean="0"/>
+              <a:t>Globale stappen</a:t>
+            </a:r>
+            <a:endParaRPr lang="nl-NL" sz="2800" dirty="0"/>
+          </a:p>
+        </p:txBody>
+      </p:sp>
+      <p:sp>
+        <p:nvSpPr>
+          <p:cNvPr id="12" name="TextBox 11"/>
+          <p:cNvSpPr txBox="1"/>
           <p:nvPr/>
         </p:nvSpPr>
         <p:spPr>
           <a:xfrm>
-            <a:off x="4004022" y="1800452"/>
-            <a:ext cx="3834319" cy="1015663"/>
+            <a:off x="4367647" y="1791893"/>
+            <a:ext cx="3532908" cy="1754326"/>
           </a:xfrm>
           <a:prstGeom prst="rect">
             <a:avLst/>
@@ -8898,297 +6731,80 @@
           <a:noFill/>
         </p:spPr>
         <p:txBody>
-          <a:bodyPr wrap="none" lIns="91440" tIns="45720" rIns="91440" bIns="45720">
+          <a:bodyPr wrap="square" rtlCol="0">
             <a:spAutoFit/>
           </a:bodyPr>
           <a:lstStyle/>
           <a:p>
             <a:r>
-              <a:rPr lang="en-US" sz="2000" b="0" cap="none" spc="0" dirty="0" smtClean="0">
-                <a:ln w="0"/>
-                <a:solidFill>
-                  <a:schemeClr val="tx1"/>
-                </a:solidFill>
-                <a:effectLst>
-                  <a:outerShdw blurRad="38100" dist="19050" dir="2700000" algn="tl" rotWithShape="0">
-                    <a:schemeClr val="dk1">
-                      <a:alpha val="40000"/>
-                    </a:schemeClr>
-                  </a:outerShdw>
-                </a:effectLst>
-              </a:rPr>
-              <a:t>Hoe is het </a:t>
-            </a:r>
-            <a:r>
-              <a:rPr lang="en-US" sz="2000" b="0" cap="none" spc="0" dirty="0" err="1" smtClean="0">
-                <a:ln w="0"/>
-                <a:solidFill>
-                  <a:schemeClr val="tx1"/>
-                </a:solidFill>
-                <a:effectLst>
-                  <a:outerShdw blurRad="38100" dist="19050" dir="2700000" algn="tl" rotWithShape="0">
-                    <a:schemeClr val="dk1">
-                      <a:alpha val="40000"/>
-                    </a:schemeClr>
-                  </a:outerShdw>
-                </a:effectLst>
-              </a:rPr>
-              <a:t>gegaan</a:t>
-            </a:r>
-            <a:r>
-              <a:rPr lang="en-US" sz="2000" b="0" cap="none" spc="0" dirty="0" smtClean="0">
-                <a:ln w="0"/>
-                <a:solidFill>
-                  <a:schemeClr val="tx1"/>
-                </a:solidFill>
-                <a:effectLst>
-                  <a:outerShdw blurRad="38100" dist="19050" dir="2700000" algn="tl" rotWithShape="0">
-                    <a:schemeClr val="dk1">
-                      <a:alpha val="40000"/>
-                    </a:schemeClr>
-                  </a:outerShdw>
-                </a:effectLst>
-              </a:rPr>
-              <a:t>:</a:t>
-            </a:r>
-          </a:p>
-          <a:p>
-            <a:pPr marL="685800" indent="-685800">
-              <a:buFontTx/>
-              <a:buChar char="-"/>
-            </a:pPr>
-            <a:r>
-              <a:rPr lang="en-US" sz="2000" dirty="0" smtClean="0">
-                <a:ln w="0"/>
-                <a:effectLst>
-                  <a:outerShdw blurRad="38100" dist="19050" dir="2700000" algn="tl" rotWithShape="0">
-                    <a:schemeClr val="dk1">
-                      <a:alpha val="40000"/>
-                    </a:schemeClr>
-                  </a:outerShdw>
-                </a:effectLst>
-              </a:rPr>
-              <a:t>Planning</a:t>
-            </a:r>
-            <a:endParaRPr lang="en-US" sz="2000" dirty="0" smtClean="0">
-              <a:ln w="0"/>
-              <a:effectLst>
-                <a:outerShdw blurRad="38100" dist="19050" dir="2700000" algn="tl" rotWithShape="0">
-                  <a:schemeClr val="dk1">
-                    <a:alpha val="40000"/>
-                  </a:schemeClr>
-                </a:outerShdw>
-              </a:effectLst>
-            </a:endParaRPr>
-          </a:p>
-          <a:p>
-            <a:pPr marL="685800" indent="-685800">
-              <a:buFontTx/>
-              <a:buChar char="-"/>
-            </a:pPr>
-            <a:r>
-              <a:rPr lang="en-US" sz="2000" dirty="0" err="1" smtClean="0">
-                <a:ln w="0"/>
-                <a:effectLst>
-                  <a:outerShdw blurRad="38100" dist="19050" dir="2700000" algn="tl" rotWithShape="0">
-                    <a:schemeClr val="dk1">
-                      <a:alpha val="40000"/>
-                    </a:schemeClr>
-                  </a:outerShdw>
-                </a:effectLst>
-              </a:rPr>
-              <a:t>Wensen</a:t>
-            </a:r>
-            <a:r>
-              <a:rPr lang="en-US" sz="2000" dirty="0" smtClean="0">
-                <a:ln w="0"/>
-                <a:effectLst>
-                  <a:outerShdw blurRad="38100" dist="19050" dir="2700000" algn="tl" rotWithShape="0">
-                    <a:schemeClr val="dk1">
-                      <a:alpha val="40000"/>
-                    </a:schemeClr>
-                  </a:outerShdw>
-                </a:effectLst>
-              </a:rPr>
-              <a:t> </a:t>
-            </a:r>
-            <a:r>
-              <a:rPr lang="en-US" sz="2000" dirty="0" smtClean="0">
-                <a:ln w="0"/>
-                <a:effectLst>
-                  <a:outerShdw blurRad="38100" dist="19050" dir="2700000" algn="tl" rotWithShape="0">
-                    <a:schemeClr val="dk1">
-                      <a:alpha val="40000"/>
-                    </a:schemeClr>
-                  </a:outerShdw>
-                </a:effectLst>
-              </a:rPr>
-              <a:t>van </a:t>
-            </a:r>
-            <a:r>
-              <a:rPr lang="en-US" sz="2000" dirty="0" err="1" smtClean="0">
-                <a:ln w="0"/>
-                <a:effectLst>
-                  <a:outerShdw blurRad="38100" dist="19050" dir="2700000" algn="tl" rotWithShape="0">
-                    <a:schemeClr val="dk1">
-                      <a:alpha val="40000"/>
-                    </a:schemeClr>
-                  </a:outerShdw>
-                </a:effectLst>
-              </a:rPr>
-              <a:t>klant</a:t>
-            </a:r>
-            <a:r>
-              <a:rPr lang="en-US" sz="2000" dirty="0" smtClean="0">
-                <a:ln w="0"/>
-                <a:effectLst>
-                  <a:outerShdw blurRad="38100" dist="19050" dir="2700000" algn="tl" rotWithShape="0">
-                    <a:schemeClr val="dk1">
-                      <a:alpha val="40000"/>
-                    </a:schemeClr>
-                  </a:outerShdw>
-                </a:effectLst>
-              </a:rPr>
-              <a:t> </a:t>
-            </a:r>
-            <a:r>
-              <a:rPr lang="en-US" sz="2000" dirty="0" err="1" smtClean="0">
-                <a:ln w="0"/>
-                <a:effectLst>
-                  <a:outerShdw blurRad="38100" dist="19050" dir="2700000" algn="tl" rotWithShape="0">
-                    <a:schemeClr val="dk1">
-                      <a:alpha val="40000"/>
-                    </a:schemeClr>
-                  </a:outerShdw>
-                </a:effectLst>
-              </a:rPr>
-              <a:t>uitwerken</a:t>
-            </a:r>
-            <a:endParaRPr lang="en-US" sz="2000" b="0" cap="none" spc="0" dirty="0">
-              <a:ln w="0"/>
-              <a:solidFill>
-                <a:schemeClr val="tx1"/>
-              </a:solidFill>
-              <a:effectLst>
-                <a:outerShdw blurRad="38100" dist="19050" dir="2700000" algn="tl" rotWithShape="0">
-                  <a:schemeClr val="dk1">
-                    <a:alpha val="40000"/>
-                  </a:schemeClr>
-                </a:outerShdw>
-              </a:effectLst>
-            </a:endParaRPr>
-          </a:p>
-        </p:txBody>
-      </p:sp>
-      <p:sp>
-        <p:nvSpPr>
-          <p:cNvPr id="9" name="Rectangle 8"/>
-          <p:cNvSpPr/>
-          <p:nvPr/>
-        </p:nvSpPr>
-        <p:spPr>
-          <a:xfrm>
-            <a:off x="11700164" y="6483924"/>
-            <a:ext cx="394854" cy="301336"/>
-          </a:xfrm>
-          <a:prstGeom prst="rect">
-            <a:avLst/>
-          </a:prstGeom>
-        </p:spPr>
-        <p:style>
-          <a:lnRef idx="2">
-            <a:schemeClr val="accent1">
-              <a:shade val="50000"/>
-            </a:schemeClr>
-          </a:lnRef>
-          <a:fillRef idx="1">
-            <a:schemeClr val="accent1"/>
-          </a:fillRef>
-          <a:effectRef idx="0">
-            <a:schemeClr val="accent1"/>
-          </a:effectRef>
-          <a:fontRef idx="minor">
-            <a:schemeClr val="lt1"/>
-          </a:fontRef>
-        </p:style>
-        <p:txBody>
-          <a:bodyPr rtlCol="0" anchor="ctr"/>
-          <a:lstStyle/>
-          <a:p>
-            <a:pPr algn="ctr"/>
-            <a:endParaRPr lang="nl-NL"/>
-          </a:p>
-        </p:txBody>
-      </p:sp>
-      <p:sp>
-        <p:nvSpPr>
-          <p:cNvPr id="10" name="Rectangle 9"/>
-          <p:cNvSpPr/>
-          <p:nvPr/>
-        </p:nvSpPr>
-        <p:spPr>
-          <a:xfrm>
-            <a:off x="11746748" y="6449926"/>
-            <a:ext cx="301686" cy="369332"/>
-          </a:xfrm>
-          <a:prstGeom prst="rect">
-            <a:avLst/>
-          </a:prstGeom>
-          <a:noFill/>
-        </p:spPr>
-        <p:txBody>
-          <a:bodyPr wrap="none" lIns="91440" tIns="45720" rIns="91440" bIns="45720">
-            <a:spAutoFit/>
-          </a:bodyPr>
-          <a:lstStyle/>
-          <a:p>
-            <a:pPr algn="ctr"/>
-            <a:r>
-              <a:rPr lang="en-US" dirty="0">
-                <a:ln w="0"/>
-                <a:effectLst>
-                  <a:outerShdw blurRad="38100" dist="19050" dir="2700000" algn="tl" rotWithShape="0">
-                    <a:schemeClr val="dk1">
-                      <a:alpha val="40000"/>
-                    </a:schemeClr>
-                  </a:outerShdw>
-                </a:effectLst>
-              </a:rPr>
+              <a:rPr lang="en-US" dirty="0"/>
+              <a:t>1. Create virtual </a:t>
+            </a:r>
+            <a:r>
+              <a:rPr lang="en-US" dirty="0" smtClean="0"/>
+              <a:t>machine</a:t>
+            </a:r>
+            <a:endParaRPr lang="nl-NL" dirty="0"/>
+          </a:p>
+          <a:p>
+            <a:r>
+              <a:rPr lang="en-US" dirty="0"/>
+              <a:t>2. Setup machine </a:t>
+            </a:r>
+            <a:r>
+              <a:rPr lang="en-US" dirty="0" smtClean="0"/>
+              <a:t>settings</a:t>
+            </a:r>
+            <a:endParaRPr lang="nl-NL" dirty="0"/>
+          </a:p>
+          <a:p>
+            <a:r>
+              <a:rPr lang="en-US" dirty="0"/>
+              <a:t>3. Setup machine </a:t>
+            </a:r>
+            <a:r>
+              <a:rPr lang="en-US" dirty="0" smtClean="0"/>
+              <a:t>drivers</a:t>
+            </a:r>
+            <a:endParaRPr lang="en-US" dirty="0"/>
+          </a:p>
+          <a:p>
+            <a:r>
+              <a:rPr lang="en-US" dirty="0" smtClean="0"/>
               <a:t>4</a:t>
             </a:r>
-            <a:endParaRPr lang="en-US" b="0" cap="none" spc="0" dirty="0">
-              <a:ln w="0"/>
-              <a:solidFill>
-                <a:schemeClr val="tx1"/>
-              </a:solidFill>
-              <a:effectLst>
-                <a:outerShdw blurRad="38100" dist="19050" dir="2700000" algn="tl" rotWithShape="0">
-                  <a:schemeClr val="dk1">
-                    <a:alpha val="40000"/>
-                  </a:schemeClr>
-                </a:outerShdw>
-              </a:effectLst>
-            </a:endParaRPr>
+            <a:r>
+              <a:rPr lang="en-US" dirty="0"/>
+              <a:t>. Setup software</a:t>
+            </a:r>
+            <a:endParaRPr lang="nl-NL" dirty="0"/>
+          </a:p>
+          <a:p>
+            <a:r>
+              <a:rPr lang="en-US" dirty="0"/>
+              <a:t>5. Download Game</a:t>
+            </a:r>
+            <a:endParaRPr lang="nl-NL" dirty="0"/>
+          </a:p>
+          <a:p>
+            <a:r>
+              <a:rPr lang="en-US" dirty="0"/>
+              <a:t>6. Run Game</a:t>
+            </a:r>
+            <a:endParaRPr lang="nl-NL" dirty="0"/>
           </a:p>
         </p:txBody>
       </p:sp>
     </p:spTree>
     <p:extLst>
       <p:ext uri="{BB962C8B-B14F-4D97-AF65-F5344CB8AC3E}">
-        <p14:creationId xmlns:p14="http://schemas.microsoft.com/office/powerpoint/2010/main" val="4048192840"/>
+        <p14:creationId xmlns:p14="http://schemas.microsoft.com/office/powerpoint/2010/main" val="3566261772"/>
       </p:ext>
     </p:extLst>
   </p:cSld>
   <p:clrMapOvr>
     <a:masterClrMapping/>
   </p:clrMapOvr>
-  <p:timing>
-    <p:tnLst>
-      <p:par>
-        <p:cTn id="1" dur="indefinite" restart="never" nodeType="tmRoot"/>
-      </p:par>
-    </p:tnLst>
-  </p:timing>
 </p:sld>
 </file>
 
@@ -9209,9 +6825,47 @@
           <a:chExt cx="0" cy="0"/>
         </a:xfrm>
       </p:grpSpPr>
+      <p:sp>
+        <p:nvSpPr>
+          <p:cNvPr id="13" name="Title 12"/>
+          <p:cNvSpPr>
+            <a:spLocks noGrp="1"/>
+          </p:cNvSpPr>
+          <p:nvPr>
+            <p:ph type="title"/>
+          </p:nvPr>
+        </p:nvSpPr>
+        <p:spPr/>
+        <p:txBody>
+          <a:bodyPr/>
+          <a:lstStyle/>
+          <a:p>
+            <a:endParaRPr lang="nl-NL"/>
+          </a:p>
+        </p:txBody>
+      </p:sp>
+      <p:sp>
+        <p:nvSpPr>
+          <p:cNvPr id="14" name="Content Placeholder 13"/>
+          <p:cNvSpPr>
+            <a:spLocks noGrp="1"/>
+          </p:cNvSpPr>
+          <p:nvPr>
+            <p:ph idx="1"/>
+          </p:nvPr>
+        </p:nvSpPr>
+        <p:spPr/>
+        <p:txBody>
+          <a:bodyPr/>
+          <a:lstStyle/>
+          <a:p>
+            <a:endParaRPr lang="nl-NL"/>
+          </a:p>
+        </p:txBody>
+      </p:sp>
       <p:pic>
         <p:nvPicPr>
-          <p:cNvPr id="7" name="Picture 6"/>
+          <p:cNvPr id="4" name="Picture 3"/>
           <p:cNvPicPr>
             <a:picLocks noChangeAspect="1"/>
           </p:cNvPicPr>
@@ -9241,7 +6895,7 @@
       </p:pic>
       <p:pic>
         <p:nvPicPr>
-          <p:cNvPr id="6" name="Picture 5"/>
+          <p:cNvPr id="5" name="Picture 4"/>
           <p:cNvPicPr>
             <a:picLocks noChangeAspect="1"/>
           </p:cNvPicPr>
@@ -9271,7 +6925,7 @@
       </p:pic>
       <p:sp>
         <p:nvSpPr>
-          <p:cNvPr id="2" name="Cloud 1"/>
+          <p:cNvPr id="6" name="Cloud 5"/>
           <p:cNvSpPr/>
           <p:nvPr/>
         </p:nvSpPr>
@@ -9314,7 +6968,7 @@
       </p:sp>
       <p:sp>
         <p:nvSpPr>
-          <p:cNvPr id="4" name="Rectangle 3"/>
+          <p:cNvPr id="7" name="Rectangle 6"/>
           <p:cNvSpPr/>
           <p:nvPr/>
         </p:nvSpPr>
@@ -9410,7 +7064,7 @@
                   </a:outerShdw>
                 </a:effectLst>
               </a:rPr>
-              <a:t>AM4A</a:t>
+              <a:t>AM4B</a:t>
             </a:r>
             <a:endParaRPr lang="en-US" b="0" cap="none" spc="0" dirty="0">
               <a:ln w="0"/>
@@ -9430,19 +7084,19 @@
       </p:sp>
       <p:sp>
         <p:nvSpPr>
-          <p:cNvPr id="11" name="Oval Callout 10"/>
+          <p:cNvPr id="8" name="Oval Callout 7"/>
           <p:cNvSpPr/>
           <p:nvPr/>
         </p:nvSpPr>
         <p:spPr>
           <a:xfrm>
-            <a:off x="3285460" y="1016578"/>
-            <a:ext cx="5411973" cy="2524065"/>
+            <a:off x="3231572" y="1632961"/>
+            <a:ext cx="4852555" cy="1484310"/>
           </a:xfrm>
           <a:prstGeom prst="wedgeEllipseCallout">
             <a:avLst>
-              <a:gd name="adj1" fmla="val -41078"/>
-              <a:gd name="adj2" fmla="val 106552"/>
+              <a:gd name="adj1" fmla="val -39718"/>
+              <a:gd name="adj2" fmla="val 182118"/>
             </a:avLst>
           </a:prstGeom>
           <a:solidFill>
@@ -9479,379 +7133,6 @@
       </p:sp>
       <p:sp>
         <p:nvSpPr>
-          <p:cNvPr id="12" name="Rectangle 11"/>
-          <p:cNvSpPr/>
-          <p:nvPr/>
-        </p:nvSpPr>
-        <p:spPr>
-          <a:xfrm>
-            <a:off x="4837951" y="1028701"/>
-            <a:ext cx="1979261" cy="584775"/>
-          </a:xfrm>
-          <a:prstGeom prst="rect">
-            <a:avLst/>
-          </a:prstGeom>
-          <a:noFill/>
-        </p:spPr>
-        <p:txBody>
-          <a:bodyPr wrap="none" lIns="91440" tIns="45720" rIns="91440" bIns="45720">
-            <a:spAutoFit/>
-          </a:bodyPr>
-          <a:lstStyle/>
-          <a:p>
-            <a:pPr algn="ctr"/>
-            <a:r>
-              <a:rPr lang="en-US" sz="3200" b="0" cap="none" spc="0" dirty="0" smtClean="0">
-                <a:ln w="0"/>
-                <a:solidFill>
-                  <a:schemeClr val="tx1"/>
-                </a:solidFill>
-                <a:effectLst>
-                  <a:outerShdw blurRad="38100" dist="19050" dir="2700000" algn="tl" rotWithShape="0">
-                    <a:schemeClr val="dk1">
-                      <a:alpha val="40000"/>
-                    </a:schemeClr>
-                  </a:outerShdw>
-                </a:effectLst>
-              </a:rPr>
-              <a:t>Het </a:t>
-            </a:r>
-            <a:r>
-              <a:rPr lang="en-US" sz="3200" b="0" cap="none" spc="0" dirty="0" err="1" smtClean="0">
-                <a:ln w="0"/>
-                <a:solidFill>
-                  <a:schemeClr val="tx1"/>
-                </a:solidFill>
-                <a:effectLst>
-                  <a:outerShdw blurRad="38100" dist="19050" dir="2700000" algn="tl" rotWithShape="0">
-                    <a:schemeClr val="dk1">
-                      <a:alpha val="40000"/>
-                    </a:schemeClr>
-                  </a:outerShdw>
-                </a:effectLst>
-              </a:rPr>
-              <a:t>proces</a:t>
-            </a:r>
-            <a:endParaRPr lang="en-US" sz="3200" b="0" cap="none" spc="0" dirty="0">
-              <a:ln w="0"/>
-              <a:solidFill>
-                <a:schemeClr val="tx1"/>
-              </a:solidFill>
-              <a:effectLst>
-                <a:outerShdw blurRad="38100" dist="19050" dir="2700000" algn="tl" rotWithShape="0">
-                  <a:schemeClr val="dk1">
-                    <a:alpha val="40000"/>
-                  </a:schemeClr>
-                </a:outerShdw>
-              </a:effectLst>
-            </a:endParaRPr>
-          </a:p>
-        </p:txBody>
-      </p:sp>
-      <p:sp>
-        <p:nvSpPr>
-          <p:cNvPr id="13" name="Rectangle 12"/>
-          <p:cNvSpPr/>
-          <p:nvPr/>
-        </p:nvSpPr>
-        <p:spPr>
-          <a:xfrm>
-            <a:off x="4004022" y="1800452"/>
-            <a:ext cx="3693703" cy="1015663"/>
-          </a:xfrm>
-          <a:prstGeom prst="rect">
-            <a:avLst/>
-          </a:prstGeom>
-          <a:noFill/>
-        </p:spPr>
-        <p:txBody>
-          <a:bodyPr wrap="none" lIns="91440" tIns="45720" rIns="91440" bIns="45720">
-            <a:spAutoFit/>
-          </a:bodyPr>
-          <a:lstStyle/>
-          <a:p>
-            <a:r>
-              <a:rPr lang="en-US" sz="2000" b="0" cap="none" spc="0" dirty="0" smtClean="0">
-                <a:ln w="0"/>
-                <a:solidFill>
-                  <a:schemeClr val="tx1"/>
-                </a:solidFill>
-                <a:effectLst>
-                  <a:outerShdw blurRad="38100" dist="19050" dir="2700000" algn="tl" rotWithShape="0">
-                    <a:schemeClr val="dk1">
-                      <a:alpha val="40000"/>
-                    </a:schemeClr>
-                  </a:outerShdw>
-                </a:effectLst>
-              </a:rPr>
-              <a:t>Wat </a:t>
-            </a:r>
-            <a:r>
-              <a:rPr lang="en-US" sz="2000" b="0" cap="none" spc="0" dirty="0" err="1" smtClean="0">
-                <a:ln w="0"/>
-                <a:solidFill>
-                  <a:schemeClr val="tx1"/>
-                </a:solidFill>
-                <a:effectLst>
-                  <a:outerShdw blurRad="38100" dist="19050" dir="2700000" algn="tl" rotWithShape="0">
-                    <a:schemeClr val="dk1">
-                      <a:alpha val="40000"/>
-                    </a:schemeClr>
-                  </a:outerShdw>
-                </a:effectLst>
-              </a:rPr>
-              <a:t>kan</a:t>
-            </a:r>
-            <a:r>
-              <a:rPr lang="en-US" sz="2000" b="0" cap="none" spc="0" dirty="0" smtClean="0">
-                <a:ln w="0"/>
-                <a:solidFill>
-                  <a:schemeClr val="tx1"/>
-                </a:solidFill>
-                <a:effectLst>
-                  <a:outerShdw blurRad="38100" dist="19050" dir="2700000" algn="tl" rotWithShape="0">
-                    <a:schemeClr val="dk1">
-                      <a:alpha val="40000"/>
-                    </a:schemeClr>
-                  </a:outerShdw>
-                </a:effectLst>
-              </a:rPr>
-              <a:t> </a:t>
-            </a:r>
-            <a:r>
-              <a:rPr lang="en-US" sz="2000" b="0" cap="none" spc="0" dirty="0" err="1" smtClean="0">
-                <a:ln w="0"/>
-                <a:solidFill>
-                  <a:schemeClr val="tx1"/>
-                </a:solidFill>
-                <a:effectLst>
-                  <a:outerShdw blurRad="38100" dist="19050" dir="2700000" algn="tl" rotWithShape="0">
-                    <a:schemeClr val="dk1">
-                      <a:alpha val="40000"/>
-                    </a:schemeClr>
-                  </a:outerShdw>
-                </a:effectLst>
-              </a:rPr>
-              <a:t>er</a:t>
-            </a:r>
-            <a:r>
-              <a:rPr lang="en-US" sz="2000" b="0" cap="none" spc="0" dirty="0" smtClean="0">
-                <a:ln w="0"/>
-                <a:solidFill>
-                  <a:schemeClr val="tx1"/>
-                </a:solidFill>
-                <a:effectLst>
-                  <a:outerShdw blurRad="38100" dist="19050" dir="2700000" algn="tl" rotWithShape="0">
-                    <a:schemeClr val="dk1">
-                      <a:alpha val="40000"/>
-                    </a:schemeClr>
-                  </a:outerShdw>
-                </a:effectLst>
-              </a:rPr>
-              <a:t> </a:t>
-            </a:r>
-            <a:r>
-              <a:rPr lang="en-US" sz="2000" b="0" cap="none" spc="0" dirty="0" err="1" smtClean="0">
-                <a:ln w="0"/>
-                <a:solidFill>
-                  <a:schemeClr val="tx1"/>
-                </a:solidFill>
-                <a:effectLst>
-                  <a:outerShdw blurRad="38100" dist="19050" dir="2700000" algn="tl" rotWithShape="0">
-                    <a:schemeClr val="dk1">
-                      <a:alpha val="40000"/>
-                    </a:schemeClr>
-                  </a:outerShdw>
-                </a:effectLst>
-              </a:rPr>
-              <a:t>beter</a:t>
-            </a:r>
-            <a:r>
-              <a:rPr lang="en-US" sz="2000" b="0" cap="none" spc="0" dirty="0" smtClean="0">
-                <a:ln w="0"/>
-                <a:solidFill>
-                  <a:schemeClr val="tx1"/>
-                </a:solidFill>
-                <a:effectLst>
-                  <a:outerShdw blurRad="38100" dist="19050" dir="2700000" algn="tl" rotWithShape="0">
-                    <a:schemeClr val="dk1">
-                      <a:alpha val="40000"/>
-                    </a:schemeClr>
-                  </a:outerShdw>
-                </a:effectLst>
-              </a:rPr>
-              <a:t>:</a:t>
-            </a:r>
-          </a:p>
-          <a:p>
-            <a:pPr marL="685800" indent="-685800">
-              <a:buFontTx/>
-              <a:buChar char="-"/>
-            </a:pPr>
-            <a:r>
-              <a:rPr lang="en-US" sz="2000" dirty="0" err="1" smtClean="0">
-                <a:ln w="0"/>
-                <a:effectLst>
-                  <a:outerShdw blurRad="38100" dist="19050" dir="2700000" algn="tl" rotWithShape="0">
-                    <a:schemeClr val="dk1">
-                      <a:alpha val="40000"/>
-                    </a:schemeClr>
-                  </a:outerShdw>
-                </a:effectLst>
-              </a:rPr>
-              <a:t>Vragen</a:t>
-            </a:r>
-            <a:r>
-              <a:rPr lang="en-US" sz="2000" dirty="0" smtClean="0">
-                <a:ln w="0"/>
-                <a:effectLst>
-                  <a:outerShdw blurRad="38100" dist="19050" dir="2700000" algn="tl" rotWithShape="0">
-                    <a:schemeClr val="dk1">
-                      <a:alpha val="40000"/>
-                    </a:schemeClr>
-                  </a:outerShdw>
-                </a:effectLst>
-              </a:rPr>
-              <a:t> </a:t>
-            </a:r>
-            <a:r>
-              <a:rPr lang="en-US" sz="2000" dirty="0" err="1" smtClean="0">
-                <a:ln w="0"/>
-                <a:effectLst>
-                  <a:outerShdw blurRad="38100" dist="19050" dir="2700000" algn="tl" rotWithShape="0">
-                    <a:schemeClr val="dk1">
-                      <a:alpha val="40000"/>
-                    </a:schemeClr>
-                  </a:outerShdw>
-                </a:effectLst>
-              </a:rPr>
-              <a:t>stellen</a:t>
-            </a:r>
-            <a:r>
-              <a:rPr lang="en-US" sz="2000" dirty="0" smtClean="0">
-                <a:ln w="0"/>
-                <a:effectLst>
-                  <a:outerShdw blurRad="38100" dist="19050" dir="2700000" algn="tl" rotWithShape="0">
-                    <a:schemeClr val="dk1">
-                      <a:alpha val="40000"/>
-                    </a:schemeClr>
-                  </a:outerShdw>
-                </a:effectLst>
-              </a:rPr>
-              <a:t> </a:t>
-            </a:r>
-            <a:r>
-              <a:rPr lang="en-US" sz="2000" dirty="0" err="1" smtClean="0">
-                <a:ln w="0"/>
-                <a:effectLst>
-                  <a:outerShdw blurRad="38100" dist="19050" dir="2700000" algn="tl" rotWithShape="0">
-                    <a:schemeClr val="dk1">
-                      <a:alpha val="40000"/>
-                    </a:schemeClr>
-                  </a:outerShdw>
-                </a:effectLst>
-              </a:rPr>
-              <a:t>aan</a:t>
-            </a:r>
-            <a:r>
-              <a:rPr lang="en-US" sz="2000" dirty="0" smtClean="0">
-                <a:ln w="0"/>
-                <a:effectLst>
-                  <a:outerShdw blurRad="38100" dist="19050" dir="2700000" algn="tl" rotWithShape="0">
-                    <a:schemeClr val="dk1">
-                      <a:alpha val="40000"/>
-                    </a:schemeClr>
-                  </a:outerShdw>
-                </a:effectLst>
-              </a:rPr>
-              <a:t> </a:t>
-            </a:r>
-            <a:r>
-              <a:rPr lang="en-US" sz="2000" dirty="0" err="1" smtClean="0">
-                <a:ln w="0"/>
-                <a:effectLst>
-                  <a:outerShdw blurRad="38100" dist="19050" dir="2700000" algn="tl" rotWithShape="0">
-                    <a:schemeClr val="dk1">
-                      <a:alpha val="40000"/>
-                    </a:schemeClr>
-                  </a:outerShdw>
-                </a:effectLst>
-              </a:rPr>
-              <a:t>klant</a:t>
-            </a:r>
-            <a:endParaRPr lang="en-US" sz="2000" dirty="0" smtClean="0">
-              <a:ln w="0"/>
-              <a:effectLst>
-                <a:outerShdw blurRad="38100" dist="19050" dir="2700000" algn="tl" rotWithShape="0">
-                  <a:schemeClr val="dk1">
-                    <a:alpha val="40000"/>
-                  </a:schemeClr>
-                </a:outerShdw>
-              </a:effectLst>
-            </a:endParaRPr>
-          </a:p>
-          <a:p>
-            <a:pPr marL="685800" indent="-685800">
-              <a:buFontTx/>
-              <a:buChar char="-"/>
-            </a:pPr>
-            <a:r>
-              <a:rPr lang="en-US" sz="2000" dirty="0" err="1" smtClean="0">
-                <a:ln w="0"/>
-                <a:effectLst>
-                  <a:outerShdw blurRad="38100" dist="19050" dir="2700000" algn="tl" rotWithShape="0">
-                    <a:schemeClr val="dk1">
-                      <a:alpha val="40000"/>
-                    </a:schemeClr>
-                  </a:outerShdw>
-                </a:effectLst>
-              </a:rPr>
-              <a:t>Codestandaard</a:t>
-            </a:r>
-            <a:r>
-              <a:rPr lang="en-US" sz="2000" dirty="0" smtClean="0">
-                <a:ln w="0"/>
-                <a:effectLst>
-                  <a:outerShdw blurRad="38100" dist="19050" dir="2700000" algn="tl" rotWithShape="0">
-                    <a:schemeClr val="dk1">
-                      <a:alpha val="40000"/>
-                    </a:schemeClr>
-                  </a:outerShdw>
-                </a:effectLst>
-              </a:rPr>
-              <a:t> </a:t>
-            </a:r>
-            <a:r>
-              <a:rPr lang="en-US" sz="2000" dirty="0" err="1" smtClean="0">
-                <a:ln w="0"/>
-                <a:effectLst>
-                  <a:outerShdw blurRad="38100" dist="19050" dir="2700000" algn="tl" rotWithShape="0">
-                    <a:schemeClr val="dk1">
-                      <a:alpha val="40000"/>
-                    </a:schemeClr>
-                  </a:outerShdw>
-                </a:effectLst>
-              </a:rPr>
-              <a:t>aanhouden</a:t>
-            </a:r>
-            <a:endParaRPr lang="en-US" sz="2000" b="0" cap="none" spc="0" dirty="0">
-              <a:ln w="0"/>
-              <a:solidFill>
-                <a:schemeClr val="tx1"/>
-              </a:solidFill>
-              <a:effectLst>
-                <a:outerShdw blurRad="38100" dist="19050" dir="2700000" algn="tl" rotWithShape="0">
-                  <a:schemeClr val="dk1">
-                    <a:alpha val="40000"/>
-                  </a:schemeClr>
-                </a:outerShdw>
-              </a:effectLst>
-            </a:endParaRPr>
-          </a:p>
-        </p:txBody>
-      </p:sp>
-      <p:sp>
-        <p:nvSpPr>
           <p:cNvPr id="9" name="Rectangle 8"/>
           <p:cNvSpPr/>
           <p:nvPr/>
@@ -9924,7 +7205,7 @@
                   </a:outerShdw>
                 </a:effectLst>
               </a:rPr>
-              <a:t>5</a:t>
+              <a:t>6</a:t>
             </a:r>
             <a:endParaRPr lang="en-US" b="0" cap="none" spc="0" dirty="0">
               <a:ln w="0"/>
@@ -9942,23 +7223,75 @@
           </a:p>
         </p:txBody>
       </p:sp>
+      <p:sp>
+        <p:nvSpPr>
+          <p:cNvPr id="11" name="TextBox 10"/>
+          <p:cNvSpPr txBox="1"/>
+          <p:nvPr/>
+        </p:nvSpPr>
+        <p:spPr>
+          <a:xfrm>
+            <a:off x="4762499" y="1741998"/>
+            <a:ext cx="2493819" cy="523220"/>
+          </a:xfrm>
+          <a:prstGeom prst="rect">
+            <a:avLst/>
+          </a:prstGeom>
+          <a:noFill/>
+        </p:spPr>
+        <p:txBody>
+          <a:bodyPr wrap="square" rtlCol="0">
+            <a:spAutoFit/>
+          </a:bodyPr>
+          <a:lstStyle/>
+          <a:p>
+            <a:r>
+              <a:rPr lang="nl-NL" sz="2800" dirty="0" smtClean="0"/>
+              <a:t>Resultaten</a:t>
+            </a:r>
+            <a:endParaRPr lang="nl-NL" sz="2800" dirty="0"/>
+          </a:p>
+        </p:txBody>
+      </p:sp>
+      <p:sp>
+        <p:nvSpPr>
+          <p:cNvPr id="12" name="TextBox 11"/>
+          <p:cNvSpPr txBox="1"/>
+          <p:nvPr/>
+        </p:nvSpPr>
+        <p:spPr>
+          <a:xfrm>
+            <a:off x="3891395" y="2207261"/>
+            <a:ext cx="3532908" cy="646331"/>
+          </a:xfrm>
+          <a:prstGeom prst="rect">
+            <a:avLst/>
+          </a:prstGeom>
+          <a:noFill/>
+        </p:spPr>
+        <p:txBody>
+          <a:bodyPr wrap="square" rtlCol="0">
+            <a:spAutoFit/>
+          </a:bodyPr>
+          <a:lstStyle/>
+          <a:p>
+            <a:r>
+              <a:rPr lang="nl-NL" dirty="0" smtClean="0"/>
+              <a:t>Resultaten van het testen van de Procedure.</a:t>
+            </a:r>
+          </a:p>
+        </p:txBody>
+      </p:sp>
     </p:spTree>
     <p:extLst>
       <p:ext uri="{BB962C8B-B14F-4D97-AF65-F5344CB8AC3E}">
-        <p14:creationId xmlns:p14="http://schemas.microsoft.com/office/powerpoint/2010/main" val="956353108"/>
+        <p14:creationId xmlns:p14="http://schemas.microsoft.com/office/powerpoint/2010/main" val="2578676876"/>
       </p:ext>
     </p:extLst>
   </p:cSld>
   <p:clrMapOvr>
     <a:masterClrMapping/>
   </p:clrMapOvr>
-  <p:timing>
-    <p:tnLst>
-      <p:par>
-        <p:cTn id="1" dur="indefinite" restart="never" nodeType="tmRoot"/>
-      </p:par>
-    </p:tnLst>
-  </p:timing>
 </p:sld>
 </file>
 
@@ -10031,7 +7364,7 @@
         </p:blipFill>
         <p:spPr>
           <a:xfrm flipH="1">
-            <a:off x="2275610" y="5231159"/>
+            <a:off x="4665519" y="3288059"/>
             <a:ext cx="1946702" cy="1522930"/>
           </a:xfrm>
           <a:prstGeom prst="rect">
@@ -10180,7 +7513,7 @@
                   </a:outerShdw>
                 </a:effectLst>
               </a:rPr>
-              <a:t>AM4A</a:t>
+              <a:t>AM4B</a:t>
             </a:r>
             <a:endParaRPr lang="en-US" b="0" cap="none" spc="0" dirty="0">
               <a:ln w="0"/>
@@ -10200,27 +7533,62 @@
       </p:sp>
       <p:sp>
         <p:nvSpPr>
-          <p:cNvPr id="8" name="Oval Callout 7"/>
+          <p:cNvPr id="11" name="Rectangle 10"/>
           <p:cNvSpPr/>
           <p:nvPr/>
         </p:nvSpPr>
         <p:spPr>
           <a:xfrm>
-            <a:off x="3117273" y="1191160"/>
-            <a:ext cx="5340926" cy="2848840"/>
-          </a:xfrm>
-          <a:prstGeom prst="wedgeEllipseCallout">
-            <a:avLst>
-              <a:gd name="adj1" fmla="val -39522"/>
-              <a:gd name="adj2" fmla="val 87621"/>
-            </a:avLst>
+            <a:off x="4108515" y="1840584"/>
+            <a:ext cx="3060710" cy="1015663"/>
+          </a:xfrm>
+          <a:prstGeom prst="rect">
+            <a:avLst/>
           </a:prstGeom>
-          <a:solidFill>
-            <a:schemeClr val="accent1">
-              <a:lumMod val="40000"/>
-              <a:lumOff val="60000"/>
-            </a:schemeClr>
-          </a:solidFill>
+          <a:noFill/>
+        </p:spPr>
+        <p:txBody>
+          <a:bodyPr wrap="none" lIns="91440" tIns="45720" rIns="91440" bIns="45720">
+            <a:spAutoFit/>
+          </a:bodyPr>
+          <a:lstStyle/>
+          <a:p>
+            <a:pPr algn="ctr"/>
+            <a:r>
+              <a:rPr lang="en-US" sz="6000" b="0" cap="none" spc="0" dirty="0" smtClean="0">
+                <a:ln w="0"/>
+                <a:solidFill>
+                  <a:schemeClr val="accent1">
+                    <a:lumMod val="75000"/>
+                  </a:schemeClr>
+                </a:solidFill>
+                <a:effectLst>
+                  <a:outerShdw blurRad="38100" dist="25400" dir="5400000" algn="ctr" rotWithShape="0">
+                    <a:srgbClr val="6E747A">
+                      <a:alpha val="43000"/>
+                    </a:srgbClr>
+                  </a:outerShdw>
+                </a:effectLst>
+              </a:rPr>
+              <a:t>Oil’s Well</a:t>
+            </a:r>
+          </a:p>
+        </p:txBody>
+      </p:sp>
+      <p:sp>
+        <p:nvSpPr>
+          <p:cNvPr id="8" name="Rectangle 7"/>
+          <p:cNvSpPr/>
+          <p:nvPr/>
+        </p:nvSpPr>
+        <p:spPr>
+          <a:xfrm>
+            <a:off x="11700164" y="6483924"/>
+            <a:ext cx="394854" cy="301336"/>
+          </a:xfrm>
+          <a:prstGeom prst="rect">
+            <a:avLst/>
+          </a:prstGeom>
         </p:spPr>
         <p:style>
           <a:lnRef idx="2">
@@ -10255,8 +7623,8 @@
         </p:nvSpPr>
         <p:spPr>
           <a:xfrm>
-            <a:off x="4647438" y="1403708"/>
-            <a:ext cx="1979261" cy="584775"/>
+            <a:off x="11746747" y="6449926"/>
+            <a:ext cx="301686" cy="369332"/>
           </a:xfrm>
           <a:prstGeom prst="rect">
             <a:avLst/>
@@ -10271,115 +7639,7 @@
           <a:p>
             <a:pPr algn="ctr"/>
             <a:r>
-              <a:rPr lang="en-US" sz="3200" b="0" cap="none" spc="0" dirty="0" smtClean="0">
-                <a:ln w="0"/>
-                <a:solidFill>
-                  <a:schemeClr val="tx1"/>
-                </a:solidFill>
-                <a:effectLst>
-                  <a:outerShdw blurRad="38100" dist="19050" dir="2700000" algn="tl" rotWithShape="0">
-                    <a:schemeClr val="dk1">
-                      <a:alpha val="40000"/>
-                    </a:schemeClr>
-                  </a:outerShdw>
-                </a:effectLst>
-              </a:rPr>
-              <a:t>Het </a:t>
-            </a:r>
-            <a:r>
-              <a:rPr lang="en-US" sz="3200" b="0" cap="none" spc="0" dirty="0" err="1" smtClean="0">
-                <a:ln w="0"/>
-                <a:solidFill>
-                  <a:schemeClr val="tx1"/>
-                </a:solidFill>
-                <a:effectLst>
-                  <a:outerShdw blurRad="38100" dist="19050" dir="2700000" algn="tl" rotWithShape="0">
-                    <a:schemeClr val="dk1">
-                      <a:alpha val="40000"/>
-                    </a:schemeClr>
-                  </a:outerShdw>
-                </a:effectLst>
-              </a:rPr>
-              <a:t>proces</a:t>
-            </a:r>
-            <a:endParaRPr lang="en-US" sz="3200" b="0" cap="none" spc="0" dirty="0">
-              <a:ln w="0"/>
-              <a:solidFill>
-                <a:schemeClr val="tx1"/>
-              </a:solidFill>
-              <a:effectLst>
-                <a:outerShdw blurRad="38100" dist="19050" dir="2700000" algn="tl" rotWithShape="0">
-                  <a:schemeClr val="dk1">
-                    <a:alpha val="40000"/>
-                  </a:schemeClr>
-                </a:outerShdw>
-              </a:effectLst>
-            </a:endParaRPr>
-          </a:p>
-        </p:txBody>
-      </p:sp>
-      <p:sp>
-        <p:nvSpPr>
-          <p:cNvPr id="10" name="Rectangle 9"/>
-          <p:cNvSpPr/>
-          <p:nvPr/>
-        </p:nvSpPr>
-        <p:spPr>
-          <a:xfrm>
-            <a:off x="4339910" y="2000027"/>
-            <a:ext cx="2130711" cy="1231106"/>
-          </a:xfrm>
-          <a:prstGeom prst="rect">
-            <a:avLst/>
-          </a:prstGeom>
-          <a:noFill/>
-        </p:spPr>
-        <p:txBody>
-          <a:bodyPr wrap="none" lIns="91440" tIns="45720" rIns="91440" bIns="45720">
-            <a:spAutoFit/>
-          </a:bodyPr>
-          <a:lstStyle/>
-          <a:p>
-            <a:r>
-              <a:rPr lang="en-US" sz="2000" b="0" cap="none" spc="0" dirty="0" err="1" smtClean="0">
-                <a:ln w="0"/>
-                <a:solidFill>
-                  <a:schemeClr val="tx1"/>
-                </a:solidFill>
-                <a:effectLst>
-                  <a:outerShdw blurRad="38100" dist="19050" dir="2700000" algn="tl" rotWithShape="0">
-                    <a:schemeClr val="dk1">
-                      <a:alpha val="40000"/>
-                    </a:schemeClr>
-                  </a:outerShdw>
-                </a:effectLst>
-              </a:rPr>
-              <a:t>Globale</a:t>
-            </a:r>
-            <a:r>
-              <a:rPr lang="en-US" sz="2000" b="0" cap="none" spc="0" dirty="0" smtClean="0">
-                <a:ln w="0"/>
-                <a:solidFill>
-                  <a:schemeClr val="tx1"/>
-                </a:solidFill>
-                <a:effectLst>
-                  <a:outerShdw blurRad="38100" dist="19050" dir="2700000" algn="tl" rotWithShape="0">
-                    <a:schemeClr val="dk1">
-                      <a:alpha val="40000"/>
-                    </a:schemeClr>
-                  </a:outerShdw>
-                </a:effectLst>
-              </a:rPr>
-              <a:t> planning:</a:t>
-            </a:r>
-          </a:p>
-          <a:p>
-            <a:pPr marL="685800" indent="-685800">
-              <a:buFontTx/>
-              <a:buChar char="-"/>
-            </a:pPr>
-            <a:r>
-              <a:rPr lang="en-US" dirty="0" err="1" smtClean="0">
+              <a:rPr lang="en-US" dirty="0">
                 <a:ln w="0"/>
                 <a:effectLst>
                   <a:outerShdw blurRad="38100" dist="19050" dir="2700000" algn="tl" rotWithShape="0">
@@ -10389,103 +7649,7 @@
                   </a:outerShdw>
                 </a:effectLst>
               </a:rPr>
-              <a:t>Schermen</a:t>
-            </a:r>
-            <a:endParaRPr lang="en-US" dirty="0" smtClean="0">
-              <a:ln w="0"/>
-              <a:effectLst>
-                <a:outerShdw blurRad="38100" dist="19050" dir="2700000" algn="tl" rotWithShape="0">
-                  <a:schemeClr val="dk1">
-                    <a:alpha val="40000"/>
-                  </a:schemeClr>
-                </a:outerShdw>
-              </a:effectLst>
-            </a:endParaRPr>
-          </a:p>
-          <a:p>
-            <a:pPr marL="685800" indent="-685800">
-              <a:buFontTx/>
-              <a:buChar char="-"/>
-            </a:pPr>
-            <a:r>
-              <a:rPr lang="en-US" b="0" cap="none" spc="0" dirty="0" err="1" smtClean="0">
-                <a:ln w="0"/>
-                <a:solidFill>
-                  <a:schemeClr val="tx1"/>
-                </a:solidFill>
-                <a:effectLst>
-                  <a:outerShdw blurRad="38100" dist="19050" dir="2700000" algn="tl" rotWithShape="0">
-                    <a:schemeClr val="dk1">
-                      <a:alpha val="40000"/>
-                    </a:schemeClr>
-                  </a:outerShdw>
-                </a:effectLst>
-              </a:rPr>
-              <a:t>Speel</a:t>
-            </a:r>
-            <a:r>
-              <a:rPr lang="en-US" b="0" cap="none" spc="0" dirty="0" smtClean="0">
-                <a:ln w="0"/>
-                <a:solidFill>
-                  <a:schemeClr val="tx1"/>
-                </a:solidFill>
-                <a:effectLst>
-                  <a:outerShdw blurRad="38100" dist="19050" dir="2700000" algn="tl" rotWithShape="0">
-                    <a:schemeClr val="dk1">
-                      <a:alpha val="40000"/>
-                    </a:schemeClr>
-                  </a:outerShdw>
-                </a:effectLst>
-              </a:rPr>
-              <a:t> </a:t>
-            </a:r>
-            <a:r>
-              <a:rPr lang="en-US" b="0" cap="none" spc="0" dirty="0" err="1" smtClean="0">
-                <a:ln w="0"/>
-                <a:solidFill>
-                  <a:schemeClr val="tx1"/>
-                </a:solidFill>
-                <a:effectLst>
-                  <a:outerShdw blurRad="38100" dist="19050" dir="2700000" algn="tl" rotWithShape="0">
-                    <a:schemeClr val="dk1">
-                      <a:alpha val="40000"/>
-                    </a:schemeClr>
-                  </a:outerShdw>
-                </a:effectLst>
-              </a:rPr>
-              <a:t>scherm</a:t>
-            </a:r>
-            <a:endParaRPr lang="en-US" b="0" cap="none" spc="0" dirty="0" smtClean="0">
-              <a:ln w="0"/>
-              <a:solidFill>
-                <a:schemeClr val="tx1"/>
-              </a:solidFill>
-              <a:effectLst>
-                <a:outerShdw blurRad="38100" dist="19050" dir="2700000" algn="tl" rotWithShape="0">
-                  <a:schemeClr val="dk1">
-                    <a:alpha val="40000"/>
-                  </a:schemeClr>
-                </a:outerShdw>
-              </a:effectLst>
-            </a:endParaRPr>
-          </a:p>
-          <a:p>
-            <a:pPr marL="685800" indent="-685800">
-              <a:buFontTx/>
-              <a:buChar char="-"/>
-            </a:pPr>
-            <a:r>
-              <a:rPr lang="en-US" dirty="0" err="1" smtClean="0">
-                <a:ln w="0"/>
-                <a:effectLst>
-                  <a:outerShdw blurRad="38100" dist="19050" dir="2700000" algn="tl" rotWithShape="0">
-                    <a:schemeClr val="dk1">
-                      <a:alpha val="40000"/>
-                    </a:schemeClr>
-                  </a:outerShdw>
-                </a:effectLst>
-              </a:rPr>
-              <a:t>Highscores</a:t>
+              <a:t>7</a:t>
             </a:r>
             <a:endParaRPr lang="en-US" b="0" cap="none" spc="0" dirty="0">
               <a:ln w="0"/>
@@ -10503,859 +7667,10 @@
           </a:p>
         </p:txBody>
       </p:sp>
-      <p:sp>
-        <p:nvSpPr>
-          <p:cNvPr id="11" name="Rectangle 10"/>
-          <p:cNvSpPr/>
-          <p:nvPr/>
-        </p:nvSpPr>
-        <p:spPr>
-          <a:xfrm>
-            <a:off x="11700164" y="6483924"/>
-            <a:ext cx="394854" cy="301336"/>
-          </a:xfrm>
-          <a:prstGeom prst="rect">
-            <a:avLst/>
-          </a:prstGeom>
-        </p:spPr>
-        <p:style>
-          <a:lnRef idx="2">
-            <a:schemeClr val="accent1">
-              <a:shade val="50000"/>
-            </a:schemeClr>
-          </a:lnRef>
-          <a:fillRef idx="1">
-            <a:schemeClr val="accent1"/>
-          </a:fillRef>
-          <a:effectRef idx="0">
-            <a:schemeClr val="accent1"/>
-          </a:effectRef>
-          <a:fontRef idx="minor">
-            <a:schemeClr val="lt1"/>
-          </a:fontRef>
-        </p:style>
-        <p:txBody>
-          <a:bodyPr rtlCol="0" anchor="ctr"/>
-          <a:lstStyle/>
-          <a:p>
-            <a:pPr algn="ctr"/>
-            <a:endParaRPr lang="nl-NL"/>
-          </a:p>
-        </p:txBody>
-      </p:sp>
-      <p:sp>
-        <p:nvSpPr>
-          <p:cNvPr id="12" name="Rectangle 11"/>
-          <p:cNvSpPr/>
-          <p:nvPr/>
-        </p:nvSpPr>
-        <p:spPr>
-          <a:xfrm>
-            <a:off x="11746748" y="6449926"/>
-            <a:ext cx="301686" cy="369332"/>
-          </a:xfrm>
-          <a:prstGeom prst="rect">
-            <a:avLst/>
-          </a:prstGeom>
-          <a:noFill/>
-        </p:spPr>
-        <p:txBody>
-          <a:bodyPr wrap="none" lIns="91440" tIns="45720" rIns="91440" bIns="45720">
-            <a:spAutoFit/>
-          </a:bodyPr>
-          <a:lstStyle/>
-          <a:p>
-            <a:pPr algn="ctr"/>
-            <a:r>
-              <a:rPr lang="en-US" b="0" cap="none" spc="0" dirty="0" smtClean="0">
-                <a:ln w="0"/>
-                <a:solidFill>
-                  <a:schemeClr val="tx1"/>
-                </a:solidFill>
-                <a:effectLst>
-                  <a:outerShdw blurRad="38100" dist="19050" dir="2700000" algn="tl" rotWithShape="0">
-                    <a:schemeClr val="dk1">
-                      <a:alpha val="40000"/>
-                    </a:schemeClr>
-                  </a:outerShdw>
-                </a:effectLst>
-              </a:rPr>
-              <a:t>6</a:t>
-            </a:r>
-            <a:endParaRPr lang="en-US" b="0" cap="none" spc="0" dirty="0">
-              <a:ln w="0"/>
-              <a:solidFill>
-                <a:schemeClr val="tx1"/>
-              </a:solidFill>
-              <a:effectLst>
-                <a:outerShdw blurRad="38100" dist="19050" dir="2700000" algn="tl" rotWithShape="0">
-                  <a:schemeClr val="dk1">
-                    <a:alpha val="40000"/>
-                  </a:schemeClr>
-                </a:outerShdw>
-              </a:effectLst>
-            </a:endParaRPr>
-          </a:p>
-        </p:txBody>
-      </p:sp>
     </p:spTree>
     <p:extLst>
       <p:ext uri="{BB962C8B-B14F-4D97-AF65-F5344CB8AC3E}">
-        <p14:creationId xmlns:p14="http://schemas.microsoft.com/office/powerpoint/2010/main" val="3479007134"/>
-      </p:ext>
-    </p:extLst>
-  </p:cSld>
-  <p:clrMapOvr>
-    <a:masterClrMapping/>
-  </p:clrMapOvr>
-  <p:timing>
-    <p:tnLst>
-      <p:par>
-        <p:cTn id="1" dur="indefinite" restart="never" nodeType="tmRoot"/>
-      </p:par>
-    </p:tnLst>
-  </p:timing>
-</p:sld>
-</file>
-
-<file path=ppt/slides/slide9.xml><?xml version="1.0" encoding="utf-8"?>
-<p:sld xmlns:a="http://schemas.openxmlformats.org/drawingml/2006/main" xmlns:r="http://schemas.openxmlformats.org/officeDocument/2006/relationships" xmlns:p="http://schemas.openxmlformats.org/presentationml/2006/main">
-  <p:cSld>
-    <p:spTree>
-      <p:nvGrpSpPr>
-        <p:cNvPr id="1" name=""/>
-        <p:cNvGrpSpPr/>
-        <p:nvPr/>
-      </p:nvGrpSpPr>
-      <p:grpSpPr>
-        <a:xfrm>
-          <a:off x="0" y="0"/>
-          <a:ext cx="0" cy="0"/>
-          <a:chOff x="0" y="0"/>
-          <a:chExt cx="0" cy="0"/>
-        </a:xfrm>
-      </p:grpSpPr>
-      <p:pic>
-        <p:nvPicPr>
-          <p:cNvPr id="7" name="Picture 6"/>
-          <p:cNvPicPr>
-            <a:picLocks noChangeAspect="1"/>
-          </p:cNvPicPr>
-          <p:nvPr/>
-        </p:nvPicPr>
-        <p:blipFill>
-          <a:blip r:embed="rId2">
-            <a:extLst>
-              <a:ext uri="{28A0092B-C50C-407E-A947-70E740481C1C}">
-                <a14:useLocalDpi xmlns:a14="http://schemas.microsoft.com/office/drawing/2010/main" val="0"/>
-              </a:ext>
-            </a:extLst>
-          </a:blip>
-          <a:stretch>
-            <a:fillRect/>
-          </a:stretch>
-        </p:blipFill>
-        <p:spPr>
-          <a:xfrm>
-            <a:off x="0" y="0"/>
-            <a:ext cx="12192000" cy="6858000"/>
-          </a:xfrm>
-          <a:prstGeom prst="rect">
-            <a:avLst/>
-          </a:prstGeom>
-        </p:spPr>
-      </p:pic>
-      <p:pic>
-        <p:nvPicPr>
-          <p:cNvPr id="6" name="Picture 5"/>
-          <p:cNvPicPr>
-            <a:picLocks noChangeAspect="1"/>
-          </p:cNvPicPr>
-          <p:nvPr/>
-        </p:nvPicPr>
-        <p:blipFill>
-          <a:blip r:embed="rId3">
-            <a:extLst>
-              <a:ext uri="{28A0092B-C50C-407E-A947-70E740481C1C}">
-                <a14:useLocalDpi xmlns:a14="http://schemas.microsoft.com/office/drawing/2010/main" val="0"/>
-              </a:ext>
-            </a:extLst>
-          </a:blip>
-          <a:stretch>
-            <a:fillRect/>
-          </a:stretch>
-        </p:blipFill>
-        <p:spPr>
-          <a:xfrm flipH="1">
-            <a:off x="2275610" y="5231159"/>
-            <a:ext cx="1946702" cy="1522930"/>
-          </a:xfrm>
-          <a:prstGeom prst="rect">
-            <a:avLst/>
-          </a:prstGeom>
-        </p:spPr>
-      </p:pic>
-      <p:sp>
-        <p:nvSpPr>
-          <p:cNvPr id="2" name="Cloud 1"/>
-          <p:cNvSpPr/>
-          <p:nvPr/>
-        </p:nvSpPr>
-        <p:spPr>
-          <a:xfrm>
-            <a:off x="176645" y="114301"/>
-            <a:ext cx="1932709" cy="914400"/>
-          </a:xfrm>
-          <a:prstGeom prst="cloud">
-            <a:avLst/>
-          </a:prstGeom>
-          <a:solidFill>
-            <a:srgbClr val="A9CBE9"/>
-          </a:solidFill>
-        </p:spPr>
-        <p:style>
-          <a:lnRef idx="2">
-            <a:schemeClr val="accent1">
-              <a:shade val="50000"/>
-            </a:schemeClr>
-          </a:lnRef>
-          <a:fillRef idx="1">
-            <a:schemeClr val="accent1"/>
-          </a:fillRef>
-          <a:effectRef idx="0">
-            <a:schemeClr val="accent1"/>
-          </a:effectRef>
-          <a:fontRef idx="minor">
-            <a:schemeClr val="lt1"/>
-          </a:fontRef>
-        </p:style>
-        <p:txBody>
-          <a:bodyPr rtlCol="0" anchor="ctr"/>
-          <a:lstStyle/>
-          <a:p>
-            <a:pPr algn="ctr"/>
-            <a:endParaRPr lang="nl-NL"/>
-          </a:p>
-        </p:txBody>
-      </p:sp>
-      <p:sp>
-        <p:nvSpPr>
-          <p:cNvPr id="4" name="Rectangle 3"/>
-          <p:cNvSpPr/>
-          <p:nvPr/>
-        </p:nvSpPr>
-        <p:spPr>
-          <a:xfrm>
-            <a:off x="276971" y="263920"/>
-            <a:ext cx="1794402" cy="646331"/>
-          </a:xfrm>
-          <a:prstGeom prst="rect">
-            <a:avLst/>
-          </a:prstGeom>
-          <a:noFill/>
-        </p:spPr>
-        <p:txBody>
-          <a:bodyPr wrap="none" lIns="91440" tIns="45720" rIns="91440" bIns="45720">
-            <a:spAutoFit/>
-          </a:bodyPr>
-          <a:lstStyle/>
-          <a:p>
-            <a:pPr algn="ctr"/>
-            <a:r>
-              <a:rPr lang="en-US" b="0" cap="none" spc="0" dirty="0" err="1" smtClean="0">
-                <a:ln w="0"/>
-                <a:solidFill>
-                  <a:schemeClr val="tx1"/>
-                </a:solidFill>
-                <a:effectLst>
-                  <a:outerShdw blurRad="38100" dist="19050" dir="2700000" algn="tl" rotWithShape="0">
-                    <a:schemeClr val="dk1">
-                      <a:alpha val="40000"/>
-                    </a:schemeClr>
-                  </a:outerShdw>
-                </a:effectLst>
-              </a:rPr>
-              <a:t>Gerben</a:t>
-            </a:r>
-            <a:r>
-              <a:rPr lang="en-US" b="0" cap="none" spc="0" dirty="0" smtClean="0">
-                <a:ln w="0"/>
-                <a:solidFill>
-                  <a:schemeClr val="tx1"/>
-                </a:solidFill>
-                <a:effectLst>
-                  <a:outerShdw blurRad="38100" dist="19050" dir="2700000" algn="tl" rotWithShape="0">
-                    <a:schemeClr val="dk1">
-                      <a:alpha val="40000"/>
-                    </a:schemeClr>
-                  </a:outerShdw>
-                </a:effectLst>
-              </a:rPr>
-              <a:t> </a:t>
-            </a:r>
-            <a:r>
-              <a:rPr lang="en-US" b="0" cap="none" spc="0" dirty="0" err="1" smtClean="0">
-                <a:ln w="0"/>
-                <a:solidFill>
-                  <a:schemeClr val="tx1"/>
-                </a:solidFill>
-                <a:effectLst>
-                  <a:outerShdw blurRad="38100" dist="19050" dir="2700000" algn="tl" rotWithShape="0">
-                    <a:schemeClr val="dk1">
-                      <a:alpha val="40000"/>
-                    </a:schemeClr>
-                  </a:outerShdw>
-                </a:effectLst>
-              </a:rPr>
-              <a:t>Tesselaar</a:t>
-            </a:r>
-            <a:endParaRPr lang="en-US" b="0" cap="none" spc="0" dirty="0" smtClean="0">
-              <a:ln w="0"/>
-              <a:solidFill>
-                <a:schemeClr val="tx1"/>
-              </a:solidFill>
-              <a:effectLst>
-                <a:outerShdw blurRad="38100" dist="19050" dir="2700000" algn="tl" rotWithShape="0">
-                  <a:schemeClr val="dk1">
-                    <a:alpha val="40000"/>
-                  </a:schemeClr>
-                </a:outerShdw>
-              </a:effectLst>
-            </a:endParaRPr>
-          </a:p>
-          <a:p>
-            <a:pPr algn="ctr"/>
-            <a:r>
-              <a:rPr lang="en-US" dirty="0" smtClean="0">
-                <a:ln w="0"/>
-                <a:effectLst>
-                  <a:outerShdw blurRad="38100" dist="19050" dir="2700000" algn="tl" rotWithShape="0">
-                    <a:schemeClr val="dk1">
-                      <a:alpha val="40000"/>
-                    </a:schemeClr>
-                  </a:outerShdw>
-                </a:effectLst>
-              </a:rPr>
-              <a:t>AM4A</a:t>
-            </a:r>
-            <a:endParaRPr lang="en-US" b="0" cap="none" spc="0" dirty="0">
-              <a:ln w="0"/>
-              <a:solidFill>
-                <a:schemeClr val="tx1"/>
-              </a:solidFill>
-              <a:effectLst>
-                <a:outerShdw blurRad="38100" dist="19050" dir="2700000" algn="tl" rotWithShape="0">
-                  <a:schemeClr val="dk1">
-                    <a:alpha val="40000"/>
-                  </a:schemeClr>
-                </a:outerShdw>
-              </a:effectLst>
-            </a:endParaRPr>
-          </a:p>
-        </p:txBody>
-      </p:sp>
-      <p:sp>
-        <p:nvSpPr>
-          <p:cNvPr id="8" name="Oval Callout 7"/>
-          <p:cNvSpPr/>
-          <p:nvPr/>
-        </p:nvSpPr>
-        <p:spPr>
-          <a:xfrm>
-            <a:off x="2410691" y="1028701"/>
-            <a:ext cx="7949046" cy="3065316"/>
-          </a:xfrm>
-          <a:prstGeom prst="wedgeEllipseCallout">
-            <a:avLst>
-              <a:gd name="adj1" fmla="val -33713"/>
-              <a:gd name="adj2" fmla="val 80350"/>
-            </a:avLst>
-          </a:prstGeom>
-          <a:solidFill>
-            <a:schemeClr val="accent1">
-              <a:lumMod val="40000"/>
-              <a:lumOff val="60000"/>
-            </a:schemeClr>
-          </a:solidFill>
-        </p:spPr>
-        <p:style>
-          <a:lnRef idx="2">
-            <a:schemeClr val="accent1">
-              <a:shade val="50000"/>
-            </a:schemeClr>
-          </a:lnRef>
-          <a:fillRef idx="1">
-            <a:schemeClr val="accent1"/>
-          </a:fillRef>
-          <a:effectRef idx="0">
-            <a:schemeClr val="accent1"/>
-          </a:effectRef>
-          <a:fontRef idx="minor">
-            <a:schemeClr val="lt1"/>
-          </a:fontRef>
-        </p:style>
-        <p:txBody>
-          <a:bodyPr rtlCol="0" anchor="ctr"/>
-          <a:lstStyle/>
-          <a:p>
-            <a:pPr algn="ctr"/>
-            <a:endParaRPr lang="nl-NL"/>
-          </a:p>
-        </p:txBody>
-      </p:sp>
-      <p:sp>
-        <p:nvSpPr>
-          <p:cNvPr id="9" name="Rectangle 8"/>
-          <p:cNvSpPr/>
-          <p:nvPr/>
-        </p:nvSpPr>
-        <p:spPr>
-          <a:xfrm>
-            <a:off x="5284335" y="1255036"/>
-            <a:ext cx="1623330" cy="584775"/>
-          </a:xfrm>
-          <a:prstGeom prst="rect">
-            <a:avLst/>
-          </a:prstGeom>
-          <a:noFill/>
-        </p:spPr>
-        <p:txBody>
-          <a:bodyPr wrap="none" lIns="91440" tIns="45720" rIns="91440" bIns="45720">
-            <a:spAutoFit/>
-          </a:bodyPr>
-          <a:lstStyle/>
-          <a:p>
-            <a:pPr algn="ctr"/>
-            <a:r>
-              <a:rPr lang="en-US" sz="3200" b="0" cap="none" spc="0" dirty="0" err="1" smtClean="0">
-                <a:ln w="0"/>
-                <a:solidFill>
-                  <a:schemeClr val="tx1"/>
-                </a:solidFill>
-                <a:effectLst>
-                  <a:outerShdw blurRad="38100" dist="19050" dir="2700000" algn="tl" rotWithShape="0">
-                    <a:schemeClr val="dk1">
-                      <a:alpha val="40000"/>
-                    </a:schemeClr>
-                  </a:outerShdw>
-                </a:effectLst>
-              </a:rPr>
-              <a:t>Kwaliteit</a:t>
-            </a:r>
-            <a:endParaRPr lang="en-US" sz="3200" b="0" cap="none" spc="0" dirty="0">
-              <a:ln w="0"/>
-              <a:solidFill>
-                <a:schemeClr val="tx1"/>
-              </a:solidFill>
-              <a:effectLst>
-                <a:outerShdw blurRad="38100" dist="19050" dir="2700000" algn="tl" rotWithShape="0">
-                  <a:schemeClr val="dk1">
-                    <a:alpha val="40000"/>
-                  </a:schemeClr>
-                </a:outerShdw>
-              </a:effectLst>
-            </a:endParaRPr>
-          </a:p>
-        </p:txBody>
-      </p:sp>
-      <p:sp>
-        <p:nvSpPr>
-          <p:cNvPr id="10" name="Rectangle 9"/>
-          <p:cNvSpPr/>
-          <p:nvPr/>
-        </p:nvSpPr>
-        <p:spPr>
-          <a:xfrm>
-            <a:off x="2904148" y="1839811"/>
-            <a:ext cx="7328738" cy="1631216"/>
-          </a:xfrm>
-          <a:prstGeom prst="rect">
-            <a:avLst/>
-          </a:prstGeom>
-          <a:noFill/>
-        </p:spPr>
-        <p:txBody>
-          <a:bodyPr wrap="none" lIns="91440" tIns="45720" rIns="91440" bIns="45720">
-            <a:spAutoFit/>
-          </a:bodyPr>
-          <a:lstStyle/>
-          <a:p>
-            <a:pPr marL="285750" indent="-285750">
-              <a:buFontTx/>
-              <a:buChar char="-"/>
-            </a:pPr>
-            <a:r>
-              <a:rPr lang="en-US" sz="2000" b="0" cap="none" spc="0" dirty="0" err="1" smtClean="0">
-                <a:ln w="0"/>
-                <a:solidFill>
-                  <a:schemeClr val="tx1"/>
-                </a:solidFill>
-                <a:effectLst>
-                  <a:outerShdw blurRad="38100" dist="19050" dir="2700000" algn="tl" rotWithShape="0">
-                    <a:schemeClr val="dk1">
-                      <a:alpha val="40000"/>
-                    </a:schemeClr>
-                  </a:outerShdw>
-                </a:effectLst>
-              </a:rPr>
-              <a:t>Documenten</a:t>
-            </a:r>
-            <a:r>
-              <a:rPr lang="en-US" sz="2000" b="0" cap="none" spc="0" dirty="0" smtClean="0">
-                <a:ln w="0"/>
-                <a:solidFill>
-                  <a:schemeClr val="tx1"/>
-                </a:solidFill>
-                <a:effectLst>
-                  <a:outerShdw blurRad="38100" dist="19050" dir="2700000" algn="tl" rotWithShape="0">
-                    <a:schemeClr val="dk1">
-                      <a:alpha val="40000"/>
-                    </a:schemeClr>
-                  </a:outerShdw>
-                </a:effectLst>
-              </a:rPr>
-              <a:t> </a:t>
-            </a:r>
-            <a:r>
-              <a:rPr lang="en-US" sz="2000" b="0" cap="none" spc="0" dirty="0" err="1" smtClean="0">
-                <a:ln w="0"/>
-                <a:solidFill>
-                  <a:schemeClr val="tx1"/>
-                </a:solidFill>
-                <a:effectLst>
-                  <a:outerShdw blurRad="38100" dist="19050" dir="2700000" algn="tl" rotWithShape="0">
-                    <a:schemeClr val="dk1">
-                      <a:alpha val="40000"/>
-                    </a:schemeClr>
-                  </a:outerShdw>
-                </a:effectLst>
-              </a:rPr>
-              <a:t>standaard</a:t>
-            </a:r>
-            <a:r>
-              <a:rPr lang="en-US" sz="2000" b="0" cap="none" spc="0" dirty="0" smtClean="0">
-                <a:ln w="0"/>
-                <a:solidFill>
-                  <a:schemeClr val="tx1"/>
-                </a:solidFill>
-                <a:effectLst>
-                  <a:outerShdw blurRad="38100" dist="19050" dir="2700000" algn="tl" rotWithShape="0">
-                    <a:schemeClr val="dk1">
-                      <a:alpha val="40000"/>
-                    </a:schemeClr>
-                  </a:outerShdw>
-                </a:effectLst>
-              </a:rPr>
-              <a:t>: </a:t>
-            </a:r>
-            <a:r>
-              <a:rPr lang="en-US" sz="2000" b="0" cap="none" spc="0" dirty="0" smtClean="0">
-                <a:ln w="0"/>
-                <a:solidFill>
-                  <a:schemeClr val="tx1"/>
-                </a:solidFill>
-                <a:effectLst>
-                  <a:outerShdw blurRad="38100" dist="19050" dir="2700000" algn="tl" rotWithShape="0">
-                    <a:schemeClr val="dk1">
-                      <a:alpha val="40000"/>
-                    </a:schemeClr>
-                  </a:outerShdw>
-                </a:effectLst>
-              </a:rPr>
-              <a:t>Java TM Programming Language </a:t>
-            </a:r>
-            <a:r>
-              <a:rPr lang="en-US" sz="1200" b="0" cap="none" spc="0" dirty="0" smtClean="0">
-                <a:ln w="0"/>
-                <a:solidFill>
-                  <a:schemeClr val="tx1"/>
-                </a:solidFill>
-                <a:effectLst>
-                  <a:outerShdw blurRad="38100" dist="19050" dir="2700000" algn="tl" rotWithShape="0">
-                    <a:schemeClr val="dk1">
-                      <a:alpha val="40000"/>
-                    </a:schemeClr>
-                  </a:outerShdw>
-                </a:effectLst>
-              </a:rPr>
-              <a:t>April 20, 1999</a:t>
-            </a:r>
-            <a:endParaRPr lang="en-US" sz="1200" dirty="0" smtClean="0">
-              <a:ln w="0"/>
-              <a:effectLst>
-                <a:outerShdw blurRad="38100" dist="19050" dir="2700000" algn="tl" rotWithShape="0">
-                  <a:schemeClr val="dk1">
-                    <a:alpha val="40000"/>
-                  </a:schemeClr>
-                </a:outerShdw>
-              </a:effectLst>
-            </a:endParaRPr>
-          </a:p>
-          <a:p>
-            <a:pPr marL="285750" indent="-285750">
-              <a:buFontTx/>
-              <a:buChar char="-"/>
-            </a:pPr>
-            <a:r>
-              <a:rPr lang="en-US" sz="2000" b="0" cap="none" spc="0" dirty="0" err="1" smtClean="0">
-                <a:ln w="0"/>
-                <a:solidFill>
-                  <a:schemeClr val="tx1"/>
-                </a:solidFill>
-                <a:effectLst>
-                  <a:outerShdw blurRad="38100" dist="19050" dir="2700000" algn="tl" rotWithShape="0">
-                    <a:schemeClr val="dk1">
-                      <a:alpha val="40000"/>
-                    </a:schemeClr>
-                  </a:outerShdw>
-                </a:effectLst>
-              </a:rPr>
-              <a:t>Versiebeheer</a:t>
-            </a:r>
-            <a:endParaRPr lang="en-US" sz="2000" dirty="0">
-              <a:ln w="0"/>
-              <a:effectLst>
-                <a:outerShdw blurRad="38100" dist="19050" dir="2700000" algn="tl" rotWithShape="0">
-                  <a:schemeClr val="dk1">
-                    <a:alpha val="40000"/>
-                  </a:schemeClr>
-                </a:outerShdw>
-              </a:effectLst>
-            </a:endParaRPr>
-          </a:p>
-          <a:p>
-            <a:pPr marL="285750" indent="-285750">
-              <a:buFontTx/>
-              <a:buChar char="-"/>
-            </a:pPr>
-            <a:r>
-              <a:rPr lang="en-US" sz="2000" dirty="0" err="1" smtClean="0">
-                <a:ln w="0"/>
-                <a:effectLst>
-                  <a:outerShdw blurRad="38100" dist="19050" dir="2700000" algn="tl" rotWithShape="0">
-                    <a:schemeClr val="dk1">
-                      <a:alpha val="40000"/>
-                    </a:schemeClr>
-                  </a:outerShdw>
-                </a:effectLst>
-              </a:rPr>
-              <a:t>Klant</a:t>
-            </a:r>
-            <a:r>
-              <a:rPr lang="en-US" sz="2000" dirty="0" smtClean="0">
-                <a:ln w="0"/>
-                <a:effectLst>
-                  <a:outerShdw blurRad="38100" dist="19050" dir="2700000" algn="tl" rotWithShape="0">
-                    <a:schemeClr val="dk1">
-                      <a:alpha val="40000"/>
-                    </a:schemeClr>
-                  </a:outerShdw>
-                </a:effectLst>
-              </a:rPr>
-              <a:t> </a:t>
-            </a:r>
-            <a:r>
-              <a:rPr lang="en-US" sz="2000" dirty="0" err="1" smtClean="0">
-                <a:ln w="0"/>
-                <a:effectLst>
-                  <a:outerShdw blurRad="38100" dist="19050" dir="2700000" algn="tl" rotWithShape="0">
-                    <a:schemeClr val="dk1">
-                      <a:alpha val="40000"/>
-                    </a:schemeClr>
-                  </a:outerShdw>
-                </a:effectLst>
-              </a:rPr>
-              <a:t>tevredenheid</a:t>
-            </a:r>
-            <a:endParaRPr lang="en-US" sz="2000" dirty="0" smtClean="0">
-              <a:ln w="0"/>
-              <a:effectLst>
-                <a:outerShdw blurRad="38100" dist="19050" dir="2700000" algn="tl" rotWithShape="0">
-                  <a:schemeClr val="dk1">
-                    <a:alpha val="40000"/>
-                  </a:schemeClr>
-                </a:outerShdw>
-              </a:effectLst>
-            </a:endParaRPr>
-          </a:p>
-          <a:p>
-            <a:pPr marL="742950" lvl="1" indent="-285750">
-              <a:buFontTx/>
-              <a:buChar char="-"/>
-            </a:pPr>
-            <a:r>
-              <a:rPr lang="en-US" sz="2000" b="0" cap="none" spc="0" dirty="0" err="1" smtClean="0">
-                <a:ln w="0"/>
-                <a:solidFill>
-                  <a:schemeClr val="tx1"/>
-                </a:solidFill>
-                <a:effectLst>
-                  <a:outerShdw blurRad="38100" dist="19050" dir="2700000" algn="tl" rotWithShape="0">
-                    <a:schemeClr val="dk1">
-                      <a:alpha val="40000"/>
-                    </a:schemeClr>
-                  </a:outerShdw>
-                </a:effectLst>
-              </a:rPr>
-              <a:t>Acceptatie</a:t>
-            </a:r>
-            <a:r>
-              <a:rPr lang="en-US" sz="2000" dirty="0" err="1" smtClean="0">
-                <a:ln w="0"/>
-                <a:effectLst>
-                  <a:outerShdw blurRad="38100" dist="19050" dir="2700000" algn="tl" rotWithShape="0">
-                    <a:schemeClr val="dk1">
-                      <a:alpha val="40000"/>
-                    </a:schemeClr>
-                  </a:outerShdw>
-                </a:effectLst>
-              </a:rPr>
-              <a:t>testen</a:t>
-            </a:r>
-            <a:endParaRPr lang="en-US" sz="2000" dirty="0" smtClean="0">
-              <a:ln w="0"/>
-              <a:effectLst>
-                <a:outerShdw blurRad="38100" dist="19050" dir="2700000" algn="tl" rotWithShape="0">
-                  <a:schemeClr val="dk1">
-                    <a:alpha val="40000"/>
-                  </a:schemeClr>
-                </a:outerShdw>
-              </a:effectLst>
-            </a:endParaRPr>
-          </a:p>
-          <a:p>
-            <a:pPr marL="742950" lvl="1" indent="-285750">
-              <a:buFontTx/>
-              <a:buChar char="-"/>
-            </a:pPr>
-            <a:r>
-              <a:rPr lang="en-US" sz="2000" b="0" cap="none" spc="0" dirty="0" err="1" smtClean="0">
-                <a:ln w="0"/>
-                <a:solidFill>
-                  <a:schemeClr val="tx1"/>
-                </a:solidFill>
-                <a:effectLst>
-                  <a:outerShdw blurRad="38100" dist="19050" dir="2700000" algn="tl" rotWithShape="0">
-                    <a:schemeClr val="dk1">
-                      <a:alpha val="40000"/>
-                    </a:schemeClr>
-                  </a:outerShdw>
-                </a:effectLst>
-              </a:rPr>
-              <a:t>Beoordeling</a:t>
-            </a:r>
-            <a:endParaRPr lang="en-US" sz="2000" b="0" cap="none" spc="0" dirty="0" smtClean="0">
-              <a:ln w="0"/>
-              <a:solidFill>
-                <a:schemeClr val="tx1"/>
-              </a:solidFill>
-              <a:effectLst>
-                <a:outerShdw blurRad="38100" dist="19050" dir="2700000" algn="tl" rotWithShape="0">
-                  <a:schemeClr val="dk1">
-                    <a:alpha val="40000"/>
-                  </a:schemeClr>
-                </a:outerShdw>
-              </a:effectLst>
-            </a:endParaRPr>
-          </a:p>
-        </p:txBody>
-      </p:sp>
-      <p:sp>
-        <p:nvSpPr>
-          <p:cNvPr id="11" name="Rectangle 10"/>
-          <p:cNvSpPr/>
-          <p:nvPr/>
-        </p:nvSpPr>
-        <p:spPr>
-          <a:xfrm>
-            <a:off x="11700164" y="6483924"/>
-            <a:ext cx="394854" cy="301336"/>
-          </a:xfrm>
-          <a:prstGeom prst="rect">
-            <a:avLst/>
-          </a:prstGeom>
-        </p:spPr>
-        <p:style>
-          <a:lnRef idx="2">
-            <a:schemeClr val="accent1">
-              <a:shade val="50000"/>
-            </a:schemeClr>
-          </a:lnRef>
-          <a:fillRef idx="1">
-            <a:schemeClr val="accent1"/>
-          </a:fillRef>
-          <a:effectRef idx="0">
-            <a:schemeClr val="accent1"/>
-          </a:effectRef>
-          <a:fontRef idx="minor">
-            <a:schemeClr val="lt1"/>
-          </a:fontRef>
-        </p:style>
-        <p:txBody>
-          <a:bodyPr rtlCol="0" anchor="ctr"/>
-          <a:lstStyle/>
-          <a:p>
-            <a:pPr algn="ctr"/>
-            <a:endParaRPr lang="nl-NL"/>
-          </a:p>
-        </p:txBody>
-      </p:sp>
-      <p:sp>
-        <p:nvSpPr>
-          <p:cNvPr id="12" name="Rectangle 11"/>
-          <p:cNvSpPr/>
-          <p:nvPr/>
-        </p:nvSpPr>
-        <p:spPr>
-          <a:xfrm>
-            <a:off x="11746748" y="6449926"/>
-            <a:ext cx="301686" cy="369332"/>
-          </a:xfrm>
-          <a:prstGeom prst="rect">
-            <a:avLst/>
-          </a:prstGeom>
-          <a:noFill/>
-        </p:spPr>
-        <p:txBody>
-          <a:bodyPr wrap="none" lIns="91440" tIns="45720" rIns="91440" bIns="45720">
-            <a:spAutoFit/>
-          </a:bodyPr>
-          <a:lstStyle/>
-          <a:p>
-            <a:pPr algn="ctr"/>
-            <a:r>
-              <a:rPr lang="en-US" dirty="0">
-                <a:ln w="0"/>
-                <a:effectLst>
-                  <a:outerShdw blurRad="38100" dist="19050" dir="2700000" algn="tl" rotWithShape="0">
-                    <a:schemeClr val="dk1">
-                      <a:alpha val="40000"/>
-                    </a:schemeClr>
-                  </a:outerShdw>
-                </a:effectLst>
-              </a:rPr>
-              <a:t>7</a:t>
-            </a:r>
-            <a:endParaRPr lang="en-US" b="0" cap="none" spc="0" dirty="0">
-              <a:ln w="0"/>
-              <a:solidFill>
-                <a:schemeClr val="tx1"/>
-              </a:solidFill>
-              <a:effectLst>
-                <a:outerShdw blurRad="38100" dist="19050" dir="2700000" algn="tl" rotWithShape="0">
-                  <a:schemeClr val="dk1">
-                    <a:alpha val="40000"/>
-                  </a:schemeClr>
-                </a:outerShdw>
-              </a:effectLst>
-            </a:endParaRPr>
-          </a:p>
-        </p:txBody>
-      </p:sp>
-    </p:spTree>
-    <p:extLst>
-      <p:ext uri="{BB962C8B-B14F-4D97-AF65-F5344CB8AC3E}">
-        <p14:creationId xmlns:p14="http://schemas.microsoft.com/office/powerpoint/2010/main" val="4208619343"/>
+        <p14:creationId xmlns:p14="http://schemas.microsoft.com/office/powerpoint/2010/main" val="2129084140"/>
       </p:ext>
     </p:extLst>
   </p:cSld>
